--- a/learning_notes/nlp_book.pptx
+++ b/learning_notes/nlp_book.pptx
@@ -5,7 +5,7 @@
     <p:sldMasterId id="2147483648" r:id="rId1"/>
   </p:sldMasterIdLst>
   <p:notesMasterIdLst>
-    <p:notesMasterId r:id="rId27"/>
+    <p:notesMasterId r:id="rId29"/>
   </p:notesMasterIdLst>
   <p:sldIdLst>
     <p:sldId id="256" r:id="rId2"/>
@@ -17,22 +17,24 @@
     <p:sldId id="262" r:id="rId8"/>
     <p:sldId id="263" r:id="rId9"/>
     <p:sldId id="264" r:id="rId10"/>
-    <p:sldId id="267" r:id="rId11"/>
-    <p:sldId id="265" r:id="rId12"/>
-    <p:sldId id="266" r:id="rId13"/>
-    <p:sldId id="270" r:id="rId14"/>
-    <p:sldId id="271" r:id="rId15"/>
-    <p:sldId id="268" r:id="rId16"/>
-    <p:sldId id="269" r:id="rId17"/>
-    <p:sldId id="272" r:id="rId18"/>
-    <p:sldId id="273" r:id="rId19"/>
-    <p:sldId id="280" r:id="rId20"/>
-    <p:sldId id="274" r:id="rId21"/>
-    <p:sldId id="275" r:id="rId22"/>
-    <p:sldId id="276" r:id="rId23"/>
-    <p:sldId id="277" r:id="rId24"/>
-    <p:sldId id="278" r:id="rId25"/>
-    <p:sldId id="279" r:id="rId26"/>
+    <p:sldId id="281" r:id="rId11"/>
+    <p:sldId id="282" r:id="rId12"/>
+    <p:sldId id="283" r:id="rId13"/>
+    <p:sldId id="265" r:id="rId14"/>
+    <p:sldId id="266" r:id="rId15"/>
+    <p:sldId id="270" r:id="rId16"/>
+    <p:sldId id="271" r:id="rId17"/>
+    <p:sldId id="268" r:id="rId18"/>
+    <p:sldId id="269" r:id="rId19"/>
+    <p:sldId id="272" r:id="rId20"/>
+    <p:sldId id="273" r:id="rId21"/>
+    <p:sldId id="280" r:id="rId22"/>
+    <p:sldId id="274" r:id="rId23"/>
+    <p:sldId id="275" r:id="rId24"/>
+    <p:sldId id="276" r:id="rId25"/>
+    <p:sldId id="277" r:id="rId26"/>
+    <p:sldId id="278" r:id="rId27"/>
+    <p:sldId id="279" r:id="rId28"/>
   </p:sldIdLst>
   <p:sldSz cx="9144000" cy="6858000" type="screen4x3"/>
   <p:notesSz cx="6858000" cy="9144000"/>
@@ -617,6 +619,10 @@
           </a:bodyPr>
           <a:lstStyle/>
           <a:p>
+            <a:r>
+              <a:rPr lang="en-US" altLang="zh-CN" dirty="0" smtClean="0"/>
+              <a:t>bagging</a:t>
+            </a:r>
             <a:endParaRPr lang="zh-CN" altLang="en-US" dirty="0"/>
           </a:p>
         </p:txBody>
@@ -700,302 +706,8 @@
           <a:lstStyle/>
           <a:p>
             <a:r>
-              <a:rPr lang="zh-CN" altLang="en-US" sz="1200" b="0" i="0" kern="1200" dirty="0" smtClean="0">
-                <a:solidFill>
-                  <a:schemeClr val="tx1"/>
-                </a:solidFill>
-                <a:latin typeface="+mn-lt"/>
-                <a:ea typeface="+mn-ea"/>
-                <a:cs typeface="+mn-cs"/>
-              </a:rPr>
-              <a:t>上图</a:t>
-            </a:r>
-            <a:r>
-              <a:rPr lang="en-US" altLang="zh-CN" sz="1200" b="0" i="0" kern="1200" dirty="0" smtClean="0">
-                <a:solidFill>
-                  <a:schemeClr val="tx1"/>
-                </a:solidFill>
-                <a:latin typeface="+mn-lt"/>
-                <a:ea typeface="+mn-ea"/>
-                <a:cs typeface="+mn-cs"/>
-              </a:rPr>
-              <a:t>a</a:t>
-            </a:r>
-            <a:r>
-              <a:rPr lang="zh-CN" altLang="en-US" sz="1200" b="0" i="0" kern="1200" dirty="0" smtClean="0">
-                <a:solidFill>
-                  <a:schemeClr val="tx1"/>
-                </a:solidFill>
-                <a:latin typeface="+mn-lt"/>
-                <a:ea typeface="+mn-ea"/>
-                <a:cs typeface="+mn-cs"/>
-              </a:rPr>
-              <a:t>表达了初始的数据集，假设</a:t>
-            </a:r>
-            <a:r>
-              <a:rPr lang="en-US" altLang="zh-CN" sz="1200" b="0" i="0" kern="1200" dirty="0" smtClean="0">
-                <a:solidFill>
-                  <a:schemeClr val="tx1"/>
-                </a:solidFill>
-                <a:latin typeface="+mn-lt"/>
-                <a:ea typeface="+mn-ea"/>
-                <a:cs typeface="+mn-cs"/>
-              </a:rPr>
-              <a:t>k=2</a:t>
-            </a:r>
-            <a:r>
-              <a:rPr lang="zh-CN" altLang="en-US" sz="1200" b="0" i="0" kern="1200" dirty="0" smtClean="0">
-                <a:solidFill>
-                  <a:schemeClr val="tx1"/>
-                </a:solidFill>
-                <a:latin typeface="+mn-lt"/>
-                <a:ea typeface="+mn-ea"/>
-                <a:cs typeface="+mn-cs"/>
-              </a:rPr>
-              <a:t>。在图</a:t>
-            </a:r>
-            <a:r>
-              <a:rPr lang="en-US" altLang="zh-CN" sz="1200" b="0" i="0" kern="1200" dirty="0" smtClean="0">
-                <a:solidFill>
-                  <a:schemeClr val="tx1"/>
-                </a:solidFill>
-                <a:latin typeface="+mn-lt"/>
-                <a:ea typeface="+mn-ea"/>
-                <a:cs typeface="+mn-cs"/>
-              </a:rPr>
-              <a:t>b</a:t>
-            </a:r>
-            <a:r>
-              <a:rPr lang="zh-CN" altLang="en-US" sz="1200" b="0" i="0" kern="1200" dirty="0" smtClean="0">
-                <a:solidFill>
-                  <a:schemeClr val="tx1"/>
-                </a:solidFill>
-                <a:latin typeface="+mn-lt"/>
-                <a:ea typeface="+mn-ea"/>
-                <a:cs typeface="+mn-cs"/>
-              </a:rPr>
-              <a:t>中，我们随机选择了两个</a:t>
-            </a:r>
-            <a:r>
-              <a:rPr lang="en-US" altLang="zh-CN" sz="1200" b="0" i="0" kern="1200" dirty="0" smtClean="0">
-                <a:solidFill>
-                  <a:schemeClr val="tx1"/>
-                </a:solidFill>
-                <a:latin typeface="+mn-lt"/>
-                <a:ea typeface="+mn-ea"/>
-                <a:cs typeface="+mn-cs"/>
-              </a:rPr>
-              <a:t>k</a:t>
-            </a:r>
-            <a:r>
-              <a:rPr lang="zh-CN" altLang="en-US" sz="1200" b="0" i="0" kern="1200" dirty="0" smtClean="0">
-                <a:solidFill>
-                  <a:schemeClr val="tx1"/>
-                </a:solidFill>
-                <a:latin typeface="+mn-lt"/>
-                <a:ea typeface="+mn-ea"/>
-                <a:cs typeface="+mn-cs"/>
-              </a:rPr>
-              <a:t>类所对应的类别质心，即图中的红色质心和蓝色质心，然后分别求样本中所有点到这两个质心的距离，并标记每个样本的类别为和该样本距离最小的质心的类别，如图</a:t>
-            </a:r>
-            <a:r>
-              <a:rPr lang="en-US" altLang="zh-CN" sz="1200" b="0" i="0" kern="1200" dirty="0" smtClean="0">
-                <a:solidFill>
-                  <a:schemeClr val="tx1"/>
-                </a:solidFill>
-                <a:latin typeface="+mn-lt"/>
-                <a:ea typeface="+mn-ea"/>
-                <a:cs typeface="+mn-cs"/>
-              </a:rPr>
-              <a:t>c</a:t>
-            </a:r>
-            <a:r>
-              <a:rPr lang="zh-CN" altLang="en-US" sz="1200" b="0" i="0" kern="1200" dirty="0" smtClean="0">
-                <a:solidFill>
-                  <a:schemeClr val="tx1"/>
-                </a:solidFill>
-                <a:latin typeface="+mn-lt"/>
-                <a:ea typeface="+mn-ea"/>
-                <a:cs typeface="+mn-cs"/>
-              </a:rPr>
-              <a:t>所示，经过计算样本和红色质心和蓝色质心的距离，我们得到了所有样本点的第一轮迭代后的类别。此时我们对我们当前标记为红色和蓝色的点分别求其新的质心，如图</a:t>
-            </a:r>
-            <a:r>
-              <a:rPr lang="en-US" altLang="zh-CN" sz="1200" b="0" i="0" kern="1200" dirty="0" smtClean="0">
-                <a:solidFill>
-                  <a:schemeClr val="tx1"/>
-                </a:solidFill>
-                <a:latin typeface="+mn-lt"/>
-                <a:ea typeface="+mn-ea"/>
-                <a:cs typeface="+mn-cs"/>
-              </a:rPr>
-              <a:t>4</a:t>
-            </a:r>
-            <a:r>
-              <a:rPr lang="zh-CN" altLang="en-US" sz="1200" b="0" i="0" kern="1200" dirty="0" smtClean="0">
-                <a:solidFill>
-                  <a:schemeClr val="tx1"/>
-                </a:solidFill>
-                <a:latin typeface="+mn-lt"/>
-                <a:ea typeface="+mn-ea"/>
-                <a:cs typeface="+mn-cs"/>
-              </a:rPr>
-              <a:t>所示，新的红色质心和蓝色质心的位置已经发生了变动。图</a:t>
-            </a:r>
-            <a:r>
-              <a:rPr lang="en-US" altLang="zh-CN" sz="1200" b="0" i="0" kern="1200" dirty="0" smtClean="0">
-                <a:solidFill>
-                  <a:schemeClr val="tx1"/>
-                </a:solidFill>
-                <a:latin typeface="+mn-lt"/>
-                <a:ea typeface="+mn-ea"/>
-                <a:cs typeface="+mn-cs"/>
-              </a:rPr>
-              <a:t>e</a:t>
-            </a:r>
-            <a:r>
-              <a:rPr lang="zh-CN" altLang="en-US" sz="1200" b="0" i="0" kern="1200" dirty="0" smtClean="0">
-                <a:solidFill>
-                  <a:schemeClr val="tx1"/>
-                </a:solidFill>
-                <a:latin typeface="+mn-lt"/>
-                <a:ea typeface="+mn-ea"/>
-                <a:cs typeface="+mn-cs"/>
-              </a:rPr>
-              <a:t>和图</a:t>
-            </a:r>
-            <a:r>
-              <a:rPr lang="en-US" altLang="zh-CN" sz="1200" b="0" i="0" kern="1200" dirty="0" smtClean="0">
-                <a:solidFill>
-                  <a:schemeClr val="tx1"/>
-                </a:solidFill>
-                <a:latin typeface="+mn-lt"/>
-                <a:ea typeface="+mn-ea"/>
-                <a:cs typeface="+mn-cs"/>
-              </a:rPr>
-              <a:t>f</a:t>
-            </a:r>
-            <a:r>
-              <a:rPr lang="zh-CN" altLang="en-US" sz="1200" b="0" i="0" kern="1200" dirty="0" smtClean="0">
-                <a:solidFill>
-                  <a:schemeClr val="tx1"/>
-                </a:solidFill>
-                <a:latin typeface="+mn-lt"/>
-                <a:ea typeface="+mn-ea"/>
-                <a:cs typeface="+mn-cs"/>
-              </a:rPr>
-              <a:t>重复了我们在图</a:t>
-            </a:r>
-            <a:r>
-              <a:rPr lang="en-US" altLang="zh-CN" sz="1200" b="0" i="0" kern="1200" dirty="0" smtClean="0">
-                <a:solidFill>
-                  <a:schemeClr val="tx1"/>
-                </a:solidFill>
-                <a:latin typeface="+mn-lt"/>
-                <a:ea typeface="+mn-ea"/>
-                <a:cs typeface="+mn-cs"/>
-              </a:rPr>
-              <a:t>c</a:t>
-            </a:r>
-            <a:r>
-              <a:rPr lang="zh-CN" altLang="en-US" sz="1200" b="0" i="0" kern="1200" dirty="0" smtClean="0">
-                <a:solidFill>
-                  <a:schemeClr val="tx1"/>
-                </a:solidFill>
-                <a:latin typeface="+mn-lt"/>
-                <a:ea typeface="+mn-ea"/>
-                <a:cs typeface="+mn-cs"/>
-              </a:rPr>
-              <a:t>和图</a:t>
-            </a:r>
-            <a:r>
-              <a:rPr lang="en-US" altLang="zh-CN" sz="1200" b="0" i="0" kern="1200" dirty="0" smtClean="0">
-                <a:solidFill>
-                  <a:schemeClr val="tx1"/>
-                </a:solidFill>
-                <a:latin typeface="+mn-lt"/>
-                <a:ea typeface="+mn-ea"/>
-                <a:cs typeface="+mn-cs"/>
-              </a:rPr>
-              <a:t>d</a:t>
-            </a:r>
-            <a:r>
-              <a:rPr lang="zh-CN" altLang="en-US" sz="1200" b="0" i="0" kern="1200" dirty="0" smtClean="0">
-                <a:solidFill>
-                  <a:schemeClr val="tx1"/>
-                </a:solidFill>
-                <a:latin typeface="+mn-lt"/>
-                <a:ea typeface="+mn-ea"/>
-                <a:cs typeface="+mn-cs"/>
-              </a:rPr>
-              <a:t>的过程，即将所有点的类别标记为距离最近的质心的类别并求新的质心。最终我们得到的两个类别如图</a:t>
-            </a:r>
-            <a:r>
-              <a:rPr lang="en-US" altLang="zh-CN" sz="1200" b="0" i="0" kern="1200" dirty="0" smtClean="0">
-                <a:solidFill>
-                  <a:schemeClr val="tx1"/>
-                </a:solidFill>
-                <a:latin typeface="+mn-lt"/>
-                <a:ea typeface="+mn-ea"/>
-                <a:cs typeface="+mn-cs"/>
-              </a:rPr>
-              <a:t>f</a:t>
-            </a:r>
-            <a:r>
-              <a:rPr lang="zh-CN" altLang="en-US" sz="1200" b="0" i="0" kern="1200" dirty="0" smtClean="0">
-                <a:solidFill>
-                  <a:schemeClr val="tx1"/>
-                </a:solidFill>
-                <a:latin typeface="+mn-lt"/>
-                <a:ea typeface="+mn-ea"/>
-                <a:cs typeface="+mn-cs"/>
-              </a:rPr>
-              <a:t>。</a:t>
-            </a:r>
-            <a:endParaRPr lang="en-US" altLang="zh-CN" sz="1200" b="0" i="0" kern="1200" dirty="0" smtClean="0">
-              <a:solidFill>
-                <a:schemeClr val="tx1"/>
-              </a:solidFill>
-              <a:latin typeface="+mn-lt"/>
-              <a:ea typeface="+mn-ea"/>
-              <a:cs typeface="+mn-cs"/>
-            </a:endParaRPr>
-          </a:p>
-          <a:p>
-            <a:endParaRPr lang="en-US" altLang="zh-CN" sz="1200" b="0" i="0" kern="1200" dirty="0" smtClean="0">
-              <a:solidFill>
-                <a:schemeClr val="tx1"/>
-              </a:solidFill>
-              <a:latin typeface="+mn-lt"/>
-              <a:ea typeface="+mn-ea"/>
-              <a:cs typeface="+mn-cs"/>
-            </a:endParaRPr>
-          </a:p>
-          <a:p>
-            <a:r>
               <a:rPr lang="zh-CN" altLang="en-US" dirty="0" smtClean="0"/>
-              <a:t>每个点：归到质心最近的那个类。</a:t>
-            </a:r>
-            <a:endParaRPr lang="en-US" altLang="zh-CN" dirty="0" smtClean="0"/>
-          </a:p>
-          <a:p>
-            <a:r>
-              <a:rPr lang="zh-CN" altLang="en-US" dirty="0" smtClean="0"/>
-              <a:t>重新计算质心。</a:t>
-            </a:r>
-            <a:endParaRPr lang="en-US" altLang="zh-CN" dirty="0" smtClean="0"/>
-          </a:p>
-          <a:p>
-            <a:r>
-              <a:rPr lang="zh-CN" altLang="en-US" dirty="0" smtClean="0"/>
-              <a:t>每个点：归到质心最近的类。</a:t>
-            </a:r>
-            <a:endParaRPr lang="en-US" altLang="zh-CN" dirty="0" smtClean="0"/>
-          </a:p>
-          <a:p>
-            <a:r>
-              <a:rPr lang="zh-CN" altLang="en-US" dirty="0" smtClean="0"/>
-              <a:t>重复</a:t>
+              <a:t>每个弱学习器的样本选取：随机放回抽样</a:t>
             </a:r>
             <a:endParaRPr lang="zh-CN" altLang="en-US" dirty="0"/>
           </a:p>
@@ -1079,413 +791,6 @@
           </a:bodyPr>
           <a:lstStyle/>
           <a:p>
-            <a:r>
-              <a:rPr lang="en-US" altLang="zh-CN" sz="1200" b="0" i="0" kern="1200" dirty="0" smtClean="0">
-                <a:solidFill>
-                  <a:schemeClr val="tx1"/>
-                </a:solidFill>
-                <a:latin typeface="+mn-lt"/>
-                <a:ea typeface="+mn-ea"/>
-                <a:cs typeface="+mn-cs"/>
-              </a:rPr>
-              <a:t>GBDT</a:t>
-            </a:r>
-            <a:r>
-              <a:rPr lang="zh-CN" altLang="en-US" sz="1200" b="0" i="0" kern="1200" dirty="0" smtClean="0">
-                <a:solidFill>
-                  <a:schemeClr val="tx1"/>
-                </a:solidFill>
-                <a:latin typeface="+mn-lt"/>
-                <a:ea typeface="+mn-ea"/>
-                <a:cs typeface="+mn-cs"/>
-              </a:rPr>
-              <a:t>的思想可以用一个通俗的例子解释，假如有个人</a:t>
-            </a:r>
-            <a:r>
-              <a:rPr lang="en-US" altLang="zh-CN" sz="1200" b="0" i="0" kern="1200" dirty="0" smtClean="0">
-                <a:solidFill>
-                  <a:schemeClr val="tx1"/>
-                </a:solidFill>
-                <a:latin typeface="+mn-lt"/>
-                <a:ea typeface="+mn-ea"/>
-                <a:cs typeface="+mn-cs"/>
-              </a:rPr>
-              <a:t>30</a:t>
-            </a:r>
-            <a:r>
-              <a:rPr lang="zh-CN" altLang="en-US" sz="1200" b="0" i="0" kern="1200" dirty="0" smtClean="0">
-                <a:solidFill>
-                  <a:schemeClr val="tx1"/>
-                </a:solidFill>
-                <a:latin typeface="+mn-lt"/>
-                <a:ea typeface="+mn-ea"/>
-                <a:cs typeface="+mn-cs"/>
-              </a:rPr>
-              <a:t>岁，我们首先用</a:t>
-            </a:r>
-            <a:r>
-              <a:rPr lang="en-US" altLang="zh-CN" sz="1200" b="0" i="0" kern="1200" dirty="0" smtClean="0">
-                <a:solidFill>
-                  <a:schemeClr val="tx1"/>
-                </a:solidFill>
-                <a:latin typeface="+mn-lt"/>
-                <a:ea typeface="+mn-ea"/>
-                <a:cs typeface="+mn-cs"/>
-              </a:rPr>
-              <a:t>20</a:t>
-            </a:r>
-            <a:r>
-              <a:rPr lang="zh-CN" altLang="en-US" sz="1200" b="0" i="0" kern="1200" dirty="0" smtClean="0">
-                <a:solidFill>
-                  <a:schemeClr val="tx1"/>
-                </a:solidFill>
-                <a:latin typeface="+mn-lt"/>
-                <a:ea typeface="+mn-ea"/>
-                <a:cs typeface="+mn-cs"/>
-              </a:rPr>
-              <a:t>岁去拟合，发现损失有</a:t>
-            </a:r>
-            <a:r>
-              <a:rPr lang="en-US" altLang="zh-CN" sz="1200" b="0" i="0" kern="1200" dirty="0" smtClean="0">
-                <a:solidFill>
-                  <a:schemeClr val="tx1"/>
-                </a:solidFill>
-                <a:latin typeface="+mn-lt"/>
-                <a:ea typeface="+mn-ea"/>
-                <a:cs typeface="+mn-cs"/>
-              </a:rPr>
-              <a:t>10</a:t>
-            </a:r>
-            <a:r>
-              <a:rPr lang="zh-CN" altLang="en-US" sz="1200" b="0" i="0" kern="1200" dirty="0" smtClean="0">
-                <a:solidFill>
-                  <a:schemeClr val="tx1"/>
-                </a:solidFill>
-                <a:latin typeface="+mn-lt"/>
-                <a:ea typeface="+mn-ea"/>
-                <a:cs typeface="+mn-cs"/>
-              </a:rPr>
-              <a:t>岁，这时我们用</a:t>
-            </a:r>
-            <a:r>
-              <a:rPr lang="en-US" altLang="zh-CN" sz="1200" b="0" i="0" kern="1200" dirty="0" smtClean="0">
-                <a:solidFill>
-                  <a:schemeClr val="tx1"/>
-                </a:solidFill>
-                <a:latin typeface="+mn-lt"/>
-                <a:ea typeface="+mn-ea"/>
-                <a:cs typeface="+mn-cs"/>
-              </a:rPr>
-              <a:t>6</a:t>
-            </a:r>
-            <a:r>
-              <a:rPr lang="zh-CN" altLang="en-US" sz="1200" b="0" i="0" kern="1200" dirty="0" smtClean="0">
-                <a:solidFill>
-                  <a:schemeClr val="tx1"/>
-                </a:solidFill>
-                <a:latin typeface="+mn-lt"/>
-                <a:ea typeface="+mn-ea"/>
-                <a:cs typeface="+mn-cs"/>
-              </a:rPr>
-              <a:t>岁去拟合剩下的损失，发现差距还有</a:t>
-            </a:r>
-            <a:r>
-              <a:rPr lang="en-US" altLang="zh-CN" sz="1200" b="0" i="0" kern="1200" dirty="0" smtClean="0">
-                <a:solidFill>
-                  <a:schemeClr val="tx1"/>
-                </a:solidFill>
-                <a:latin typeface="+mn-lt"/>
-                <a:ea typeface="+mn-ea"/>
-                <a:cs typeface="+mn-cs"/>
-              </a:rPr>
-              <a:t>4</a:t>
-            </a:r>
-            <a:r>
-              <a:rPr lang="zh-CN" altLang="en-US" sz="1200" b="0" i="0" kern="1200" dirty="0" smtClean="0">
-                <a:solidFill>
-                  <a:schemeClr val="tx1"/>
-                </a:solidFill>
-                <a:latin typeface="+mn-lt"/>
-                <a:ea typeface="+mn-ea"/>
-                <a:cs typeface="+mn-cs"/>
-              </a:rPr>
-              <a:t>岁，第三轮我们用</a:t>
-            </a:r>
-            <a:r>
-              <a:rPr lang="en-US" altLang="zh-CN" sz="1200" b="0" i="0" kern="1200" dirty="0" smtClean="0">
-                <a:solidFill>
-                  <a:schemeClr val="tx1"/>
-                </a:solidFill>
-                <a:latin typeface="+mn-lt"/>
-                <a:ea typeface="+mn-ea"/>
-                <a:cs typeface="+mn-cs"/>
-              </a:rPr>
-              <a:t>3</a:t>
-            </a:r>
-            <a:r>
-              <a:rPr lang="zh-CN" altLang="en-US" sz="1200" b="0" i="0" kern="1200" dirty="0" smtClean="0">
-                <a:solidFill>
-                  <a:schemeClr val="tx1"/>
-                </a:solidFill>
-                <a:latin typeface="+mn-lt"/>
-                <a:ea typeface="+mn-ea"/>
-                <a:cs typeface="+mn-cs"/>
-              </a:rPr>
-              <a:t>岁拟合剩下的差距，差距就只有一岁了。如果我们的迭代轮数还没有完，可以继续迭代下面，每一轮迭代，拟合的岁数误差都会减小。</a:t>
-            </a:r>
-            <a:endParaRPr lang="en-US" altLang="zh-CN" sz="1200" b="0" i="0" kern="1200" dirty="0" smtClean="0">
-              <a:solidFill>
-                <a:schemeClr val="tx1"/>
-              </a:solidFill>
-              <a:latin typeface="+mn-lt"/>
-              <a:ea typeface="+mn-ea"/>
-              <a:cs typeface="+mn-cs"/>
-            </a:endParaRPr>
-          </a:p>
-          <a:p>
-            <a:endParaRPr lang="en-US" altLang="zh-CN" sz="1200" b="0" i="0" kern="1200" dirty="0" smtClean="0">
-              <a:solidFill>
-                <a:schemeClr val="tx1"/>
-              </a:solidFill>
-              <a:latin typeface="+mn-lt"/>
-              <a:ea typeface="+mn-ea"/>
-              <a:cs typeface="+mn-cs"/>
-            </a:endParaRPr>
-          </a:p>
-          <a:p>
-            <a:endParaRPr lang="en-US" altLang="zh-CN" sz="1200" b="0" i="0" kern="1200" dirty="0" smtClean="0">
-              <a:solidFill>
-                <a:schemeClr val="tx1"/>
-              </a:solidFill>
-              <a:latin typeface="+mn-lt"/>
-              <a:ea typeface="+mn-ea"/>
-              <a:cs typeface="+mn-cs"/>
-            </a:endParaRPr>
-          </a:p>
-          <a:p>
-            <a:r>
-              <a:rPr lang="zh-CN" altLang="en-US" sz="1200" b="0" i="0" kern="1200" dirty="0" smtClean="0">
-                <a:solidFill>
-                  <a:schemeClr val="tx1"/>
-                </a:solidFill>
-                <a:latin typeface="+mn-lt"/>
-                <a:ea typeface="+mn-ea"/>
-                <a:cs typeface="+mn-cs"/>
-              </a:rPr>
-              <a:t>误差大</a:t>
-            </a:r>
-            <a:r>
-              <a:rPr lang="en-US" altLang="zh-CN" sz="1200" b="0" i="0" kern="1200" dirty="0" smtClean="0">
-                <a:solidFill>
-                  <a:schemeClr val="tx1"/>
-                </a:solidFill>
-                <a:latin typeface="+mn-lt"/>
-                <a:ea typeface="+mn-ea"/>
-                <a:cs typeface="+mn-cs"/>
-              </a:rPr>
-              <a:t>,</a:t>
-            </a:r>
-            <a:r>
-              <a:rPr lang="zh-CN" altLang="en-US" sz="1200" b="0" i="0" kern="1200" dirty="0" smtClean="0">
-                <a:solidFill>
-                  <a:schemeClr val="tx1"/>
-                </a:solidFill>
-                <a:latin typeface="+mn-lt"/>
-                <a:ea typeface="+mn-ea"/>
-                <a:cs typeface="+mn-cs"/>
-              </a:rPr>
-              <a:t>由异常值引起</a:t>
-            </a:r>
-            <a:r>
-              <a:rPr lang="en-US" altLang="zh-CN" sz="1200" b="0" i="0" kern="1200" dirty="0" smtClean="0">
-                <a:solidFill>
-                  <a:schemeClr val="tx1"/>
-                </a:solidFill>
-                <a:latin typeface="+mn-lt"/>
-                <a:ea typeface="+mn-ea"/>
-                <a:cs typeface="+mn-cs"/>
-              </a:rPr>
-              <a:t>.</a:t>
-            </a:r>
-            <a:r>
-              <a:rPr lang="zh-CN" altLang="en-US" sz="1200" b="0" i="0" kern="1200" dirty="0" smtClean="0">
-                <a:solidFill>
-                  <a:schemeClr val="tx1"/>
-                </a:solidFill>
-                <a:latin typeface="+mn-lt"/>
-                <a:ea typeface="+mn-ea"/>
-                <a:cs typeface="+mn-cs"/>
-              </a:rPr>
-              <a:t>表明数据可能有严重的测量错误</a:t>
-            </a:r>
-            <a:r>
-              <a:rPr lang="en-US" altLang="zh-CN" sz="1200" b="0" i="0" kern="1200" dirty="0" smtClean="0">
-                <a:solidFill>
-                  <a:schemeClr val="tx1"/>
-                </a:solidFill>
-                <a:latin typeface="+mn-lt"/>
-                <a:ea typeface="+mn-ea"/>
-                <a:cs typeface="+mn-cs"/>
-              </a:rPr>
-              <a:t>;</a:t>
-            </a:r>
-            <a:r>
-              <a:rPr lang="zh-CN" altLang="en-US" sz="1200" b="0" i="0" kern="1200" dirty="0" smtClean="0">
-                <a:solidFill>
-                  <a:schemeClr val="tx1"/>
-                </a:solidFill>
-                <a:latin typeface="+mn-lt"/>
-                <a:ea typeface="+mn-ea"/>
-                <a:cs typeface="+mn-cs"/>
-              </a:rPr>
-              <a:t>或者所选模型不合适</a:t>
-            </a:r>
-          </a:p>
-          <a:p>
-            <a:r>
-              <a:rPr lang="zh-CN" altLang="en-US" sz="1200" b="0" i="0" kern="1200" dirty="0" smtClean="0">
-                <a:solidFill>
-                  <a:schemeClr val="tx1"/>
-                </a:solidFill>
-                <a:latin typeface="+mn-lt"/>
-                <a:ea typeface="+mn-ea"/>
-                <a:cs typeface="+mn-cs"/>
-              </a:rPr>
-              <a:t>残差大</a:t>
-            </a:r>
-            <a:r>
-              <a:rPr lang="en-US" altLang="zh-CN" sz="1200" b="0" i="0" kern="1200" dirty="0" smtClean="0">
-                <a:solidFill>
-                  <a:schemeClr val="tx1"/>
-                </a:solidFill>
-                <a:latin typeface="+mn-lt"/>
-                <a:ea typeface="+mn-ea"/>
-                <a:cs typeface="+mn-cs"/>
-              </a:rPr>
-              <a:t>,</a:t>
-            </a:r>
-            <a:r>
-              <a:rPr lang="zh-CN" altLang="en-US" sz="1200" b="0" i="0" kern="1200" dirty="0" smtClean="0">
-                <a:solidFill>
-                  <a:schemeClr val="tx1"/>
-                </a:solidFill>
-                <a:latin typeface="+mn-lt"/>
-                <a:ea typeface="+mn-ea"/>
-                <a:cs typeface="+mn-cs"/>
-              </a:rPr>
-              <a:t>表明样本不具代表性</a:t>
-            </a:r>
-            <a:r>
-              <a:rPr lang="en-US" altLang="zh-CN" sz="1200" b="0" i="0" kern="1200" dirty="0" smtClean="0">
-                <a:solidFill>
-                  <a:schemeClr val="tx1"/>
-                </a:solidFill>
-                <a:latin typeface="+mn-lt"/>
-                <a:ea typeface="+mn-ea"/>
-                <a:cs typeface="+mn-cs"/>
-              </a:rPr>
-              <a:t>,</a:t>
-            </a:r>
-            <a:r>
-              <a:rPr lang="zh-CN" altLang="en-US" sz="1200" b="0" i="0" kern="1200" dirty="0" smtClean="0">
-                <a:solidFill>
-                  <a:schemeClr val="tx1"/>
-                </a:solidFill>
-                <a:latin typeface="+mn-lt"/>
-                <a:ea typeface="+mn-ea"/>
-                <a:cs typeface="+mn-cs"/>
-              </a:rPr>
-              <a:t>也有可能由特征值引起</a:t>
-            </a:r>
-          </a:p>
-          <a:p>
-            <a:endParaRPr lang="en-US" altLang="zh-CN" sz="1200" b="0" i="0" kern="1200" dirty="0" smtClean="0">
-              <a:solidFill>
-                <a:schemeClr val="tx1"/>
-              </a:solidFill>
-              <a:latin typeface="+mn-lt"/>
-              <a:ea typeface="+mn-ea"/>
-              <a:cs typeface="+mn-cs"/>
-            </a:endParaRPr>
-          </a:p>
-          <a:p>
-            <a:r>
-              <a:rPr lang="zh-CN" altLang="en-US" sz="1200" b="0" i="0" kern="1200" dirty="0" smtClean="0">
-                <a:solidFill>
-                  <a:schemeClr val="tx1"/>
-                </a:solidFill>
-                <a:latin typeface="+mn-lt"/>
-                <a:ea typeface="+mn-ea"/>
-                <a:cs typeface="+mn-cs"/>
-              </a:rPr>
-              <a:t>看一个模型是否合适</a:t>
-            </a:r>
-            <a:r>
-              <a:rPr lang="en-US" altLang="zh-CN" sz="1200" b="0" i="0" kern="1200" dirty="0" smtClean="0">
-                <a:solidFill>
-                  <a:schemeClr val="tx1"/>
-                </a:solidFill>
-                <a:latin typeface="+mn-lt"/>
-                <a:ea typeface="+mn-ea"/>
-                <a:cs typeface="+mn-cs"/>
-              </a:rPr>
-              <a:t>,</a:t>
-            </a:r>
-            <a:r>
-              <a:rPr lang="zh-CN" altLang="en-US" sz="1200" b="0" i="0" kern="1200" dirty="0" smtClean="0">
-                <a:solidFill>
-                  <a:schemeClr val="tx1"/>
-                </a:solidFill>
-                <a:latin typeface="+mn-lt"/>
-                <a:ea typeface="+mn-ea"/>
-                <a:cs typeface="+mn-cs"/>
-              </a:rPr>
-              <a:t>看误差</a:t>
-            </a:r>
-            <a:r>
-              <a:rPr lang="en-US" altLang="zh-CN" sz="1200" b="0" i="0" kern="1200" dirty="0" smtClean="0">
-                <a:solidFill>
-                  <a:schemeClr val="tx1"/>
-                </a:solidFill>
-                <a:latin typeface="+mn-lt"/>
-                <a:ea typeface="+mn-ea"/>
-                <a:cs typeface="+mn-cs"/>
-              </a:rPr>
-              <a:t>;</a:t>
-            </a:r>
-            <a:r>
-              <a:rPr lang="zh-CN" altLang="en-US" sz="1200" b="0" i="0" kern="1200" dirty="0" smtClean="0">
-                <a:solidFill>
-                  <a:schemeClr val="tx1"/>
-                </a:solidFill>
-                <a:latin typeface="+mn-lt"/>
-                <a:ea typeface="+mn-ea"/>
-                <a:cs typeface="+mn-cs"/>
-              </a:rPr>
-              <a:t>要看所取样本是否合适</a:t>
-            </a:r>
-            <a:r>
-              <a:rPr lang="en-US" altLang="zh-CN" sz="1200" b="0" i="0" kern="1200" dirty="0" smtClean="0">
-                <a:solidFill>
-                  <a:schemeClr val="tx1"/>
-                </a:solidFill>
-                <a:latin typeface="+mn-lt"/>
-                <a:ea typeface="+mn-ea"/>
-                <a:cs typeface="+mn-cs"/>
-              </a:rPr>
-              <a:t>,</a:t>
-            </a:r>
-            <a:r>
-              <a:rPr lang="zh-CN" altLang="en-US" sz="1200" b="0" i="0" kern="1200" dirty="0" smtClean="0">
-                <a:solidFill>
-                  <a:schemeClr val="tx1"/>
-                </a:solidFill>
-                <a:latin typeface="+mn-lt"/>
-                <a:ea typeface="+mn-ea"/>
-                <a:cs typeface="+mn-cs"/>
-              </a:rPr>
-              <a:t>看残差！</a:t>
-            </a:r>
             <a:endParaRPr lang="zh-CN" altLang="en-US" dirty="0"/>
           </a:p>
         </p:txBody>
@@ -1569,39 +874,302 @@
           <a:lstStyle/>
           <a:p>
             <a:r>
+              <a:rPr lang="zh-CN" altLang="en-US" sz="1200" b="0" i="0" kern="1200" dirty="0" smtClean="0">
+                <a:solidFill>
+                  <a:schemeClr val="tx1"/>
+                </a:solidFill>
+                <a:latin typeface="+mn-lt"/>
+                <a:ea typeface="+mn-ea"/>
+                <a:cs typeface="+mn-cs"/>
+              </a:rPr>
+              <a:t>上图</a:t>
+            </a:r>
+            <a:r>
+              <a:rPr lang="en-US" altLang="zh-CN" sz="1200" b="0" i="0" kern="1200" dirty="0" smtClean="0">
+                <a:solidFill>
+                  <a:schemeClr val="tx1"/>
+                </a:solidFill>
+                <a:latin typeface="+mn-lt"/>
+                <a:ea typeface="+mn-ea"/>
+                <a:cs typeface="+mn-cs"/>
+              </a:rPr>
+              <a:t>a</a:t>
+            </a:r>
+            <a:r>
+              <a:rPr lang="zh-CN" altLang="en-US" sz="1200" b="0" i="0" kern="1200" dirty="0" smtClean="0">
+                <a:solidFill>
+                  <a:schemeClr val="tx1"/>
+                </a:solidFill>
+                <a:latin typeface="+mn-lt"/>
+                <a:ea typeface="+mn-ea"/>
+                <a:cs typeface="+mn-cs"/>
+              </a:rPr>
+              <a:t>表达了初始的数据集，假设</a:t>
+            </a:r>
+            <a:r>
+              <a:rPr lang="en-US" altLang="zh-CN" sz="1200" b="0" i="0" kern="1200" dirty="0" smtClean="0">
+                <a:solidFill>
+                  <a:schemeClr val="tx1"/>
+                </a:solidFill>
+                <a:latin typeface="+mn-lt"/>
+                <a:ea typeface="+mn-ea"/>
+                <a:cs typeface="+mn-cs"/>
+              </a:rPr>
+              <a:t>k=2</a:t>
+            </a:r>
+            <a:r>
+              <a:rPr lang="zh-CN" altLang="en-US" sz="1200" b="0" i="0" kern="1200" dirty="0" smtClean="0">
+                <a:solidFill>
+                  <a:schemeClr val="tx1"/>
+                </a:solidFill>
+                <a:latin typeface="+mn-lt"/>
+                <a:ea typeface="+mn-ea"/>
+                <a:cs typeface="+mn-cs"/>
+              </a:rPr>
+              <a:t>。在图</a:t>
+            </a:r>
+            <a:r>
+              <a:rPr lang="en-US" altLang="zh-CN" sz="1200" b="0" i="0" kern="1200" dirty="0" smtClean="0">
+                <a:solidFill>
+                  <a:schemeClr val="tx1"/>
+                </a:solidFill>
+                <a:latin typeface="+mn-lt"/>
+                <a:ea typeface="+mn-ea"/>
+                <a:cs typeface="+mn-cs"/>
+              </a:rPr>
+              <a:t>b</a:t>
+            </a:r>
+            <a:r>
+              <a:rPr lang="zh-CN" altLang="en-US" sz="1200" b="0" i="0" kern="1200" dirty="0" smtClean="0">
+                <a:solidFill>
+                  <a:schemeClr val="tx1"/>
+                </a:solidFill>
+                <a:latin typeface="+mn-lt"/>
+                <a:ea typeface="+mn-ea"/>
+                <a:cs typeface="+mn-cs"/>
+              </a:rPr>
+              <a:t>中，我们随机选择了两个</a:t>
+            </a:r>
+            <a:r>
+              <a:rPr lang="en-US" altLang="zh-CN" sz="1200" b="0" i="0" kern="1200" dirty="0" smtClean="0">
+                <a:solidFill>
+                  <a:schemeClr val="tx1"/>
+                </a:solidFill>
+                <a:latin typeface="+mn-lt"/>
+                <a:ea typeface="+mn-ea"/>
+                <a:cs typeface="+mn-cs"/>
+              </a:rPr>
+              <a:t>k</a:t>
+            </a:r>
+            <a:r>
+              <a:rPr lang="zh-CN" altLang="en-US" sz="1200" b="0" i="0" kern="1200" dirty="0" smtClean="0">
+                <a:solidFill>
+                  <a:schemeClr val="tx1"/>
+                </a:solidFill>
+                <a:latin typeface="+mn-lt"/>
+                <a:ea typeface="+mn-ea"/>
+                <a:cs typeface="+mn-cs"/>
+              </a:rPr>
+              <a:t>类所对应的类别质心，即图中的红色质心和蓝色质心，然后分别求样本中所有点到这两个质心的距离，并标记每个样本的类别为和该样本距离最小的质心的类别，如图</a:t>
+            </a:r>
+            <a:r>
+              <a:rPr lang="en-US" altLang="zh-CN" sz="1200" b="0" i="0" kern="1200" dirty="0" smtClean="0">
+                <a:solidFill>
+                  <a:schemeClr val="tx1"/>
+                </a:solidFill>
+                <a:latin typeface="+mn-lt"/>
+                <a:ea typeface="+mn-ea"/>
+                <a:cs typeface="+mn-cs"/>
+              </a:rPr>
+              <a:t>c</a:t>
+            </a:r>
+            <a:r>
+              <a:rPr lang="zh-CN" altLang="en-US" sz="1200" b="0" i="0" kern="1200" dirty="0" smtClean="0">
+                <a:solidFill>
+                  <a:schemeClr val="tx1"/>
+                </a:solidFill>
+                <a:latin typeface="+mn-lt"/>
+                <a:ea typeface="+mn-ea"/>
+                <a:cs typeface="+mn-cs"/>
+              </a:rPr>
+              <a:t>所示，经过计算样本和红色质心和蓝色质心的距离，我们得到了所有样本点的第一轮迭代后的类别。此时我们对我们当前标记为红色和蓝色的点分别求其新的质心，如图</a:t>
+            </a:r>
+            <a:r>
+              <a:rPr lang="en-US" altLang="zh-CN" sz="1200" b="0" i="0" kern="1200" dirty="0" smtClean="0">
+                <a:solidFill>
+                  <a:schemeClr val="tx1"/>
+                </a:solidFill>
+                <a:latin typeface="+mn-lt"/>
+                <a:ea typeface="+mn-ea"/>
+                <a:cs typeface="+mn-cs"/>
+              </a:rPr>
+              <a:t>4</a:t>
+            </a:r>
+            <a:r>
+              <a:rPr lang="zh-CN" altLang="en-US" sz="1200" b="0" i="0" kern="1200" dirty="0" smtClean="0">
+                <a:solidFill>
+                  <a:schemeClr val="tx1"/>
+                </a:solidFill>
+                <a:latin typeface="+mn-lt"/>
+                <a:ea typeface="+mn-ea"/>
+                <a:cs typeface="+mn-cs"/>
+              </a:rPr>
+              <a:t>所示，新的红色质心和蓝色质心的位置已经发生了变动。图</a:t>
+            </a:r>
+            <a:r>
+              <a:rPr lang="en-US" altLang="zh-CN" sz="1200" b="0" i="0" kern="1200" dirty="0" smtClean="0">
+                <a:solidFill>
+                  <a:schemeClr val="tx1"/>
+                </a:solidFill>
+                <a:latin typeface="+mn-lt"/>
+                <a:ea typeface="+mn-ea"/>
+                <a:cs typeface="+mn-cs"/>
+              </a:rPr>
+              <a:t>e</a:t>
+            </a:r>
+            <a:r>
+              <a:rPr lang="zh-CN" altLang="en-US" sz="1200" b="0" i="0" kern="1200" dirty="0" smtClean="0">
+                <a:solidFill>
+                  <a:schemeClr val="tx1"/>
+                </a:solidFill>
+                <a:latin typeface="+mn-lt"/>
+                <a:ea typeface="+mn-ea"/>
+                <a:cs typeface="+mn-cs"/>
+              </a:rPr>
+              <a:t>和图</a:t>
+            </a:r>
+            <a:r>
+              <a:rPr lang="en-US" altLang="zh-CN" sz="1200" b="0" i="0" kern="1200" dirty="0" smtClean="0">
+                <a:solidFill>
+                  <a:schemeClr val="tx1"/>
+                </a:solidFill>
+                <a:latin typeface="+mn-lt"/>
+                <a:ea typeface="+mn-ea"/>
+                <a:cs typeface="+mn-cs"/>
+              </a:rPr>
+              <a:t>f</a:t>
+            </a:r>
+            <a:r>
+              <a:rPr lang="zh-CN" altLang="en-US" sz="1200" b="0" i="0" kern="1200" dirty="0" smtClean="0">
+                <a:solidFill>
+                  <a:schemeClr val="tx1"/>
+                </a:solidFill>
+                <a:latin typeface="+mn-lt"/>
+                <a:ea typeface="+mn-ea"/>
+                <a:cs typeface="+mn-cs"/>
+              </a:rPr>
+              <a:t>重复了我们在图</a:t>
+            </a:r>
+            <a:r>
+              <a:rPr lang="en-US" altLang="zh-CN" sz="1200" b="0" i="0" kern="1200" dirty="0" smtClean="0">
+                <a:solidFill>
+                  <a:schemeClr val="tx1"/>
+                </a:solidFill>
+                <a:latin typeface="+mn-lt"/>
+                <a:ea typeface="+mn-ea"/>
+                <a:cs typeface="+mn-cs"/>
+              </a:rPr>
+              <a:t>c</a:t>
+            </a:r>
+            <a:r>
+              <a:rPr lang="zh-CN" altLang="en-US" sz="1200" b="0" i="0" kern="1200" dirty="0" smtClean="0">
+                <a:solidFill>
+                  <a:schemeClr val="tx1"/>
+                </a:solidFill>
+                <a:latin typeface="+mn-lt"/>
+                <a:ea typeface="+mn-ea"/>
+                <a:cs typeface="+mn-cs"/>
+              </a:rPr>
+              <a:t>和图</a:t>
+            </a:r>
+            <a:r>
+              <a:rPr lang="en-US" altLang="zh-CN" sz="1200" b="0" i="0" kern="1200" dirty="0" smtClean="0">
+                <a:solidFill>
+                  <a:schemeClr val="tx1"/>
+                </a:solidFill>
+                <a:latin typeface="+mn-lt"/>
+                <a:ea typeface="+mn-ea"/>
+                <a:cs typeface="+mn-cs"/>
+              </a:rPr>
+              <a:t>d</a:t>
+            </a:r>
+            <a:r>
+              <a:rPr lang="zh-CN" altLang="en-US" sz="1200" b="0" i="0" kern="1200" dirty="0" smtClean="0">
+                <a:solidFill>
+                  <a:schemeClr val="tx1"/>
+                </a:solidFill>
+                <a:latin typeface="+mn-lt"/>
+                <a:ea typeface="+mn-ea"/>
+                <a:cs typeface="+mn-cs"/>
+              </a:rPr>
+              <a:t>的过程，即将所有点的类别标记为距离最近的质心的类别并求新的质心。最终我们得到的两个类别如图</a:t>
+            </a:r>
+            <a:r>
+              <a:rPr lang="en-US" altLang="zh-CN" sz="1200" b="0" i="0" kern="1200" dirty="0" smtClean="0">
+                <a:solidFill>
+                  <a:schemeClr val="tx1"/>
+                </a:solidFill>
+                <a:latin typeface="+mn-lt"/>
+                <a:ea typeface="+mn-ea"/>
+                <a:cs typeface="+mn-cs"/>
+              </a:rPr>
+              <a:t>f</a:t>
+            </a:r>
+            <a:r>
+              <a:rPr lang="zh-CN" altLang="en-US" sz="1200" b="0" i="0" kern="1200" dirty="0" smtClean="0">
+                <a:solidFill>
+                  <a:schemeClr val="tx1"/>
+                </a:solidFill>
+                <a:latin typeface="+mn-lt"/>
+                <a:ea typeface="+mn-ea"/>
+                <a:cs typeface="+mn-cs"/>
+              </a:rPr>
+              <a:t>。</a:t>
+            </a:r>
+            <a:endParaRPr lang="en-US" altLang="zh-CN" sz="1200" b="0" i="0" kern="1200" dirty="0" smtClean="0">
+              <a:solidFill>
+                <a:schemeClr val="tx1"/>
+              </a:solidFill>
+              <a:latin typeface="+mn-lt"/>
+              <a:ea typeface="+mn-ea"/>
+              <a:cs typeface="+mn-cs"/>
+            </a:endParaRPr>
+          </a:p>
+          <a:p>
+            <a:endParaRPr lang="en-US" altLang="zh-CN" sz="1200" b="0" i="0" kern="1200" dirty="0" smtClean="0">
+              <a:solidFill>
+                <a:schemeClr val="tx1"/>
+              </a:solidFill>
+              <a:latin typeface="+mn-lt"/>
+              <a:ea typeface="+mn-ea"/>
+              <a:cs typeface="+mn-cs"/>
+            </a:endParaRPr>
+          </a:p>
+          <a:p>
+            <a:r>
               <a:rPr lang="zh-CN" altLang="en-US" dirty="0" smtClean="0"/>
-              <a:t>负梯度拟合</a:t>
+              <a:t>每个点：归到质心最近的那个类。</a:t>
             </a:r>
             <a:endParaRPr lang="en-US" altLang="zh-CN" dirty="0" smtClean="0"/>
           </a:p>
           <a:p>
             <a:r>
               <a:rPr lang="zh-CN" altLang="en-US" dirty="0" smtClean="0"/>
-              <a:t>第</a:t>
-            </a:r>
-            <a:r>
-              <a:rPr lang="en-US" altLang="zh-CN" dirty="0" smtClean="0"/>
-              <a:t>M</a:t>
-            </a:r>
+              <a:t>重新计算质心。</a:t>
+            </a:r>
+            <a:endParaRPr lang="en-US" altLang="zh-CN" dirty="0" smtClean="0"/>
+          </a:p>
+          <a:p>
             <a:r>
               <a:rPr lang="zh-CN" altLang="en-US" dirty="0" smtClean="0"/>
-              <a:t>轮，构建</a:t>
-            </a:r>
-            <a:r>
-              <a:rPr lang="en-US" altLang="zh-CN" dirty="0" smtClean="0"/>
-              <a:t>cart</a:t>
-            </a:r>
+              <a:t>每个点：归到质心最近的类。</a:t>
+            </a:r>
+            <a:endParaRPr lang="en-US" altLang="zh-CN" dirty="0" smtClean="0"/>
+          </a:p>
+          <a:p>
             <a:r>
               <a:rPr lang="zh-CN" altLang="en-US" dirty="0" smtClean="0"/>
-              <a:t>树，对于第</a:t>
-            </a:r>
-            <a:r>
-              <a:rPr lang="en-US" altLang="zh-CN" dirty="0" err="1" smtClean="0"/>
-              <a:t>i</a:t>
-            </a:r>
-            <a:r>
-              <a:rPr lang="zh-CN" altLang="en-US" dirty="0" smtClean="0"/>
-              <a:t>个样本：计算其负梯度作为残差，</a:t>
+              <a:t>重复</a:t>
             </a:r>
             <a:endParaRPr lang="zh-CN" altLang="en-US" dirty="0"/>
           </a:p>
@@ -1686,15 +1254,413 @@
           <a:lstStyle/>
           <a:p>
             <a:r>
-              <a:rPr lang="en-US" altLang="zh-CN" dirty="0" smtClean="0">
-                <a:hlinkClick r:id="rId3"/>
-              </a:rPr>
-              <a:t>https://www.jiqizhixin.com/articles/2018-06-21-3</a:t>
-            </a:r>
-            <a:endParaRPr lang="en-US" altLang="zh-CN" dirty="0" smtClean="0"/>
-          </a:p>
-          <a:p>
-            <a:endParaRPr lang="en-US" altLang="zh-CN" dirty="0" smtClean="0"/>
+              <a:rPr lang="en-US" altLang="zh-CN" sz="1200" b="0" i="0" kern="1200" dirty="0" smtClean="0">
+                <a:solidFill>
+                  <a:schemeClr val="tx1"/>
+                </a:solidFill>
+                <a:latin typeface="+mn-lt"/>
+                <a:ea typeface="+mn-ea"/>
+                <a:cs typeface="+mn-cs"/>
+              </a:rPr>
+              <a:t>GBDT</a:t>
+            </a:r>
+            <a:r>
+              <a:rPr lang="zh-CN" altLang="en-US" sz="1200" b="0" i="0" kern="1200" dirty="0" smtClean="0">
+                <a:solidFill>
+                  <a:schemeClr val="tx1"/>
+                </a:solidFill>
+                <a:latin typeface="+mn-lt"/>
+                <a:ea typeface="+mn-ea"/>
+                <a:cs typeface="+mn-cs"/>
+              </a:rPr>
+              <a:t>的思想可以用一个通俗的例子解释，假如有个人</a:t>
+            </a:r>
+            <a:r>
+              <a:rPr lang="en-US" altLang="zh-CN" sz="1200" b="0" i="0" kern="1200" dirty="0" smtClean="0">
+                <a:solidFill>
+                  <a:schemeClr val="tx1"/>
+                </a:solidFill>
+                <a:latin typeface="+mn-lt"/>
+                <a:ea typeface="+mn-ea"/>
+                <a:cs typeface="+mn-cs"/>
+              </a:rPr>
+              <a:t>30</a:t>
+            </a:r>
+            <a:r>
+              <a:rPr lang="zh-CN" altLang="en-US" sz="1200" b="0" i="0" kern="1200" dirty="0" smtClean="0">
+                <a:solidFill>
+                  <a:schemeClr val="tx1"/>
+                </a:solidFill>
+                <a:latin typeface="+mn-lt"/>
+                <a:ea typeface="+mn-ea"/>
+                <a:cs typeface="+mn-cs"/>
+              </a:rPr>
+              <a:t>岁，我们首先用</a:t>
+            </a:r>
+            <a:r>
+              <a:rPr lang="en-US" altLang="zh-CN" sz="1200" b="0" i="0" kern="1200" dirty="0" smtClean="0">
+                <a:solidFill>
+                  <a:schemeClr val="tx1"/>
+                </a:solidFill>
+                <a:latin typeface="+mn-lt"/>
+                <a:ea typeface="+mn-ea"/>
+                <a:cs typeface="+mn-cs"/>
+              </a:rPr>
+              <a:t>20</a:t>
+            </a:r>
+            <a:r>
+              <a:rPr lang="zh-CN" altLang="en-US" sz="1200" b="0" i="0" kern="1200" dirty="0" smtClean="0">
+                <a:solidFill>
+                  <a:schemeClr val="tx1"/>
+                </a:solidFill>
+                <a:latin typeface="+mn-lt"/>
+                <a:ea typeface="+mn-ea"/>
+                <a:cs typeface="+mn-cs"/>
+              </a:rPr>
+              <a:t>岁去拟合，发现损失有</a:t>
+            </a:r>
+            <a:r>
+              <a:rPr lang="en-US" altLang="zh-CN" sz="1200" b="0" i="0" kern="1200" dirty="0" smtClean="0">
+                <a:solidFill>
+                  <a:schemeClr val="tx1"/>
+                </a:solidFill>
+                <a:latin typeface="+mn-lt"/>
+                <a:ea typeface="+mn-ea"/>
+                <a:cs typeface="+mn-cs"/>
+              </a:rPr>
+              <a:t>10</a:t>
+            </a:r>
+            <a:r>
+              <a:rPr lang="zh-CN" altLang="en-US" sz="1200" b="0" i="0" kern="1200" dirty="0" smtClean="0">
+                <a:solidFill>
+                  <a:schemeClr val="tx1"/>
+                </a:solidFill>
+                <a:latin typeface="+mn-lt"/>
+                <a:ea typeface="+mn-ea"/>
+                <a:cs typeface="+mn-cs"/>
+              </a:rPr>
+              <a:t>岁，这时我们用</a:t>
+            </a:r>
+            <a:r>
+              <a:rPr lang="en-US" altLang="zh-CN" sz="1200" b="0" i="0" kern="1200" dirty="0" smtClean="0">
+                <a:solidFill>
+                  <a:schemeClr val="tx1"/>
+                </a:solidFill>
+                <a:latin typeface="+mn-lt"/>
+                <a:ea typeface="+mn-ea"/>
+                <a:cs typeface="+mn-cs"/>
+              </a:rPr>
+              <a:t>6</a:t>
+            </a:r>
+            <a:r>
+              <a:rPr lang="zh-CN" altLang="en-US" sz="1200" b="0" i="0" kern="1200" dirty="0" smtClean="0">
+                <a:solidFill>
+                  <a:schemeClr val="tx1"/>
+                </a:solidFill>
+                <a:latin typeface="+mn-lt"/>
+                <a:ea typeface="+mn-ea"/>
+                <a:cs typeface="+mn-cs"/>
+              </a:rPr>
+              <a:t>岁去拟合剩下的损失，发现差距还有</a:t>
+            </a:r>
+            <a:r>
+              <a:rPr lang="en-US" altLang="zh-CN" sz="1200" b="0" i="0" kern="1200" dirty="0" smtClean="0">
+                <a:solidFill>
+                  <a:schemeClr val="tx1"/>
+                </a:solidFill>
+                <a:latin typeface="+mn-lt"/>
+                <a:ea typeface="+mn-ea"/>
+                <a:cs typeface="+mn-cs"/>
+              </a:rPr>
+              <a:t>4</a:t>
+            </a:r>
+            <a:r>
+              <a:rPr lang="zh-CN" altLang="en-US" sz="1200" b="0" i="0" kern="1200" dirty="0" smtClean="0">
+                <a:solidFill>
+                  <a:schemeClr val="tx1"/>
+                </a:solidFill>
+                <a:latin typeface="+mn-lt"/>
+                <a:ea typeface="+mn-ea"/>
+                <a:cs typeface="+mn-cs"/>
+              </a:rPr>
+              <a:t>岁，第三轮我们用</a:t>
+            </a:r>
+            <a:r>
+              <a:rPr lang="en-US" altLang="zh-CN" sz="1200" b="0" i="0" kern="1200" dirty="0" smtClean="0">
+                <a:solidFill>
+                  <a:schemeClr val="tx1"/>
+                </a:solidFill>
+                <a:latin typeface="+mn-lt"/>
+                <a:ea typeface="+mn-ea"/>
+                <a:cs typeface="+mn-cs"/>
+              </a:rPr>
+              <a:t>3</a:t>
+            </a:r>
+            <a:r>
+              <a:rPr lang="zh-CN" altLang="en-US" sz="1200" b="0" i="0" kern="1200" dirty="0" smtClean="0">
+                <a:solidFill>
+                  <a:schemeClr val="tx1"/>
+                </a:solidFill>
+                <a:latin typeface="+mn-lt"/>
+                <a:ea typeface="+mn-ea"/>
+                <a:cs typeface="+mn-cs"/>
+              </a:rPr>
+              <a:t>岁拟合剩下的差距，差距就只有一岁了。如果我们的迭代轮数还没有完，可以继续迭代下面，每一轮迭代，拟合的岁数误差都会减小。</a:t>
+            </a:r>
+            <a:endParaRPr lang="en-US" altLang="zh-CN" sz="1200" b="0" i="0" kern="1200" dirty="0" smtClean="0">
+              <a:solidFill>
+                <a:schemeClr val="tx1"/>
+              </a:solidFill>
+              <a:latin typeface="+mn-lt"/>
+              <a:ea typeface="+mn-ea"/>
+              <a:cs typeface="+mn-cs"/>
+            </a:endParaRPr>
+          </a:p>
+          <a:p>
+            <a:endParaRPr lang="en-US" altLang="zh-CN" sz="1200" b="0" i="0" kern="1200" dirty="0" smtClean="0">
+              <a:solidFill>
+                <a:schemeClr val="tx1"/>
+              </a:solidFill>
+              <a:latin typeface="+mn-lt"/>
+              <a:ea typeface="+mn-ea"/>
+              <a:cs typeface="+mn-cs"/>
+            </a:endParaRPr>
+          </a:p>
+          <a:p>
+            <a:endParaRPr lang="en-US" altLang="zh-CN" sz="1200" b="0" i="0" kern="1200" dirty="0" smtClean="0">
+              <a:solidFill>
+                <a:schemeClr val="tx1"/>
+              </a:solidFill>
+              <a:latin typeface="+mn-lt"/>
+              <a:ea typeface="+mn-ea"/>
+              <a:cs typeface="+mn-cs"/>
+            </a:endParaRPr>
+          </a:p>
+          <a:p>
+            <a:r>
+              <a:rPr lang="zh-CN" altLang="en-US" sz="1200" b="0" i="0" kern="1200" dirty="0" smtClean="0">
+                <a:solidFill>
+                  <a:schemeClr val="tx1"/>
+                </a:solidFill>
+                <a:latin typeface="+mn-lt"/>
+                <a:ea typeface="+mn-ea"/>
+                <a:cs typeface="+mn-cs"/>
+              </a:rPr>
+              <a:t>误差大</a:t>
+            </a:r>
+            <a:r>
+              <a:rPr lang="en-US" altLang="zh-CN" sz="1200" b="0" i="0" kern="1200" dirty="0" smtClean="0">
+                <a:solidFill>
+                  <a:schemeClr val="tx1"/>
+                </a:solidFill>
+                <a:latin typeface="+mn-lt"/>
+                <a:ea typeface="+mn-ea"/>
+                <a:cs typeface="+mn-cs"/>
+              </a:rPr>
+              <a:t>,</a:t>
+            </a:r>
+            <a:r>
+              <a:rPr lang="zh-CN" altLang="en-US" sz="1200" b="0" i="0" kern="1200" dirty="0" smtClean="0">
+                <a:solidFill>
+                  <a:schemeClr val="tx1"/>
+                </a:solidFill>
+                <a:latin typeface="+mn-lt"/>
+                <a:ea typeface="+mn-ea"/>
+                <a:cs typeface="+mn-cs"/>
+              </a:rPr>
+              <a:t>由异常值引起</a:t>
+            </a:r>
+            <a:r>
+              <a:rPr lang="en-US" altLang="zh-CN" sz="1200" b="0" i="0" kern="1200" dirty="0" smtClean="0">
+                <a:solidFill>
+                  <a:schemeClr val="tx1"/>
+                </a:solidFill>
+                <a:latin typeface="+mn-lt"/>
+                <a:ea typeface="+mn-ea"/>
+                <a:cs typeface="+mn-cs"/>
+              </a:rPr>
+              <a:t>.</a:t>
+            </a:r>
+            <a:r>
+              <a:rPr lang="zh-CN" altLang="en-US" sz="1200" b="0" i="0" kern="1200" dirty="0" smtClean="0">
+                <a:solidFill>
+                  <a:schemeClr val="tx1"/>
+                </a:solidFill>
+                <a:latin typeface="+mn-lt"/>
+                <a:ea typeface="+mn-ea"/>
+                <a:cs typeface="+mn-cs"/>
+              </a:rPr>
+              <a:t>表明数据可能有严重的测量错误</a:t>
+            </a:r>
+            <a:r>
+              <a:rPr lang="en-US" altLang="zh-CN" sz="1200" b="0" i="0" kern="1200" dirty="0" smtClean="0">
+                <a:solidFill>
+                  <a:schemeClr val="tx1"/>
+                </a:solidFill>
+                <a:latin typeface="+mn-lt"/>
+                <a:ea typeface="+mn-ea"/>
+                <a:cs typeface="+mn-cs"/>
+              </a:rPr>
+              <a:t>;</a:t>
+            </a:r>
+            <a:r>
+              <a:rPr lang="zh-CN" altLang="en-US" sz="1200" b="0" i="0" kern="1200" dirty="0" smtClean="0">
+                <a:solidFill>
+                  <a:schemeClr val="tx1"/>
+                </a:solidFill>
+                <a:latin typeface="+mn-lt"/>
+                <a:ea typeface="+mn-ea"/>
+                <a:cs typeface="+mn-cs"/>
+              </a:rPr>
+              <a:t>或者所选模型不合适</a:t>
+            </a:r>
+          </a:p>
+          <a:p>
+            <a:r>
+              <a:rPr lang="zh-CN" altLang="en-US" sz="1200" b="0" i="0" kern="1200" dirty="0" smtClean="0">
+                <a:solidFill>
+                  <a:schemeClr val="tx1"/>
+                </a:solidFill>
+                <a:latin typeface="+mn-lt"/>
+                <a:ea typeface="+mn-ea"/>
+                <a:cs typeface="+mn-cs"/>
+              </a:rPr>
+              <a:t>残差大</a:t>
+            </a:r>
+            <a:r>
+              <a:rPr lang="en-US" altLang="zh-CN" sz="1200" b="0" i="0" kern="1200" dirty="0" smtClean="0">
+                <a:solidFill>
+                  <a:schemeClr val="tx1"/>
+                </a:solidFill>
+                <a:latin typeface="+mn-lt"/>
+                <a:ea typeface="+mn-ea"/>
+                <a:cs typeface="+mn-cs"/>
+              </a:rPr>
+              <a:t>,</a:t>
+            </a:r>
+            <a:r>
+              <a:rPr lang="zh-CN" altLang="en-US" sz="1200" b="0" i="0" kern="1200" dirty="0" smtClean="0">
+                <a:solidFill>
+                  <a:schemeClr val="tx1"/>
+                </a:solidFill>
+                <a:latin typeface="+mn-lt"/>
+                <a:ea typeface="+mn-ea"/>
+                <a:cs typeface="+mn-cs"/>
+              </a:rPr>
+              <a:t>表明样本不具代表性</a:t>
+            </a:r>
+            <a:r>
+              <a:rPr lang="en-US" altLang="zh-CN" sz="1200" b="0" i="0" kern="1200" dirty="0" smtClean="0">
+                <a:solidFill>
+                  <a:schemeClr val="tx1"/>
+                </a:solidFill>
+                <a:latin typeface="+mn-lt"/>
+                <a:ea typeface="+mn-ea"/>
+                <a:cs typeface="+mn-cs"/>
+              </a:rPr>
+              <a:t>,</a:t>
+            </a:r>
+            <a:r>
+              <a:rPr lang="zh-CN" altLang="en-US" sz="1200" b="0" i="0" kern="1200" dirty="0" smtClean="0">
+                <a:solidFill>
+                  <a:schemeClr val="tx1"/>
+                </a:solidFill>
+                <a:latin typeface="+mn-lt"/>
+                <a:ea typeface="+mn-ea"/>
+                <a:cs typeface="+mn-cs"/>
+              </a:rPr>
+              <a:t>也有可能由特征值引起</a:t>
+            </a:r>
+          </a:p>
+          <a:p>
+            <a:endParaRPr lang="en-US" altLang="zh-CN" sz="1200" b="0" i="0" kern="1200" dirty="0" smtClean="0">
+              <a:solidFill>
+                <a:schemeClr val="tx1"/>
+              </a:solidFill>
+              <a:latin typeface="+mn-lt"/>
+              <a:ea typeface="+mn-ea"/>
+              <a:cs typeface="+mn-cs"/>
+            </a:endParaRPr>
+          </a:p>
+          <a:p>
+            <a:r>
+              <a:rPr lang="zh-CN" altLang="en-US" sz="1200" b="0" i="0" kern="1200" dirty="0" smtClean="0">
+                <a:solidFill>
+                  <a:schemeClr val="tx1"/>
+                </a:solidFill>
+                <a:latin typeface="+mn-lt"/>
+                <a:ea typeface="+mn-ea"/>
+                <a:cs typeface="+mn-cs"/>
+              </a:rPr>
+              <a:t>看一个模型是否合适</a:t>
+            </a:r>
+            <a:r>
+              <a:rPr lang="en-US" altLang="zh-CN" sz="1200" b="0" i="0" kern="1200" dirty="0" smtClean="0">
+                <a:solidFill>
+                  <a:schemeClr val="tx1"/>
+                </a:solidFill>
+                <a:latin typeface="+mn-lt"/>
+                <a:ea typeface="+mn-ea"/>
+                <a:cs typeface="+mn-cs"/>
+              </a:rPr>
+              <a:t>,</a:t>
+            </a:r>
+            <a:r>
+              <a:rPr lang="zh-CN" altLang="en-US" sz="1200" b="0" i="0" kern="1200" dirty="0" smtClean="0">
+                <a:solidFill>
+                  <a:schemeClr val="tx1"/>
+                </a:solidFill>
+                <a:latin typeface="+mn-lt"/>
+                <a:ea typeface="+mn-ea"/>
+                <a:cs typeface="+mn-cs"/>
+              </a:rPr>
+              <a:t>看误差</a:t>
+            </a:r>
+            <a:r>
+              <a:rPr lang="en-US" altLang="zh-CN" sz="1200" b="0" i="0" kern="1200" dirty="0" smtClean="0">
+                <a:solidFill>
+                  <a:schemeClr val="tx1"/>
+                </a:solidFill>
+                <a:latin typeface="+mn-lt"/>
+                <a:ea typeface="+mn-ea"/>
+                <a:cs typeface="+mn-cs"/>
+              </a:rPr>
+              <a:t>;</a:t>
+            </a:r>
+            <a:r>
+              <a:rPr lang="zh-CN" altLang="en-US" sz="1200" b="0" i="0" kern="1200" dirty="0" smtClean="0">
+                <a:solidFill>
+                  <a:schemeClr val="tx1"/>
+                </a:solidFill>
+                <a:latin typeface="+mn-lt"/>
+                <a:ea typeface="+mn-ea"/>
+                <a:cs typeface="+mn-cs"/>
+              </a:rPr>
+              <a:t>要看所取样本是否合适</a:t>
+            </a:r>
+            <a:r>
+              <a:rPr lang="en-US" altLang="zh-CN" sz="1200" b="0" i="0" kern="1200" dirty="0" smtClean="0">
+                <a:solidFill>
+                  <a:schemeClr val="tx1"/>
+                </a:solidFill>
+                <a:latin typeface="+mn-lt"/>
+                <a:ea typeface="+mn-ea"/>
+                <a:cs typeface="+mn-cs"/>
+              </a:rPr>
+              <a:t>,</a:t>
+            </a:r>
+            <a:r>
+              <a:rPr lang="zh-CN" altLang="en-US" sz="1200" b="0" i="0" kern="1200" dirty="0" smtClean="0">
+                <a:solidFill>
+                  <a:schemeClr val="tx1"/>
+                </a:solidFill>
+                <a:latin typeface="+mn-lt"/>
+                <a:ea typeface="+mn-ea"/>
+                <a:cs typeface="+mn-cs"/>
+              </a:rPr>
+              <a:t>看残差！</a:t>
+            </a:r>
+            <a:endParaRPr lang="zh-CN" altLang="en-US" dirty="0"/>
           </a:p>
         </p:txBody>
       </p:sp>
@@ -1716,7 +1682,7 @@
             <a:fld id="{C953DA11-AFBE-4547-ADB8-5304B6EC7D96}" type="slidenum">
               <a:rPr lang="zh-CN" altLang="en-US" smtClean="0"/>
               <a:pPr/>
-              <a:t>20</a:t>
+              <a:t>19</a:t>
             </a:fld>
             <a:endParaRPr lang="zh-CN" altLang="en-US"/>
           </a:p>
@@ -1776,209 +1742,41 @@
           </a:bodyPr>
           <a:lstStyle/>
           <a:p>
-            <a:pPr marL="0" marR="0" indent="0" algn="l" defTabSz="914400" rtl="0" eaLnBrk="1" fontAlgn="auto" latinLnBrk="0" hangingPunct="1">
-              <a:lnSpc>
-                <a:spcPct val="100000"/>
-              </a:lnSpc>
-              <a:spcBef>
-                <a:spcPts val="0"/>
-              </a:spcBef>
-              <a:spcAft>
-                <a:spcPts val="0"/>
-              </a:spcAft>
-              <a:buClrTx/>
-              <a:buSzTx/>
-              <a:buFontTx/>
-              <a:buNone/>
-              <a:tabLst/>
-              <a:defRPr/>
-            </a:pPr>
+            <a:r>
+              <a:rPr lang="zh-CN" altLang="en-US" dirty="0" smtClean="0"/>
+              <a:t>负梯度拟合</a:t>
+            </a:r>
+            <a:endParaRPr lang="en-US" altLang="zh-CN" dirty="0" smtClean="0"/>
+          </a:p>
+          <a:p>
+            <a:r>
+              <a:rPr lang="zh-CN" altLang="en-US" dirty="0" smtClean="0"/>
+              <a:t>第</a:t>
+            </a:r>
             <a:r>
               <a:rPr lang="en-US" altLang="zh-CN" dirty="0" smtClean="0"/>
-              <a:t>MAE</a:t>
+              <a:t>M</a:t>
             </a:r>
             <a:r>
               <a:rPr lang="zh-CN" altLang="en-US" dirty="0" smtClean="0"/>
-              <a:t>：计算样本中位数，故而对有离群点的数据集拟合的更好。</a:t>
-            </a:r>
-            <a:r>
-              <a:rPr lang="zh-CN" altLang="en-US" sz="1200" b="0" i="0" kern="1200" dirty="0" smtClean="0">
-                <a:solidFill>
-                  <a:schemeClr val="tx1"/>
-                </a:solidFill>
-                <a:latin typeface="+mn-lt"/>
-                <a:ea typeface="+mn-ea"/>
-                <a:cs typeface="+mn-cs"/>
-              </a:rPr>
-              <a:t>对异常值而言，中位数比均值更加鲁棒，因此</a:t>
-            </a:r>
-            <a:r>
-              <a:rPr lang="en-US" altLang="zh-CN" sz="1200" b="0" i="0" kern="1200" dirty="0" smtClean="0">
-                <a:solidFill>
-                  <a:schemeClr val="tx1"/>
-                </a:solidFill>
-                <a:latin typeface="+mn-lt"/>
-                <a:ea typeface="+mn-ea"/>
-                <a:cs typeface="+mn-cs"/>
-              </a:rPr>
-              <a:t>MAE</a:t>
-            </a:r>
-            <a:r>
-              <a:rPr lang="zh-CN" altLang="en-US" sz="1200" b="0" i="0" kern="1200" dirty="0" smtClean="0">
-                <a:solidFill>
-                  <a:schemeClr val="tx1"/>
-                </a:solidFill>
-                <a:latin typeface="+mn-lt"/>
-                <a:ea typeface="+mn-ea"/>
-                <a:cs typeface="+mn-cs"/>
-              </a:rPr>
-              <a:t>对于异常值也比</a:t>
-            </a:r>
-            <a:r>
-              <a:rPr lang="en-US" altLang="zh-CN" sz="1200" b="0" i="0" kern="1200" dirty="0" smtClean="0">
-                <a:solidFill>
-                  <a:schemeClr val="tx1"/>
-                </a:solidFill>
-                <a:latin typeface="+mn-lt"/>
-                <a:ea typeface="+mn-ea"/>
-                <a:cs typeface="+mn-cs"/>
-              </a:rPr>
-              <a:t>MSE</a:t>
-            </a:r>
-            <a:r>
-              <a:rPr lang="zh-CN" altLang="en-US" sz="1200" b="0" i="0" kern="1200" dirty="0" smtClean="0">
-                <a:solidFill>
-                  <a:schemeClr val="tx1"/>
-                </a:solidFill>
-                <a:latin typeface="+mn-lt"/>
-                <a:ea typeface="+mn-ea"/>
-                <a:cs typeface="+mn-cs"/>
-              </a:rPr>
-              <a:t>更稳定。</a:t>
-            </a:r>
-            <a:endParaRPr lang="en-US" altLang="zh-CN" dirty="0" smtClean="0"/>
-          </a:p>
-          <a:p>
-            <a:pPr marL="0" marR="0" indent="0" algn="l" defTabSz="914400" rtl="0" eaLnBrk="1" fontAlgn="auto" latinLnBrk="0" hangingPunct="1">
-              <a:lnSpc>
-                <a:spcPct val="100000"/>
-              </a:lnSpc>
-              <a:spcBef>
-                <a:spcPts val="0"/>
-              </a:spcBef>
-              <a:spcAft>
-                <a:spcPts val="0"/>
-              </a:spcAft>
-              <a:buClrTx/>
-              <a:buSzTx/>
-              <a:buFontTx/>
-              <a:buNone/>
-              <a:tabLst/>
-              <a:defRPr/>
-            </a:pPr>
+              <a:t>轮，构建</a:t>
+            </a:r>
             <a:r>
               <a:rPr lang="en-US" altLang="zh-CN" dirty="0" smtClean="0"/>
-              <a:t>MSE</a:t>
+              <a:t>cart</a:t>
             </a:r>
             <a:r>
               <a:rPr lang="zh-CN" altLang="en-US" dirty="0" smtClean="0"/>
-              <a:t>：计算样本均值，对有离群点的数据集拟合的不好。</a:t>
-            </a:r>
-            <a:endParaRPr lang="en-US" altLang="zh-CN" dirty="0" smtClean="0"/>
-          </a:p>
-          <a:p>
-            <a:pPr marL="0" marR="0" indent="0" algn="l" defTabSz="914400" rtl="0" eaLnBrk="1" fontAlgn="auto" latinLnBrk="0" hangingPunct="1">
-              <a:lnSpc>
-                <a:spcPct val="100000"/>
-              </a:lnSpc>
-              <a:spcBef>
-                <a:spcPts val="0"/>
-              </a:spcBef>
-              <a:spcAft>
-                <a:spcPts val="0"/>
-              </a:spcAft>
-              <a:buClrTx/>
-              <a:buSzTx/>
-              <a:buFontTx/>
-              <a:buNone/>
-              <a:tabLst/>
-              <a:defRPr/>
-            </a:pPr>
+              <a:t>树，对于第</a:t>
+            </a:r>
+            <a:r>
+              <a:rPr lang="en-US" altLang="zh-CN" dirty="0" err="1" smtClean="0"/>
+              <a:t>i</a:t>
+            </a:r>
             <a:r>
               <a:rPr lang="zh-CN" altLang="en-US" dirty="0" smtClean="0"/>
-              <a:t>但是在神经网络中，</a:t>
-            </a:r>
-            <a:r>
-              <a:rPr lang="en-US" altLang="zh-CN" dirty="0" smtClean="0"/>
-              <a:t>MAE</a:t>
-            </a:r>
-            <a:r>
-              <a:rPr lang="zh-CN" altLang="en-US" dirty="0" smtClean="0"/>
-              <a:t>每次更新的梯度都一样，而</a:t>
-            </a:r>
-            <a:r>
-              <a:rPr lang="en-US" altLang="zh-CN" dirty="0" smtClean="0"/>
-              <a:t>MSE</a:t>
-            </a:r>
-            <a:r>
-              <a:rPr lang="zh-CN" altLang="en-US" dirty="0" smtClean="0"/>
-              <a:t>会有变化。</a:t>
-            </a:r>
-            <a:r>
-              <a:rPr lang="en-US" altLang="zh-CN" dirty="0" smtClean="0"/>
-              <a:t>MAE</a:t>
-            </a:r>
-            <a:r>
-              <a:rPr lang="zh-CN" altLang="en-US" sz="1200" b="0" i="0" kern="1200" dirty="0" smtClean="0">
-                <a:solidFill>
-                  <a:schemeClr val="tx1"/>
-                </a:solidFill>
-                <a:latin typeface="+mn-lt"/>
-                <a:ea typeface="+mn-ea"/>
-                <a:cs typeface="+mn-cs"/>
-              </a:rPr>
-              <a:t>可能导致在使用</a:t>
-            </a:r>
-            <a:r>
-              <a:rPr lang="zh-CN" altLang="en-US" dirty="0" smtClean="0"/>
-              <a:t>梯度下降</a:t>
-            </a:r>
-            <a:r>
-              <a:rPr lang="zh-CN" altLang="en-US" sz="1200" b="0" i="0" kern="1200" dirty="0" smtClean="0">
-                <a:solidFill>
-                  <a:schemeClr val="tx1"/>
-                </a:solidFill>
-                <a:latin typeface="+mn-lt"/>
-                <a:ea typeface="+mn-ea"/>
-                <a:cs typeface="+mn-cs"/>
-              </a:rPr>
-              <a:t>快要结束时，错过了最小点。而对于</a:t>
-            </a:r>
-            <a:r>
-              <a:rPr lang="en-US" altLang="zh-CN" sz="1200" b="0" i="0" kern="1200" dirty="0" smtClean="0">
-                <a:solidFill>
-                  <a:schemeClr val="tx1"/>
-                </a:solidFill>
-                <a:latin typeface="+mn-lt"/>
-                <a:ea typeface="+mn-ea"/>
-                <a:cs typeface="+mn-cs"/>
-              </a:rPr>
-              <a:t>MSE</a:t>
-            </a:r>
-            <a:r>
-              <a:rPr lang="zh-CN" altLang="en-US" sz="1200" b="0" i="0" kern="1200" dirty="0" smtClean="0">
-                <a:solidFill>
-                  <a:schemeClr val="tx1"/>
-                </a:solidFill>
-                <a:latin typeface="+mn-lt"/>
-                <a:ea typeface="+mn-ea"/>
-                <a:cs typeface="+mn-cs"/>
-              </a:rPr>
-              <a:t>，梯度会随着损失的减小而减小，使结果更加精确。</a:t>
-            </a:r>
-            <a:endParaRPr lang="zh-CN" altLang="en-US" dirty="0" smtClean="0"/>
-          </a:p>
-          <a:p>
+              <a:t>个样本：计算其负梯度作为残差，</a:t>
+            </a:r>
             <a:endParaRPr lang="zh-CN" altLang="en-US" dirty="0"/>
           </a:p>
         </p:txBody>
@@ -2001,7 +1799,7 @@
             <a:fld id="{C953DA11-AFBE-4547-ADB8-5304B6EC7D96}" type="slidenum">
               <a:rPr lang="zh-CN" altLang="en-US" smtClean="0"/>
               <a:pPr/>
-              <a:t>21</a:t>
+              <a:t>20</a:t>
             </a:fld>
             <a:endParaRPr lang="zh-CN" altLang="en-US"/>
           </a:p>
@@ -2062,576 +1860,15 @@
           <a:lstStyle/>
           <a:p>
             <a:r>
-              <a:rPr lang="zh-CN" altLang="en-US" sz="1200" b="0" i="0" kern="1200" dirty="0" smtClean="0">
-                <a:solidFill>
-                  <a:schemeClr val="tx1"/>
-                </a:solidFill>
-                <a:latin typeface="+mn-lt"/>
-                <a:ea typeface="+mn-ea"/>
-                <a:cs typeface="+mn-cs"/>
-              </a:rPr>
-              <a:t>在某些情况下，上述两种损失函数都不能满足需求。例如，若数据中</a:t>
-            </a:r>
-            <a:r>
-              <a:rPr lang="en-US" altLang="zh-CN" sz="1200" b="0" i="0" kern="1200" dirty="0" smtClean="0">
-                <a:solidFill>
-                  <a:schemeClr val="tx1"/>
-                </a:solidFill>
-                <a:latin typeface="+mn-lt"/>
-                <a:ea typeface="+mn-ea"/>
-                <a:cs typeface="+mn-cs"/>
-              </a:rPr>
-              <a:t>90%</a:t>
-            </a:r>
-            <a:r>
-              <a:rPr lang="zh-CN" altLang="en-US" sz="1200" b="0" i="0" kern="1200" dirty="0" smtClean="0">
-                <a:solidFill>
-                  <a:schemeClr val="tx1"/>
-                </a:solidFill>
-                <a:latin typeface="+mn-lt"/>
-                <a:ea typeface="+mn-ea"/>
-                <a:cs typeface="+mn-cs"/>
-              </a:rPr>
-              <a:t>的样本对应的目标值为</a:t>
-            </a:r>
-            <a:r>
-              <a:rPr lang="en-US" altLang="zh-CN" sz="1200" b="0" i="0" kern="1200" dirty="0" smtClean="0">
-                <a:solidFill>
-                  <a:schemeClr val="tx1"/>
-                </a:solidFill>
-                <a:latin typeface="+mn-lt"/>
-                <a:ea typeface="+mn-ea"/>
-                <a:cs typeface="+mn-cs"/>
-              </a:rPr>
-              <a:t>150</a:t>
-            </a:r>
-            <a:r>
-              <a:rPr lang="zh-CN" altLang="en-US" sz="1200" b="0" i="0" kern="1200" dirty="0" smtClean="0">
-                <a:solidFill>
-                  <a:schemeClr val="tx1"/>
-                </a:solidFill>
-                <a:latin typeface="+mn-lt"/>
-                <a:ea typeface="+mn-ea"/>
-                <a:cs typeface="+mn-cs"/>
-              </a:rPr>
-              <a:t>，剩下</a:t>
-            </a:r>
-            <a:r>
-              <a:rPr lang="en-US" altLang="zh-CN" sz="1200" b="0" i="0" kern="1200" dirty="0" smtClean="0">
-                <a:solidFill>
-                  <a:schemeClr val="tx1"/>
-                </a:solidFill>
-                <a:latin typeface="+mn-lt"/>
-                <a:ea typeface="+mn-ea"/>
-                <a:cs typeface="+mn-cs"/>
-              </a:rPr>
-              <a:t>10%</a:t>
-            </a:r>
-            <a:r>
-              <a:rPr lang="zh-CN" altLang="en-US" sz="1200" b="0" i="0" kern="1200" dirty="0" smtClean="0">
-                <a:solidFill>
-                  <a:schemeClr val="tx1"/>
-                </a:solidFill>
-                <a:latin typeface="+mn-lt"/>
-                <a:ea typeface="+mn-ea"/>
-                <a:cs typeface="+mn-cs"/>
-              </a:rPr>
-              <a:t>在</a:t>
-            </a:r>
-            <a:r>
-              <a:rPr lang="en-US" altLang="zh-CN" sz="1200" b="0" i="0" kern="1200" dirty="0" smtClean="0">
-                <a:solidFill>
-                  <a:schemeClr val="tx1"/>
-                </a:solidFill>
-                <a:latin typeface="+mn-lt"/>
-                <a:ea typeface="+mn-ea"/>
-                <a:cs typeface="+mn-cs"/>
-              </a:rPr>
-              <a:t>0</a:t>
-            </a:r>
-            <a:r>
-              <a:rPr lang="zh-CN" altLang="en-US" sz="1200" b="0" i="0" kern="1200" dirty="0" smtClean="0">
-                <a:solidFill>
-                  <a:schemeClr val="tx1"/>
-                </a:solidFill>
-                <a:latin typeface="+mn-lt"/>
-                <a:ea typeface="+mn-ea"/>
-                <a:cs typeface="+mn-cs"/>
-              </a:rPr>
-              <a:t>到</a:t>
-            </a:r>
-            <a:r>
-              <a:rPr lang="en-US" altLang="zh-CN" sz="1200" b="0" i="0" kern="1200" dirty="0" smtClean="0">
-                <a:solidFill>
-                  <a:schemeClr val="tx1"/>
-                </a:solidFill>
-                <a:latin typeface="+mn-lt"/>
-                <a:ea typeface="+mn-ea"/>
-                <a:cs typeface="+mn-cs"/>
-              </a:rPr>
-              <a:t>30</a:t>
-            </a:r>
-            <a:r>
-              <a:rPr lang="zh-CN" altLang="en-US" sz="1200" b="0" i="0" kern="1200" dirty="0" smtClean="0">
-                <a:solidFill>
-                  <a:schemeClr val="tx1"/>
-                </a:solidFill>
-                <a:latin typeface="+mn-lt"/>
-                <a:ea typeface="+mn-ea"/>
-                <a:cs typeface="+mn-cs"/>
-              </a:rPr>
-              <a:t>之间。那么使用</a:t>
-            </a:r>
-            <a:r>
-              <a:rPr lang="en-US" altLang="zh-CN" sz="1200" b="0" i="0" kern="1200" dirty="0" smtClean="0">
-                <a:solidFill>
-                  <a:schemeClr val="tx1"/>
-                </a:solidFill>
-                <a:latin typeface="+mn-lt"/>
-                <a:ea typeface="+mn-ea"/>
-                <a:cs typeface="+mn-cs"/>
-              </a:rPr>
-              <a:t>MAE</a:t>
-            </a:r>
-            <a:r>
-              <a:rPr lang="zh-CN" altLang="en-US" sz="1200" b="0" i="0" kern="1200" dirty="0" smtClean="0">
-                <a:solidFill>
-                  <a:schemeClr val="tx1"/>
-                </a:solidFill>
-                <a:latin typeface="+mn-lt"/>
-                <a:ea typeface="+mn-ea"/>
-                <a:cs typeface="+mn-cs"/>
-              </a:rPr>
-              <a:t>作为损失函数的模型可能会忽视</a:t>
-            </a:r>
-            <a:r>
-              <a:rPr lang="en-US" altLang="zh-CN" sz="1200" b="0" i="0" kern="1200" dirty="0" smtClean="0">
-                <a:solidFill>
-                  <a:schemeClr val="tx1"/>
-                </a:solidFill>
-                <a:latin typeface="+mn-lt"/>
-                <a:ea typeface="+mn-ea"/>
-                <a:cs typeface="+mn-cs"/>
-              </a:rPr>
-              <a:t>10%</a:t>
-            </a:r>
-            <a:r>
-              <a:rPr lang="zh-CN" altLang="en-US" sz="1200" b="0" i="0" kern="1200" dirty="0" smtClean="0">
-                <a:solidFill>
-                  <a:schemeClr val="tx1"/>
-                </a:solidFill>
-                <a:latin typeface="+mn-lt"/>
-                <a:ea typeface="+mn-ea"/>
-                <a:cs typeface="+mn-cs"/>
-              </a:rPr>
-              <a:t>的异常点，而对所有样本的预测值都为</a:t>
-            </a:r>
-            <a:r>
-              <a:rPr lang="en-US" altLang="zh-CN" sz="1200" b="0" i="0" kern="1200" dirty="0" smtClean="0">
-                <a:solidFill>
-                  <a:schemeClr val="tx1"/>
-                </a:solidFill>
-                <a:latin typeface="+mn-lt"/>
-                <a:ea typeface="+mn-ea"/>
-                <a:cs typeface="+mn-cs"/>
-              </a:rPr>
-              <a:t>150</a:t>
-            </a:r>
-            <a:r>
-              <a:rPr lang="zh-CN" altLang="en-US" sz="1200" b="0" i="0" kern="1200" dirty="0" smtClean="0">
-                <a:solidFill>
-                  <a:schemeClr val="tx1"/>
-                </a:solidFill>
-                <a:latin typeface="+mn-lt"/>
-                <a:ea typeface="+mn-ea"/>
-                <a:cs typeface="+mn-cs"/>
-              </a:rPr>
-              <a:t>。</a:t>
-            </a:r>
-          </a:p>
-          <a:p>
-            <a:r>
-              <a:rPr lang="zh-CN" altLang="en-US" sz="1200" b="0" i="0" kern="1200" dirty="0" smtClean="0">
-                <a:solidFill>
-                  <a:schemeClr val="tx1"/>
-                </a:solidFill>
-                <a:latin typeface="+mn-lt"/>
-                <a:ea typeface="+mn-ea"/>
-                <a:cs typeface="+mn-cs"/>
-              </a:rPr>
-              <a:t>这是因为模型会按中位数来预测。而使用</a:t>
-            </a:r>
-            <a:r>
-              <a:rPr lang="en-US" altLang="zh-CN" sz="1200" b="0" i="0" kern="1200" dirty="0" smtClean="0">
-                <a:solidFill>
-                  <a:schemeClr val="tx1"/>
-                </a:solidFill>
-                <a:latin typeface="+mn-lt"/>
-                <a:ea typeface="+mn-ea"/>
-                <a:cs typeface="+mn-cs"/>
-              </a:rPr>
-              <a:t>MSE</a:t>
-            </a:r>
-            <a:r>
-              <a:rPr lang="zh-CN" altLang="en-US" sz="1200" b="0" i="0" kern="1200" dirty="0" smtClean="0">
-                <a:solidFill>
-                  <a:schemeClr val="tx1"/>
-                </a:solidFill>
-                <a:latin typeface="+mn-lt"/>
-                <a:ea typeface="+mn-ea"/>
-                <a:cs typeface="+mn-cs"/>
-              </a:rPr>
-              <a:t>的模型则会给出很多介于</a:t>
-            </a:r>
-            <a:r>
-              <a:rPr lang="en-US" altLang="zh-CN" sz="1200" b="0" i="0" kern="1200" dirty="0" smtClean="0">
-                <a:solidFill>
-                  <a:schemeClr val="tx1"/>
-                </a:solidFill>
-                <a:latin typeface="+mn-lt"/>
-                <a:ea typeface="+mn-ea"/>
-                <a:cs typeface="+mn-cs"/>
-              </a:rPr>
-              <a:t>0</a:t>
-            </a:r>
-            <a:r>
-              <a:rPr lang="zh-CN" altLang="en-US" sz="1200" b="0" i="0" kern="1200" dirty="0" smtClean="0">
-                <a:solidFill>
-                  <a:schemeClr val="tx1"/>
-                </a:solidFill>
-                <a:latin typeface="+mn-lt"/>
-                <a:ea typeface="+mn-ea"/>
-                <a:cs typeface="+mn-cs"/>
-              </a:rPr>
-              <a:t>到</a:t>
-            </a:r>
-            <a:r>
-              <a:rPr lang="en-US" altLang="zh-CN" sz="1200" b="0" i="0" kern="1200" dirty="0" smtClean="0">
-                <a:solidFill>
-                  <a:schemeClr val="tx1"/>
-                </a:solidFill>
-                <a:latin typeface="+mn-lt"/>
-                <a:ea typeface="+mn-ea"/>
-                <a:cs typeface="+mn-cs"/>
-              </a:rPr>
-              <a:t>30</a:t>
-            </a:r>
-            <a:r>
-              <a:rPr lang="zh-CN" altLang="en-US" sz="1200" b="0" i="0" kern="1200" dirty="0" smtClean="0">
-                <a:solidFill>
-                  <a:schemeClr val="tx1"/>
-                </a:solidFill>
-                <a:latin typeface="+mn-lt"/>
-                <a:ea typeface="+mn-ea"/>
-                <a:cs typeface="+mn-cs"/>
-              </a:rPr>
-              <a:t>的预测值，因为模型会向异常点偏移。</a:t>
-            </a:r>
-          </a:p>
-          <a:p>
+              <a:rPr lang="en-US" altLang="zh-CN" dirty="0" smtClean="0">
+                <a:hlinkClick r:id="rId3"/>
+              </a:rPr>
+              <a:t>https://www.jiqizhixin.com/articles/2018-06-21-3</a:t>
+            </a:r>
             <a:endParaRPr lang="en-US" altLang="zh-CN" dirty="0" smtClean="0"/>
           </a:p>
           <a:p>
-            <a:r>
-              <a:rPr lang="en-US" altLang="zh-CN" sz="1200" b="0" i="0" kern="1200" dirty="0" smtClean="0">
-                <a:solidFill>
-                  <a:schemeClr val="tx1"/>
-                </a:solidFill>
-                <a:latin typeface="+mn-lt"/>
-                <a:ea typeface="+mn-ea"/>
-                <a:cs typeface="+mn-cs"/>
-              </a:rPr>
-              <a:t>Huber</a:t>
-            </a:r>
-            <a:r>
-              <a:rPr lang="zh-CN" altLang="en-US" sz="1200" b="0" i="0" kern="1200" dirty="0" smtClean="0">
-                <a:solidFill>
-                  <a:schemeClr val="tx1"/>
-                </a:solidFill>
-                <a:latin typeface="+mn-lt"/>
-                <a:ea typeface="+mn-ea"/>
-                <a:cs typeface="+mn-cs"/>
-              </a:rPr>
-              <a:t>损失在</a:t>
-            </a:r>
-            <a:r>
-              <a:rPr lang="en-US" altLang="zh-CN" sz="1200" b="0" i="0" kern="1200" dirty="0" smtClean="0">
-                <a:solidFill>
-                  <a:schemeClr val="tx1"/>
-                </a:solidFill>
-                <a:latin typeface="+mn-lt"/>
-                <a:ea typeface="+mn-ea"/>
-                <a:cs typeface="+mn-cs"/>
-              </a:rPr>
-              <a:t>[0-δ,0+δ]</a:t>
-            </a:r>
-            <a:r>
-              <a:rPr lang="zh-CN" altLang="en-US" sz="1200" b="0" i="0" kern="1200" dirty="0" smtClean="0">
-                <a:solidFill>
-                  <a:schemeClr val="tx1"/>
-                </a:solidFill>
-                <a:latin typeface="+mn-lt"/>
-                <a:ea typeface="+mn-ea"/>
-                <a:cs typeface="+mn-cs"/>
-              </a:rPr>
-              <a:t>之间时，等价为</a:t>
-            </a:r>
-            <a:r>
-              <a:rPr lang="en-US" altLang="zh-CN" sz="1200" b="0" i="0" kern="1200" dirty="0" smtClean="0">
-                <a:solidFill>
-                  <a:schemeClr val="tx1"/>
-                </a:solidFill>
-                <a:latin typeface="+mn-lt"/>
-                <a:ea typeface="+mn-ea"/>
-                <a:cs typeface="+mn-cs"/>
-              </a:rPr>
-              <a:t>MSE</a:t>
-            </a:r>
-            <a:r>
-              <a:rPr lang="zh-CN" altLang="en-US" sz="1200" b="0" i="0" kern="1200" dirty="0" smtClean="0">
-                <a:solidFill>
-                  <a:schemeClr val="tx1"/>
-                </a:solidFill>
-                <a:latin typeface="+mn-lt"/>
-                <a:ea typeface="+mn-ea"/>
-                <a:cs typeface="+mn-cs"/>
-              </a:rPr>
-              <a:t>，而在</a:t>
-            </a:r>
-            <a:r>
-              <a:rPr lang="en-US" altLang="zh-CN" sz="1200" b="0" i="0" kern="1200" dirty="0" smtClean="0">
-                <a:solidFill>
-                  <a:schemeClr val="tx1"/>
-                </a:solidFill>
-                <a:latin typeface="+mn-lt"/>
-                <a:ea typeface="+mn-ea"/>
-                <a:cs typeface="+mn-cs"/>
-              </a:rPr>
-              <a:t>[-∞,δ]</a:t>
-            </a:r>
-            <a:r>
-              <a:rPr lang="zh-CN" altLang="en-US" sz="1200" b="0" i="0" kern="1200" dirty="0" smtClean="0">
-                <a:solidFill>
-                  <a:schemeClr val="tx1"/>
-                </a:solidFill>
-                <a:latin typeface="+mn-lt"/>
-                <a:ea typeface="+mn-ea"/>
-                <a:cs typeface="+mn-cs"/>
-              </a:rPr>
-              <a:t>和</a:t>
-            </a:r>
-            <a:r>
-              <a:rPr lang="en-US" altLang="zh-CN" sz="1200" b="0" i="0" kern="1200" dirty="0" smtClean="0">
-                <a:solidFill>
-                  <a:schemeClr val="tx1"/>
-                </a:solidFill>
-                <a:latin typeface="+mn-lt"/>
-                <a:ea typeface="+mn-ea"/>
-                <a:cs typeface="+mn-cs"/>
-              </a:rPr>
-              <a:t>[δ,+∞]</a:t>
-            </a:r>
-            <a:r>
-              <a:rPr lang="zh-CN" altLang="en-US" sz="1200" b="0" i="0" kern="1200" dirty="0" smtClean="0">
-                <a:solidFill>
-                  <a:schemeClr val="tx1"/>
-                </a:solidFill>
-                <a:latin typeface="+mn-lt"/>
-                <a:ea typeface="+mn-ea"/>
-                <a:cs typeface="+mn-cs"/>
-              </a:rPr>
-              <a:t>时为</a:t>
-            </a:r>
-            <a:r>
-              <a:rPr lang="en-US" altLang="zh-CN" sz="1200" b="0" i="0" kern="1200" dirty="0" smtClean="0">
-                <a:solidFill>
-                  <a:schemeClr val="tx1"/>
-                </a:solidFill>
-                <a:latin typeface="+mn-lt"/>
-                <a:ea typeface="+mn-ea"/>
-                <a:cs typeface="+mn-cs"/>
-              </a:rPr>
-              <a:t>MAE</a:t>
-            </a:r>
-            <a:r>
-              <a:rPr lang="zh-CN" altLang="en-US" sz="1200" b="0" i="0" kern="1200" dirty="0" smtClean="0">
-                <a:solidFill>
-                  <a:schemeClr val="tx1"/>
-                </a:solidFill>
-                <a:latin typeface="+mn-lt"/>
-                <a:ea typeface="+mn-ea"/>
-                <a:cs typeface="+mn-cs"/>
-              </a:rPr>
-              <a:t>。</a:t>
-            </a:r>
-            <a:endParaRPr lang="en-US" altLang="zh-CN" sz="1200" b="0" i="0" kern="1200" dirty="0" smtClean="0">
-              <a:solidFill>
-                <a:schemeClr val="tx1"/>
-              </a:solidFill>
-              <a:latin typeface="+mn-lt"/>
-              <a:ea typeface="+mn-ea"/>
-              <a:cs typeface="+mn-cs"/>
-            </a:endParaRPr>
-          </a:p>
-          <a:p>
-            <a:endParaRPr lang="en-US" altLang="zh-CN" sz="1200" b="0" i="0" kern="1200" dirty="0" smtClean="0">
-              <a:solidFill>
-                <a:schemeClr val="tx1"/>
-              </a:solidFill>
-              <a:latin typeface="+mn-lt"/>
-              <a:ea typeface="+mn-ea"/>
-              <a:cs typeface="+mn-cs"/>
-            </a:endParaRPr>
-          </a:p>
-          <a:p>
-            <a:r>
-              <a:rPr lang="zh-CN" altLang="en-US" sz="1200" b="0" i="0" kern="1200" dirty="0" smtClean="0">
-                <a:solidFill>
-                  <a:schemeClr val="tx1"/>
-                </a:solidFill>
-                <a:latin typeface="+mn-lt"/>
-                <a:ea typeface="+mn-ea"/>
-                <a:cs typeface="+mn-cs"/>
-              </a:rPr>
-              <a:t>它会由于梯度的减小而落在最小值附近。比起</a:t>
-            </a:r>
-            <a:r>
-              <a:rPr lang="en-US" altLang="zh-CN" sz="1200" b="0" i="0" kern="1200" dirty="0" smtClean="0">
-                <a:solidFill>
-                  <a:schemeClr val="tx1"/>
-                </a:solidFill>
-                <a:latin typeface="+mn-lt"/>
-                <a:ea typeface="+mn-ea"/>
-                <a:cs typeface="+mn-cs"/>
-              </a:rPr>
-              <a:t>MSE</a:t>
-            </a:r>
-            <a:r>
-              <a:rPr lang="zh-CN" altLang="en-US" sz="1200" b="0" i="0" kern="1200" dirty="0" smtClean="0">
-                <a:solidFill>
-                  <a:schemeClr val="tx1"/>
-                </a:solidFill>
-                <a:latin typeface="+mn-lt"/>
-                <a:ea typeface="+mn-ea"/>
-                <a:cs typeface="+mn-cs"/>
-              </a:rPr>
-              <a:t>，它对异常点更加鲁棒。因此，</a:t>
-            </a:r>
-            <a:r>
-              <a:rPr lang="en-US" altLang="zh-CN" sz="1200" b="0" i="0" kern="1200" dirty="0" smtClean="0">
-                <a:solidFill>
-                  <a:schemeClr val="tx1"/>
-                </a:solidFill>
-                <a:latin typeface="+mn-lt"/>
-                <a:ea typeface="+mn-ea"/>
-                <a:cs typeface="+mn-cs"/>
-              </a:rPr>
-              <a:t>Huber</a:t>
-            </a:r>
-            <a:r>
-              <a:rPr lang="zh-CN" altLang="en-US" sz="1200" b="0" i="0" kern="1200" dirty="0" smtClean="0">
-                <a:solidFill>
-                  <a:schemeClr val="tx1"/>
-                </a:solidFill>
-                <a:latin typeface="+mn-lt"/>
-                <a:ea typeface="+mn-ea"/>
-                <a:cs typeface="+mn-cs"/>
-              </a:rPr>
-              <a:t>损失结合了</a:t>
-            </a:r>
-            <a:r>
-              <a:rPr lang="en-US" altLang="zh-CN" sz="1200" b="0" i="0" kern="1200" dirty="0" smtClean="0">
-                <a:solidFill>
-                  <a:schemeClr val="tx1"/>
-                </a:solidFill>
-                <a:latin typeface="+mn-lt"/>
-                <a:ea typeface="+mn-ea"/>
-                <a:cs typeface="+mn-cs"/>
-              </a:rPr>
-              <a:t>MSE</a:t>
-            </a:r>
-            <a:r>
-              <a:rPr lang="zh-CN" altLang="en-US" sz="1200" b="0" i="0" kern="1200" dirty="0" smtClean="0">
-                <a:solidFill>
-                  <a:schemeClr val="tx1"/>
-                </a:solidFill>
-                <a:latin typeface="+mn-lt"/>
-                <a:ea typeface="+mn-ea"/>
-                <a:cs typeface="+mn-cs"/>
-              </a:rPr>
-              <a:t>和</a:t>
-            </a:r>
-            <a:r>
-              <a:rPr lang="en-US" altLang="zh-CN" sz="1200" b="0" i="0" kern="1200" dirty="0" smtClean="0">
-                <a:solidFill>
-                  <a:schemeClr val="tx1"/>
-                </a:solidFill>
-                <a:latin typeface="+mn-lt"/>
-                <a:ea typeface="+mn-ea"/>
-                <a:cs typeface="+mn-cs"/>
-              </a:rPr>
-              <a:t>MAE</a:t>
-            </a:r>
-            <a:r>
-              <a:rPr lang="zh-CN" altLang="en-US" sz="1200" b="0" i="0" kern="1200" dirty="0" smtClean="0">
-                <a:solidFill>
-                  <a:schemeClr val="tx1"/>
-                </a:solidFill>
-                <a:latin typeface="+mn-lt"/>
-                <a:ea typeface="+mn-ea"/>
-                <a:cs typeface="+mn-cs"/>
-              </a:rPr>
-              <a:t>的优点。但是，</a:t>
-            </a:r>
-            <a:r>
-              <a:rPr lang="en-US" altLang="zh-CN" sz="1200" b="0" i="0" kern="1200" dirty="0" smtClean="0">
-                <a:solidFill>
-                  <a:schemeClr val="tx1"/>
-                </a:solidFill>
-                <a:latin typeface="+mn-lt"/>
-                <a:ea typeface="+mn-ea"/>
-                <a:cs typeface="+mn-cs"/>
-              </a:rPr>
-              <a:t>Huber</a:t>
-            </a:r>
-            <a:r>
-              <a:rPr lang="zh-CN" altLang="en-US" sz="1200" b="0" i="0" kern="1200" dirty="0" smtClean="0">
-                <a:solidFill>
-                  <a:schemeClr val="tx1"/>
-                </a:solidFill>
-                <a:latin typeface="+mn-lt"/>
-                <a:ea typeface="+mn-ea"/>
-                <a:cs typeface="+mn-cs"/>
-              </a:rPr>
-              <a:t>损失的问题是我们可能需要不断调整</a:t>
-            </a:r>
-            <a:r>
-              <a:rPr lang="zh-CN" altLang="en-US" dirty="0" smtClean="0"/>
-              <a:t>超参数</a:t>
-            </a:r>
-            <a:r>
-              <a:rPr lang="en-US" altLang="zh-CN" sz="1200" b="0" i="0" kern="1200" dirty="0" smtClean="0">
-                <a:solidFill>
-                  <a:schemeClr val="tx1"/>
-                </a:solidFill>
-                <a:latin typeface="+mn-lt"/>
-                <a:ea typeface="+mn-ea"/>
-                <a:cs typeface="+mn-cs"/>
-              </a:rPr>
-              <a:t>delta</a:t>
-            </a:r>
-            <a:r>
-              <a:rPr lang="zh-CN" altLang="en-US" sz="1200" b="0" i="0" kern="1200" dirty="0" smtClean="0">
-                <a:solidFill>
-                  <a:schemeClr val="tx1"/>
-                </a:solidFill>
-                <a:latin typeface="+mn-lt"/>
-                <a:ea typeface="+mn-ea"/>
-                <a:cs typeface="+mn-cs"/>
-              </a:rPr>
-              <a:t>。</a:t>
-            </a:r>
-            <a:endParaRPr lang="zh-CN" altLang="en-US" dirty="0"/>
+            <a:endParaRPr lang="en-US" altLang="zh-CN" dirty="0" smtClean="0"/>
           </a:p>
         </p:txBody>
       </p:sp>
@@ -2713,50 +1950,183 @@
           </a:bodyPr>
           <a:lstStyle/>
           <a:p>
+            <a:pPr marL="0" marR="0" indent="0" algn="l" defTabSz="914400" rtl="0" eaLnBrk="1" fontAlgn="auto" latinLnBrk="0" hangingPunct="1">
+              <a:lnSpc>
+                <a:spcPct val="100000"/>
+              </a:lnSpc>
+              <a:spcBef>
+                <a:spcPts val="0"/>
+              </a:spcBef>
+              <a:spcAft>
+                <a:spcPts val="0"/>
+              </a:spcAft>
+              <a:buClrTx/>
+              <a:buSzTx/>
+              <a:buFontTx/>
+              <a:buNone/>
+              <a:tabLst/>
+              <a:defRPr/>
+            </a:pPr>
+            <a:r>
+              <a:rPr lang="en-US" altLang="zh-CN" dirty="0" smtClean="0"/>
+              <a:t>MAE</a:t>
+            </a:r>
             <a:r>
               <a:rPr lang="zh-CN" altLang="en-US" dirty="0" smtClean="0"/>
-              <a:t>等效于均方误差，和</a:t>
-            </a:r>
-            <a:r>
-              <a:rPr lang="en-US" altLang="zh-CN" dirty="0" err="1" smtClean="0"/>
-              <a:t>hubor</a:t>
-            </a:r>
+              <a:t>：计算样本中位数，故而对有离群点的数据集拟合的更好。</a:t>
+            </a:r>
+            <a:r>
+              <a:rPr lang="zh-CN" altLang="en-US" sz="1200" b="0" i="0" kern="1200" dirty="0" smtClean="0">
+                <a:solidFill>
+                  <a:schemeClr val="tx1"/>
+                </a:solidFill>
+                <a:latin typeface="+mn-lt"/>
+                <a:ea typeface="+mn-ea"/>
+                <a:cs typeface="+mn-cs"/>
+              </a:rPr>
+              <a:t>对异常值而言，中位数比均值更加鲁棒，因此</a:t>
+            </a:r>
+            <a:r>
+              <a:rPr lang="en-US" altLang="zh-CN" sz="1200" b="0" i="0" kern="1200" dirty="0" smtClean="0">
+                <a:solidFill>
+                  <a:schemeClr val="tx1"/>
+                </a:solidFill>
+                <a:latin typeface="+mn-lt"/>
+                <a:ea typeface="+mn-ea"/>
+                <a:cs typeface="+mn-cs"/>
+              </a:rPr>
+              <a:t>MAE</a:t>
+            </a:r>
+            <a:r>
+              <a:rPr lang="zh-CN" altLang="en-US" sz="1200" b="0" i="0" kern="1200" dirty="0" smtClean="0">
+                <a:solidFill>
+                  <a:schemeClr val="tx1"/>
+                </a:solidFill>
+                <a:latin typeface="+mn-lt"/>
+                <a:ea typeface="+mn-ea"/>
+                <a:cs typeface="+mn-cs"/>
+              </a:rPr>
+              <a:t>对于异常值也比</a:t>
+            </a:r>
+            <a:r>
+              <a:rPr lang="en-US" altLang="zh-CN" sz="1200" b="0" i="0" kern="1200" dirty="0" smtClean="0">
+                <a:solidFill>
+                  <a:schemeClr val="tx1"/>
+                </a:solidFill>
+                <a:latin typeface="+mn-lt"/>
+                <a:ea typeface="+mn-ea"/>
+                <a:cs typeface="+mn-cs"/>
+              </a:rPr>
+              <a:t>MSE</a:t>
+            </a:r>
+            <a:r>
+              <a:rPr lang="zh-CN" altLang="en-US" sz="1200" b="0" i="0" kern="1200" dirty="0" smtClean="0">
+                <a:solidFill>
+                  <a:schemeClr val="tx1"/>
+                </a:solidFill>
+                <a:latin typeface="+mn-lt"/>
+                <a:ea typeface="+mn-ea"/>
+                <a:cs typeface="+mn-cs"/>
+              </a:rPr>
+              <a:t>更稳定。</a:t>
+            </a:r>
+            <a:endParaRPr lang="en-US" altLang="zh-CN" dirty="0" smtClean="0"/>
+          </a:p>
+          <a:p>
+            <a:pPr marL="0" marR="0" indent="0" algn="l" defTabSz="914400" rtl="0" eaLnBrk="1" fontAlgn="auto" latinLnBrk="0" hangingPunct="1">
+              <a:lnSpc>
+                <a:spcPct val="100000"/>
+              </a:lnSpc>
+              <a:spcBef>
+                <a:spcPts val="0"/>
+              </a:spcBef>
+              <a:spcAft>
+                <a:spcPts val="0"/>
+              </a:spcAft>
+              <a:buClrTx/>
+              <a:buSzTx/>
+              <a:buFontTx/>
+              <a:buNone/>
+              <a:tabLst/>
+              <a:defRPr/>
+            </a:pPr>
             <a:r>
               <a:rPr lang="en-US" altLang="zh-CN" dirty="0" smtClean="0"/>
-              <a:t> loss</a:t>
+              <a:t>MSE</a:t>
             </a:r>
             <a:r>
               <a:rPr lang="zh-CN" altLang="en-US" dirty="0" smtClean="0"/>
-              <a:t>优点一样。但是他二阶可微，对应</a:t>
-            </a:r>
-            <a:r>
-              <a:rPr lang="en-US" altLang="zh-CN" dirty="0" err="1" smtClean="0"/>
-              <a:t>xgboost</a:t>
-            </a:r>
+              <a:t>：计算样本均值，对有离群点的数据集拟合的不好。</a:t>
+            </a:r>
+            <a:endParaRPr lang="en-US" altLang="zh-CN" dirty="0" smtClean="0"/>
+          </a:p>
+          <a:p>
+            <a:pPr marL="0" marR="0" indent="0" algn="l" defTabSz="914400" rtl="0" eaLnBrk="1" fontAlgn="auto" latinLnBrk="0" hangingPunct="1">
+              <a:lnSpc>
+                <a:spcPct val="100000"/>
+              </a:lnSpc>
+              <a:spcBef>
+                <a:spcPts val="0"/>
+              </a:spcBef>
+              <a:spcAft>
+                <a:spcPts val="0"/>
+              </a:spcAft>
+              <a:buClrTx/>
+              <a:buSzTx/>
+              <a:buFontTx/>
+              <a:buNone/>
+              <a:tabLst/>
+              <a:defRPr/>
+            </a:pPr>
             <a:r>
               <a:rPr lang="zh-CN" altLang="en-US" dirty="0" smtClean="0"/>
-              <a:t>更好（因为这些是用牛顿法，要求二阶可微）。</a:t>
-            </a:r>
-            <a:endParaRPr lang="en-US" altLang="zh-CN" dirty="0" smtClean="0"/>
-          </a:p>
-          <a:p>
-            <a:endParaRPr lang="en-US" altLang="zh-CN" dirty="0" smtClean="0"/>
-          </a:p>
-          <a:p>
+              <a:t>但是在神经网络中，</a:t>
+            </a:r>
+            <a:r>
+              <a:rPr lang="en-US" altLang="zh-CN" dirty="0" smtClean="0"/>
+              <a:t>MAE</a:t>
+            </a:r>
             <a:r>
               <a:rPr lang="zh-CN" altLang="en-US" dirty="0" smtClean="0"/>
-              <a:t>问题：</a:t>
-            </a:r>
-            <a:r>
-              <a:rPr lang="zh-CN" altLang="en-US" sz="1200" b="0" i="0" kern="1200" dirty="0" smtClean="0">
-                <a:solidFill>
-                  <a:schemeClr val="tx1"/>
-                </a:solidFill>
-                <a:latin typeface="+mn-lt"/>
-                <a:ea typeface="+mn-ea"/>
-                <a:cs typeface="+mn-cs"/>
-              </a:rPr>
-              <a:t>比如误差很大的话，一阶梯度和</a:t>
+              <a:t>每次更新的梯度都一样，而</a:t>
+            </a:r>
+            <a:r>
+              <a:rPr lang="en-US" altLang="zh-CN" dirty="0" smtClean="0"/>
+              <a:t>MSE</a:t>
+            </a:r>
+            <a:r>
+              <a:rPr lang="zh-CN" altLang="en-US" dirty="0" smtClean="0"/>
+              <a:t>会有变化。</a:t>
+            </a:r>
+            <a:r>
+              <a:rPr lang="en-US" altLang="zh-CN" dirty="0" smtClean="0"/>
+              <a:t>MAE</a:t>
+            </a:r>
+            <a:r>
+              <a:rPr lang="zh-CN" altLang="en-US" sz="1200" b="0" i="0" kern="1200" dirty="0" smtClean="0">
+                <a:solidFill>
+                  <a:schemeClr val="tx1"/>
+                </a:solidFill>
+                <a:latin typeface="+mn-lt"/>
+                <a:ea typeface="+mn-ea"/>
+                <a:cs typeface="+mn-cs"/>
+              </a:rPr>
+              <a:t>可能导致在使用</a:t>
+            </a:r>
+            <a:r>
+              <a:rPr lang="zh-CN" altLang="en-US" dirty="0" smtClean="0"/>
+              <a:t>梯度下降</a:t>
+            </a:r>
+            <a:r>
+              <a:rPr lang="zh-CN" altLang="en-US" sz="1200" b="0" i="0" kern="1200" dirty="0" smtClean="0">
+                <a:solidFill>
+                  <a:schemeClr val="tx1"/>
+                </a:solidFill>
+                <a:latin typeface="+mn-lt"/>
+                <a:ea typeface="+mn-ea"/>
+                <a:cs typeface="+mn-cs"/>
+              </a:rPr>
+              <a:t>快要结束时，错过了最小点。而对于</a:t>
             </a:r>
             <a:r>
               <a:rPr lang="en-US" altLang="zh-CN" sz="1200" b="0" i="0" kern="1200" dirty="0" smtClean="0">
@@ -2767,34 +2137,22 @@
                 <a:ea typeface="+mn-ea"/>
                 <a:cs typeface="+mn-cs"/>
               </a:rPr>
-              <a:t>Hessian</a:t>
-            </a:r>
-            <a:r>
-              <a:rPr lang="zh-CN" altLang="en-US" sz="1200" b="0" i="0" kern="1200" dirty="0" smtClean="0">
-                <a:solidFill>
-                  <a:schemeClr val="tx1"/>
-                </a:solidFill>
-                <a:latin typeface="+mn-lt"/>
-                <a:ea typeface="+mn-ea"/>
-                <a:cs typeface="+mn-cs"/>
-              </a:rPr>
-              <a:t>会变成定值，这就导致</a:t>
-            </a:r>
-            <a:r>
-              <a:rPr lang="en-US" altLang="zh-CN" dirty="0" err="1" smtClean="0"/>
-              <a:t>XGBoost</a:t>
-            </a:r>
-            <a:r>
-              <a:rPr lang="zh-CN" altLang="en-US" sz="1200" b="0" i="0" kern="1200" dirty="0" smtClean="0">
-                <a:solidFill>
-                  <a:schemeClr val="tx1"/>
-                </a:solidFill>
-                <a:latin typeface="+mn-lt"/>
-                <a:ea typeface="+mn-ea"/>
-                <a:cs typeface="+mn-cs"/>
-              </a:rPr>
-              <a:t>出现缺少分裂点的情况。</a:t>
-            </a:r>
+              <a:t>MSE</a:t>
+            </a:r>
+            <a:r>
+              <a:rPr lang="zh-CN" altLang="en-US" sz="1200" b="0" i="0" kern="1200" dirty="0" smtClean="0">
+                <a:solidFill>
+                  <a:schemeClr val="tx1"/>
+                </a:solidFill>
+                <a:latin typeface="+mn-lt"/>
+                <a:ea typeface="+mn-ea"/>
+                <a:cs typeface="+mn-cs"/>
+              </a:rPr>
+              <a:t>，梯度会随着损失的减小而减小，使结果更加精确。</a:t>
+            </a:r>
+            <a:endParaRPr lang="zh-CN" altLang="en-US" dirty="0" smtClean="0"/>
+          </a:p>
+          <a:p>
             <a:endParaRPr lang="zh-CN" altLang="en-US" dirty="0"/>
           </a:p>
         </p:txBody>
@@ -2877,6 +2235,576 @@
           </a:bodyPr>
           <a:lstStyle/>
           <a:p>
+            <a:r>
+              <a:rPr lang="zh-CN" altLang="en-US" sz="1200" b="0" i="0" kern="1200" dirty="0" smtClean="0">
+                <a:solidFill>
+                  <a:schemeClr val="tx1"/>
+                </a:solidFill>
+                <a:latin typeface="+mn-lt"/>
+                <a:ea typeface="+mn-ea"/>
+                <a:cs typeface="+mn-cs"/>
+              </a:rPr>
+              <a:t>在某些情况下，上述两种损失函数都不能满足需求。例如，若数据中</a:t>
+            </a:r>
+            <a:r>
+              <a:rPr lang="en-US" altLang="zh-CN" sz="1200" b="0" i="0" kern="1200" dirty="0" smtClean="0">
+                <a:solidFill>
+                  <a:schemeClr val="tx1"/>
+                </a:solidFill>
+                <a:latin typeface="+mn-lt"/>
+                <a:ea typeface="+mn-ea"/>
+                <a:cs typeface="+mn-cs"/>
+              </a:rPr>
+              <a:t>90%</a:t>
+            </a:r>
+            <a:r>
+              <a:rPr lang="zh-CN" altLang="en-US" sz="1200" b="0" i="0" kern="1200" dirty="0" smtClean="0">
+                <a:solidFill>
+                  <a:schemeClr val="tx1"/>
+                </a:solidFill>
+                <a:latin typeface="+mn-lt"/>
+                <a:ea typeface="+mn-ea"/>
+                <a:cs typeface="+mn-cs"/>
+              </a:rPr>
+              <a:t>的样本对应的目标值为</a:t>
+            </a:r>
+            <a:r>
+              <a:rPr lang="en-US" altLang="zh-CN" sz="1200" b="0" i="0" kern="1200" dirty="0" smtClean="0">
+                <a:solidFill>
+                  <a:schemeClr val="tx1"/>
+                </a:solidFill>
+                <a:latin typeface="+mn-lt"/>
+                <a:ea typeface="+mn-ea"/>
+                <a:cs typeface="+mn-cs"/>
+              </a:rPr>
+              <a:t>150</a:t>
+            </a:r>
+            <a:r>
+              <a:rPr lang="zh-CN" altLang="en-US" sz="1200" b="0" i="0" kern="1200" dirty="0" smtClean="0">
+                <a:solidFill>
+                  <a:schemeClr val="tx1"/>
+                </a:solidFill>
+                <a:latin typeface="+mn-lt"/>
+                <a:ea typeface="+mn-ea"/>
+                <a:cs typeface="+mn-cs"/>
+              </a:rPr>
+              <a:t>，剩下</a:t>
+            </a:r>
+            <a:r>
+              <a:rPr lang="en-US" altLang="zh-CN" sz="1200" b="0" i="0" kern="1200" dirty="0" smtClean="0">
+                <a:solidFill>
+                  <a:schemeClr val="tx1"/>
+                </a:solidFill>
+                <a:latin typeface="+mn-lt"/>
+                <a:ea typeface="+mn-ea"/>
+                <a:cs typeface="+mn-cs"/>
+              </a:rPr>
+              <a:t>10%</a:t>
+            </a:r>
+            <a:r>
+              <a:rPr lang="zh-CN" altLang="en-US" sz="1200" b="0" i="0" kern="1200" dirty="0" smtClean="0">
+                <a:solidFill>
+                  <a:schemeClr val="tx1"/>
+                </a:solidFill>
+                <a:latin typeface="+mn-lt"/>
+                <a:ea typeface="+mn-ea"/>
+                <a:cs typeface="+mn-cs"/>
+              </a:rPr>
+              <a:t>在</a:t>
+            </a:r>
+            <a:r>
+              <a:rPr lang="en-US" altLang="zh-CN" sz="1200" b="0" i="0" kern="1200" dirty="0" smtClean="0">
+                <a:solidFill>
+                  <a:schemeClr val="tx1"/>
+                </a:solidFill>
+                <a:latin typeface="+mn-lt"/>
+                <a:ea typeface="+mn-ea"/>
+                <a:cs typeface="+mn-cs"/>
+              </a:rPr>
+              <a:t>0</a:t>
+            </a:r>
+            <a:r>
+              <a:rPr lang="zh-CN" altLang="en-US" sz="1200" b="0" i="0" kern="1200" dirty="0" smtClean="0">
+                <a:solidFill>
+                  <a:schemeClr val="tx1"/>
+                </a:solidFill>
+                <a:latin typeface="+mn-lt"/>
+                <a:ea typeface="+mn-ea"/>
+                <a:cs typeface="+mn-cs"/>
+              </a:rPr>
+              <a:t>到</a:t>
+            </a:r>
+            <a:r>
+              <a:rPr lang="en-US" altLang="zh-CN" sz="1200" b="0" i="0" kern="1200" dirty="0" smtClean="0">
+                <a:solidFill>
+                  <a:schemeClr val="tx1"/>
+                </a:solidFill>
+                <a:latin typeface="+mn-lt"/>
+                <a:ea typeface="+mn-ea"/>
+                <a:cs typeface="+mn-cs"/>
+              </a:rPr>
+              <a:t>30</a:t>
+            </a:r>
+            <a:r>
+              <a:rPr lang="zh-CN" altLang="en-US" sz="1200" b="0" i="0" kern="1200" dirty="0" smtClean="0">
+                <a:solidFill>
+                  <a:schemeClr val="tx1"/>
+                </a:solidFill>
+                <a:latin typeface="+mn-lt"/>
+                <a:ea typeface="+mn-ea"/>
+                <a:cs typeface="+mn-cs"/>
+              </a:rPr>
+              <a:t>之间。那么使用</a:t>
+            </a:r>
+            <a:r>
+              <a:rPr lang="en-US" altLang="zh-CN" sz="1200" b="0" i="0" kern="1200" dirty="0" smtClean="0">
+                <a:solidFill>
+                  <a:schemeClr val="tx1"/>
+                </a:solidFill>
+                <a:latin typeface="+mn-lt"/>
+                <a:ea typeface="+mn-ea"/>
+                <a:cs typeface="+mn-cs"/>
+              </a:rPr>
+              <a:t>MAE</a:t>
+            </a:r>
+            <a:r>
+              <a:rPr lang="zh-CN" altLang="en-US" sz="1200" b="0" i="0" kern="1200" dirty="0" smtClean="0">
+                <a:solidFill>
+                  <a:schemeClr val="tx1"/>
+                </a:solidFill>
+                <a:latin typeface="+mn-lt"/>
+                <a:ea typeface="+mn-ea"/>
+                <a:cs typeface="+mn-cs"/>
+              </a:rPr>
+              <a:t>作为损失函数的模型可能会忽视</a:t>
+            </a:r>
+            <a:r>
+              <a:rPr lang="en-US" altLang="zh-CN" sz="1200" b="0" i="0" kern="1200" dirty="0" smtClean="0">
+                <a:solidFill>
+                  <a:schemeClr val="tx1"/>
+                </a:solidFill>
+                <a:latin typeface="+mn-lt"/>
+                <a:ea typeface="+mn-ea"/>
+                <a:cs typeface="+mn-cs"/>
+              </a:rPr>
+              <a:t>10%</a:t>
+            </a:r>
+            <a:r>
+              <a:rPr lang="zh-CN" altLang="en-US" sz="1200" b="0" i="0" kern="1200" dirty="0" smtClean="0">
+                <a:solidFill>
+                  <a:schemeClr val="tx1"/>
+                </a:solidFill>
+                <a:latin typeface="+mn-lt"/>
+                <a:ea typeface="+mn-ea"/>
+                <a:cs typeface="+mn-cs"/>
+              </a:rPr>
+              <a:t>的异常点，而对所有样本的预测值都为</a:t>
+            </a:r>
+            <a:r>
+              <a:rPr lang="en-US" altLang="zh-CN" sz="1200" b="0" i="0" kern="1200" dirty="0" smtClean="0">
+                <a:solidFill>
+                  <a:schemeClr val="tx1"/>
+                </a:solidFill>
+                <a:latin typeface="+mn-lt"/>
+                <a:ea typeface="+mn-ea"/>
+                <a:cs typeface="+mn-cs"/>
+              </a:rPr>
+              <a:t>150</a:t>
+            </a:r>
+            <a:r>
+              <a:rPr lang="zh-CN" altLang="en-US" sz="1200" b="0" i="0" kern="1200" dirty="0" smtClean="0">
+                <a:solidFill>
+                  <a:schemeClr val="tx1"/>
+                </a:solidFill>
+                <a:latin typeface="+mn-lt"/>
+                <a:ea typeface="+mn-ea"/>
+                <a:cs typeface="+mn-cs"/>
+              </a:rPr>
+              <a:t>。</a:t>
+            </a:r>
+          </a:p>
+          <a:p>
+            <a:r>
+              <a:rPr lang="zh-CN" altLang="en-US" sz="1200" b="0" i="0" kern="1200" dirty="0" smtClean="0">
+                <a:solidFill>
+                  <a:schemeClr val="tx1"/>
+                </a:solidFill>
+                <a:latin typeface="+mn-lt"/>
+                <a:ea typeface="+mn-ea"/>
+                <a:cs typeface="+mn-cs"/>
+              </a:rPr>
+              <a:t>这是因为模型会按中位数来预测。而使用</a:t>
+            </a:r>
+            <a:r>
+              <a:rPr lang="en-US" altLang="zh-CN" sz="1200" b="0" i="0" kern="1200" dirty="0" smtClean="0">
+                <a:solidFill>
+                  <a:schemeClr val="tx1"/>
+                </a:solidFill>
+                <a:latin typeface="+mn-lt"/>
+                <a:ea typeface="+mn-ea"/>
+                <a:cs typeface="+mn-cs"/>
+              </a:rPr>
+              <a:t>MSE</a:t>
+            </a:r>
+            <a:r>
+              <a:rPr lang="zh-CN" altLang="en-US" sz="1200" b="0" i="0" kern="1200" dirty="0" smtClean="0">
+                <a:solidFill>
+                  <a:schemeClr val="tx1"/>
+                </a:solidFill>
+                <a:latin typeface="+mn-lt"/>
+                <a:ea typeface="+mn-ea"/>
+                <a:cs typeface="+mn-cs"/>
+              </a:rPr>
+              <a:t>的模型则会给出很多介于</a:t>
+            </a:r>
+            <a:r>
+              <a:rPr lang="en-US" altLang="zh-CN" sz="1200" b="0" i="0" kern="1200" dirty="0" smtClean="0">
+                <a:solidFill>
+                  <a:schemeClr val="tx1"/>
+                </a:solidFill>
+                <a:latin typeface="+mn-lt"/>
+                <a:ea typeface="+mn-ea"/>
+                <a:cs typeface="+mn-cs"/>
+              </a:rPr>
+              <a:t>0</a:t>
+            </a:r>
+            <a:r>
+              <a:rPr lang="zh-CN" altLang="en-US" sz="1200" b="0" i="0" kern="1200" dirty="0" smtClean="0">
+                <a:solidFill>
+                  <a:schemeClr val="tx1"/>
+                </a:solidFill>
+                <a:latin typeface="+mn-lt"/>
+                <a:ea typeface="+mn-ea"/>
+                <a:cs typeface="+mn-cs"/>
+              </a:rPr>
+              <a:t>到</a:t>
+            </a:r>
+            <a:r>
+              <a:rPr lang="en-US" altLang="zh-CN" sz="1200" b="0" i="0" kern="1200" dirty="0" smtClean="0">
+                <a:solidFill>
+                  <a:schemeClr val="tx1"/>
+                </a:solidFill>
+                <a:latin typeface="+mn-lt"/>
+                <a:ea typeface="+mn-ea"/>
+                <a:cs typeface="+mn-cs"/>
+              </a:rPr>
+              <a:t>30</a:t>
+            </a:r>
+            <a:r>
+              <a:rPr lang="zh-CN" altLang="en-US" sz="1200" b="0" i="0" kern="1200" dirty="0" smtClean="0">
+                <a:solidFill>
+                  <a:schemeClr val="tx1"/>
+                </a:solidFill>
+                <a:latin typeface="+mn-lt"/>
+                <a:ea typeface="+mn-ea"/>
+                <a:cs typeface="+mn-cs"/>
+              </a:rPr>
+              <a:t>的预测值，因为模型会向异常点偏移。</a:t>
+            </a:r>
+          </a:p>
+          <a:p>
+            <a:endParaRPr lang="en-US" altLang="zh-CN" dirty="0" smtClean="0"/>
+          </a:p>
+          <a:p>
+            <a:r>
+              <a:rPr lang="en-US" altLang="zh-CN" sz="1200" b="0" i="0" kern="1200" dirty="0" smtClean="0">
+                <a:solidFill>
+                  <a:schemeClr val="tx1"/>
+                </a:solidFill>
+                <a:latin typeface="+mn-lt"/>
+                <a:ea typeface="+mn-ea"/>
+                <a:cs typeface="+mn-cs"/>
+              </a:rPr>
+              <a:t>Huber</a:t>
+            </a:r>
+            <a:r>
+              <a:rPr lang="zh-CN" altLang="en-US" sz="1200" b="0" i="0" kern="1200" dirty="0" smtClean="0">
+                <a:solidFill>
+                  <a:schemeClr val="tx1"/>
+                </a:solidFill>
+                <a:latin typeface="+mn-lt"/>
+                <a:ea typeface="+mn-ea"/>
+                <a:cs typeface="+mn-cs"/>
+              </a:rPr>
+              <a:t>损失在</a:t>
+            </a:r>
+            <a:r>
+              <a:rPr lang="en-US" altLang="zh-CN" sz="1200" b="0" i="0" kern="1200" dirty="0" smtClean="0">
+                <a:solidFill>
+                  <a:schemeClr val="tx1"/>
+                </a:solidFill>
+                <a:latin typeface="+mn-lt"/>
+                <a:ea typeface="+mn-ea"/>
+                <a:cs typeface="+mn-cs"/>
+              </a:rPr>
+              <a:t>[0-δ,0+δ]</a:t>
+            </a:r>
+            <a:r>
+              <a:rPr lang="zh-CN" altLang="en-US" sz="1200" b="0" i="0" kern="1200" dirty="0" smtClean="0">
+                <a:solidFill>
+                  <a:schemeClr val="tx1"/>
+                </a:solidFill>
+                <a:latin typeface="+mn-lt"/>
+                <a:ea typeface="+mn-ea"/>
+                <a:cs typeface="+mn-cs"/>
+              </a:rPr>
+              <a:t>之间时，等价为</a:t>
+            </a:r>
+            <a:r>
+              <a:rPr lang="en-US" altLang="zh-CN" sz="1200" b="0" i="0" kern="1200" dirty="0" smtClean="0">
+                <a:solidFill>
+                  <a:schemeClr val="tx1"/>
+                </a:solidFill>
+                <a:latin typeface="+mn-lt"/>
+                <a:ea typeface="+mn-ea"/>
+                <a:cs typeface="+mn-cs"/>
+              </a:rPr>
+              <a:t>MSE</a:t>
+            </a:r>
+            <a:r>
+              <a:rPr lang="zh-CN" altLang="en-US" sz="1200" b="0" i="0" kern="1200" dirty="0" smtClean="0">
+                <a:solidFill>
+                  <a:schemeClr val="tx1"/>
+                </a:solidFill>
+                <a:latin typeface="+mn-lt"/>
+                <a:ea typeface="+mn-ea"/>
+                <a:cs typeface="+mn-cs"/>
+              </a:rPr>
+              <a:t>，而在</a:t>
+            </a:r>
+            <a:r>
+              <a:rPr lang="en-US" altLang="zh-CN" sz="1200" b="0" i="0" kern="1200" dirty="0" smtClean="0">
+                <a:solidFill>
+                  <a:schemeClr val="tx1"/>
+                </a:solidFill>
+                <a:latin typeface="+mn-lt"/>
+                <a:ea typeface="+mn-ea"/>
+                <a:cs typeface="+mn-cs"/>
+              </a:rPr>
+              <a:t>[-∞,δ]</a:t>
+            </a:r>
+            <a:r>
+              <a:rPr lang="zh-CN" altLang="en-US" sz="1200" b="0" i="0" kern="1200" dirty="0" smtClean="0">
+                <a:solidFill>
+                  <a:schemeClr val="tx1"/>
+                </a:solidFill>
+                <a:latin typeface="+mn-lt"/>
+                <a:ea typeface="+mn-ea"/>
+                <a:cs typeface="+mn-cs"/>
+              </a:rPr>
+              <a:t>和</a:t>
+            </a:r>
+            <a:r>
+              <a:rPr lang="en-US" altLang="zh-CN" sz="1200" b="0" i="0" kern="1200" dirty="0" smtClean="0">
+                <a:solidFill>
+                  <a:schemeClr val="tx1"/>
+                </a:solidFill>
+                <a:latin typeface="+mn-lt"/>
+                <a:ea typeface="+mn-ea"/>
+                <a:cs typeface="+mn-cs"/>
+              </a:rPr>
+              <a:t>[δ,+∞]</a:t>
+            </a:r>
+            <a:r>
+              <a:rPr lang="zh-CN" altLang="en-US" sz="1200" b="0" i="0" kern="1200" dirty="0" smtClean="0">
+                <a:solidFill>
+                  <a:schemeClr val="tx1"/>
+                </a:solidFill>
+                <a:latin typeface="+mn-lt"/>
+                <a:ea typeface="+mn-ea"/>
+                <a:cs typeface="+mn-cs"/>
+              </a:rPr>
+              <a:t>时为</a:t>
+            </a:r>
+            <a:r>
+              <a:rPr lang="en-US" altLang="zh-CN" sz="1200" b="0" i="0" kern="1200" dirty="0" smtClean="0">
+                <a:solidFill>
+                  <a:schemeClr val="tx1"/>
+                </a:solidFill>
+                <a:latin typeface="+mn-lt"/>
+                <a:ea typeface="+mn-ea"/>
+                <a:cs typeface="+mn-cs"/>
+              </a:rPr>
+              <a:t>MAE</a:t>
+            </a:r>
+            <a:r>
+              <a:rPr lang="zh-CN" altLang="en-US" sz="1200" b="0" i="0" kern="1200" dirty="0" smtClean="0">
+                <a:solidFill>
+                  <a:schemeClr val="tx1"/>
+                </a:solidFill>
+                <a:latin typeface="+mn-lt"/>
+                <a:ea typeface="+mn-ea"/>
+                <a:cs typeface="+mn-cs"/>
+              </a:rPr>
+              <a:t>。</a:t>
+            </a:r>
+            <a:endParaRPr lang="en-US" altLang="zh-CN" sz="1200" b="0" i="0" kern="1200" dirty="0" smtClean="0">
+              <a:solidFill>
+                <a:schemeClr val="tx1"/>
+              </a:solidFill>
+              <a:latin typeface="+mn-lt"/>
+              <a:ea typeface="+mn-ea"/>
+              <a:cs typeface="+mn-cs"/>
+            </a:endParaRPr>
+          </a:p>
+          <a:p>
+            <a:endParaRPr lang="en-US" altLang="zh-CN" sz="1200" b="0" i="0" kern="1200" dirty="0" smtClean="0">
+              <a:solidFill>
+                <a:schemeClr val="tx1"/>
+              </a:solidFill>
+              <a:latin typeface="+mn-lt"/>
+              <a:ea typeface="+mn-ea"/>
+              <a:cs typeface="+mn-cs"/>
+            </a:endParaRPr>
+          </a:p>
+          <a:p>
+            <a:r>
+              <a:rPr lang="zh-CN" altLang="en-US" sz="1200" b="0" i="0" kern="1200" dirty="0" smtClean="0">
+                <a:solidFill>
+                  <a:schemeClr val="tx1"/>
+                </a:solidFill>
+                <a:latin typeface="+mn-lt"/>
+                <a:ea typeface="+mn-ea"/>
+                <a:cs typeface="+mn-cs"/>
+              </a:rPr>
+              <a:t>它会由于梯度的减小而落在最小值附近。比起</a:t>
+            </a:r>
+            <a:r>
+              <a:rPr lang="en-US" altLang="zh-CN" sz="1200" b="0" i="0" kern="1200" dirty="0" smtClean="0">
+                <a:solidFill>
+                  <a:schemeClr val="tx1"/>
+                </a:solidFill>
+                <a:latin typeface="+mn-lt"/>
+                <a:ea typeface="+mn-ea"/>
+                <a:cs typeface="+mn-cs"/>
+              </a:rPr>
+              <a:t>MSE</a:t>
+            </a:r>
+            <a:r>
+              <a:rPr lang="zh-CN" altLang="en-US" sz="1200" b="0" i="0" kern="1200" dirty="0" smtClean="0">
+                <a:solidFill>
+                  <a:schemeClr val="tx1"/>
+                </a:solidFill>
+                <a:latin typeface="+mn-lt"/>
+                <a:ea typeface="+mn-ea"/>
+                <a:cs typeface="+mn-cs"/>
+              </a:rPr>
+              <a:t>，它对异常点更加鲁棒。因此，</a:t>
+            </a:r>
+            <a:r>
+              <a:rPr lang="en-US" altLang="zh-CN" sz="1200" b="0" i="0" kern="1200" dirty="0" smtClean="0">
+                <a:solidFill>
+                  <a:schemeClr val="tx1"/>
+                </a:solidFill>
+                <a:latin typeface="+mn-lt"/>
+                <a:ea typeface="+mn-ea"/>
+                <a:cs typeface="+mn-cs"/>
+              </a:rPr>
+              <a:t>Huber</a:t>
+            </a:r>
+            <a:r>
+              <a:rPr lang="zh-CN" altLang="en-US" sz="1200" b="0" i="0" kern="1200" dirty="0" smtClean="0">
+                <a:solidFill>
+                  <a:schemeClr val="tx1"/>
+                </a:solidFill>
+                <a:latin typeface="+mn-lt"/>
+                <a:ea typeface="+mn-ea"/>
+                <a:cs typeface="+mn-cs"/>
+              </a:rPr>
+              <a:t>损失结合了</a:t>
+            </a:r>
+            <a:r>
+              <a:rPr lang="en-US" altLang="zh-CN" sz="1200" b="0" i="0" kern="1200" dirty="0" smtClean="0">
+                <a:solidFill>
+                  <a:schemeClr val="tx1"/>
+                </a:solidFill>
+                <a:latin typeface="+mn-lt"/>
+                <a:ea typeface="+mn-ea"/>
+                <a:cs typeface="+mn-cs"/>
+              </a:rPr>
+              <a:t>MSE</a:t>
+            </a:r>
+            <a:r>
+              <a:rPr lang="zh-CN" altLang="en-US" sz="1200" b="0" i="0" kern="1200" dirty="0" smtClean="0">
+                <a:solidFill>
+                  <a:schemeClr val="tx1"/>
+                </a:solidFill>
+                <a:latin typeface="+mn-lt"/>
+                <a:ea typeface="+mn-ea"/>
+                <a:cs typeface="+mn-cs"/>
+              </a:rPr>
+              <a:t>和</a:t>
+            </a:r>
+            <a:r>
+              <a:rPr lang="en-US" altLang="zh-CN" sz="1200" b="0" i="0" kern="1200" dirty="0" smtClean="0">
+                <a:solidFill>
+                  <a:schemeClr val="tx1"/>
+                </a:solidFill>
+                <a:latin typeface="+mn-lt"/>
+                <a:ea typeface="+mn-ea"/>
+                <a:cs typeface="+mn-cs"/>
+              </a:rPr>
+              <a:t>MAE</a:t>
+            </a:r>
+            <a:r>
+              <a:rPr lang="zh-CN" altLang="en-US" sz="1200" b="0" i="0" kern="1200" dirty="0" smtClean="0">
+                <a:solidFill>
+                  <a:schemeClr val="tx1"/>
+                </a:solidFill>
+                <a:latin typeface="+mn-lt"/>
+                <a:ea typeface="+mn-ea"/>
+                <a:cs typeface="+mn-cs"/>
+              </a:rPr>
+              <a:t>的优点。但是，</a:t>
+            </a:r>
+            <a:r>
+              <a:rPr lang="en-US" altLang="zh-CN" sz="1200" b="0" i="0" kern="1200" dirty="0" smtClean="0">
+                <a:solidFill>
+                  <a:schemeClr val="tx1"/>
+                </a:solidFill>
+                <a:latin typeface="+mn-lt"/>
+                <a:ea typeface="+mn-ea"/>
+                <a:cs typeface="+mn-cs"/>
+              </a:rPr>
+              <a:t>Huber</a:t>
+            </a:r>
+            <a:r>
+              <a:rPr lang="zh-CN" altLang="en-US" sz="1200" b="0" i="0" kern="1200" dirty="0" smtClean="0">
+                <a:solidFill>
+                  <a:schemeClr val="tx1"/>
+                </a:solidFill>
+                <a:latin typeface="+mn-lt"/>
+                <a:ea typeface="+mn-ea"/>
+                <a:cs typeface="+mn-cs"/>
+              </a:rPr>
+              <a:t>损失的问题是我们可能需要不断调整</a:t>
+            </a:r>
+            <a:r>
+              <a:rPr lang="zh-CN" altLang="en-US" dirty="0" smtClean="0"/>
+              <a:t>超参数</a:t>
+            </a:r>
+            <a:r>
+              <a:rPr lang="en-US" altLang="zh-CN" sz="1200" b="0" i="0" kern="1200" dirty="0" smtClean="0">
+                <a:solidFill>
+                  <a:schemeClr val="tx1"/>
+                </a:solidFill>
+                <a:latin typeface="+mn-lt"/>
+                <a:ea typeface="+mn-ea"/>
+                <a:cs typeface="+mn-cs"/>
+              </a:rPr>
+              <a:t>delta</a:t>
+            </a:r>
+            <a:r>
+              <a:rPr lang="zh-CN" altLang="en-US" sz="1200" b="0" i="0" kern="1200" dirty="0" smtClean="0">
+                <a:solidFill>
+                  <a:schemeClr val="tx1"/>
+                </a:solidFill>
+                <a:latin typeface="+mn-lt"/>
+                <a:ea typeface="+mn-ea"/>
+                <a:cs typeface="+mn-cs"/>
+              </a:rPr>
+              <a:t>。</a:t>
+            </a:r>
             <a:endParaRPr lang="zh-CN" altLang="en-US" dirty="0"/>
           </a:p>
         </p:txBody>
@@ -2960,319 +2888,87 @@
           <a:lstStyle/>
           <a:p>
             <a:r>
+              <a:rPr lang="zh-CN" altLang="en-US" dirty="0" smtClean="0"/>
+              <a:t>等效于均方误差，和</a:t>
+            </a:r>
+            <a:r>
               <a:rPr lang="en-US" altLang="zh-CN" dirty="0" err="1" smtClean="0"/>
-              <a:t>sse</a:t>
+              <a:t>hubor</a:t>
             </a:r>
             <a:r>
               <a:rPr lang="en-US" altLang="zh-CN" dirty="0" smtClean="0"/>
-              <a:t> </a:t>
+              <a:t> loss</a:t>
             </a:r>
             <a:r>
               <a:rPr lang="zh-CN" altLang="en-US" dirty="0" smtClean="0"/>
-              <a:t>误差平方和，残差</a:t>
+              <a:t>优点一样。但是他二阶可微，对应</a:t>
+            </a:r>
+            <a:r>
+              <a:rPr lang="en-US" altLang="zh-CN" dirty="0" err="1" smtClean="0"/>
+              <a:t>xgboost</a:t>
+            </a:r>
+            <a:r>
+              <a:rPr lang="zh-CN" altLang="en-US" dirty="0" smtClean="0"/>
+              <a:t>更好（因为这些是用牛顿法，要求二阶可微）。</a:t>
             </a:r>
             <a:endParaRPr lang="en-US" altLang="zh-CN" dirty="0" smtClean="0"/>
           </a:p>
           <a:p>
+            <a:endParaRPr lang="en-US" altLang="zh-CN" dirty="0" smtClean="0"/>
+          </a:p>
+          <a:p>
+            <a:r>
+              <a:rPr lang="zh-CN" altLang="en-US" dirty="0" smtClean="0"/>
+              <a:t>问题：</a:t>
+            </a:r>
+            <a:r>
+              <a:rPr lang="zh-CN" altLang="en-US" sz="1200" b="0" i="0" kern="1200" dirty="0" smtClean="0">
+                <a:solidFill>
+                  <a:schemeClr val="tx1"/>
+                </a:solidFill>
+                <a:latin typeface="+mn-lt"/>
+                <a:ea typeface="+mn-ea"/>
+                <a:cs typeface="+mn-cs"/>
+              </a:rPr>
+              <a:t>比如误差很大的话，一阶梯度和</a:t>
+            </a:r>
+            <a:r>
+              <a:rPr lang="en-US" altLang="zh-CN" sz="1200" b="0" i="0" kern="1200" dirty="0" smtClean="0">
+                <a:solidFill>
+                  <a:schemeClr val="tx1"/>
+                </a:solidFill>
+                <a:latin typeface="+mn-lt"/>
+                <a:ea typeface="+mn-ea"/>
+                <a:cs typeface="+mn-cs"/>
+              </a:rPr>
+              <a:t>Hessian</a:t>
+            </a:r>
+            <a:r>
+              <a:rPr lang="zh-CN" altLang="en-US" sz="1200" b="0" i="0" kern="1200" dirty="0" smtClean="0">
+                <a:solidFill>
+                  <a:schemeClr val="tx1"/>
+                </a:solidFill>
+                <a:latin typeface="+mn-lt"/>
+                <a:ea typeface="+mn-ea"/>
+                <a:cs typeface="+mn-cs"/>
+              </a:rPr>
+              <a:t>会变成定值，这就导致</a:t>
+            </a:r>
             <a:r>
               <a:rPr lang="en-US" altLang="zh-CN" dirty="0" err="1" smtClean="0"/>
-              <a:t>mse</a:t>
-            </a:r>
-            <a:r>
-              <a:rPr lang="en-US" altLang="zh-CN" dirty="0" smtClean="0"/>
-              <a:t> </a:t>
-            </a:r>
-            <a:r>
-              <a:rPr lang="en-US" altLang="zh-CN" dirty="0" err="1" smtClean="0"/>
-              <a:t>sse</a:t>
-            </a:r>
-            <a:r>
-              <a:rPr lang="en-US" altLang="zh-CN" dirty="0" smtClean="0"/>
-              <a:t>/n</a:t>
-            </a:r>
-          </a:p>
-          <a:p>
-            <a:r>
-              <a:rPr lang="en-US" altLang="zh-CN" dirty="0" err="1" smtClean="0"/>
-              <a:t>rmse</a:t>
-            </a:r>
-            <a:r>
-              <a:rPr lang="en-US" altLang="zh-CN" dirty="0" smtClean="0"/>
-              <a:t> </a:t>
-            </a:r>
-            <a:r>
-              <a:rPr lang="zh-CN" altLang="en-US" dirty="0" smtClean="0"/>
-              <a:t>根号</a:t>
-            </a:r>
-            <a:r>
-              <a:rPr lang="en-US" altLang="zh-CN" dirty="0" err="1" smtClean="0"/>
-              <a:t>mse</a:t>
-            </a:r>
-            <a:endParaRPr lang="en-US" altLang="zh-CN" dirty="0" smtClean="0"/>
-          </a:p>
-          <a:p>
-            <a:endParaRPr lang="en-US" altLang="zh-CN" dirty="0" smtClean="0"/>
-          </a:p>
-          <a:p>
-            <a:r>
-              <a:rPr lang="zh-CN" altLang="en-US" sz="1200" b="0" i="0" kern="1200" dirty="0" smtClean="0">
-                <a:solidFill>
-                  <a:schemeClr val="tx1"/>
-                </a:solidFill>
-                <a:latin typeface="+mn-lt"/>
-                <a:ea typeface="+mn-ea"/>
-                <a:cs typeface="+mn-cs"/>
-              </a:rPr>
-              <a:t>“残差在数理统计中是指实际观察值与估计值（拟合值）之间的差。”“如果回归模型正确的话， 我们可以将残差看作误差的观测值。”</a:t>
-            </a:r>
-          </a:p>
-          <a:p>
-            <a:r>
-              <a:rPr lang="zh-CN" altLang="en-US" sz="1200" b="0" i="0" kern="1200" dirty="0" smtClean="0">
-                <a:solidFill>
-                  <a:schemeClr val="tx1"/>
-                </a:solidFill>
-                <a:latin typeface="+mn-lt"/>
-                <a:ea typeface="+mn-ea"/>
-                <a:cs typeface="+mn-cs"/>
-              </a:rPr>
-              <a:t>　　更准确地，假设我们想要找一个 </a:t>
-            </a:r>
-            <a:r>
-              <a:rPr lang="en-US" altLang="zh-CN" sz="1200" b="0" i="0" u="none" strike="noStrike" kern="1200" dirty="0" smtClean="0">
-                <a:solidFill>
-                  <a:schemeClr val="tx1"/>
-                </a:solidFill>
-                <a:latin typeface="+mn-lt"/>
-                <a:ea typeface="+mn-ea"/>
-                <a:cs typeface="+mn-cs"/>
-              </a:rPr>
-              <a:t>x</a:t>
-            </a:r>
-            <a:r>
-              <a:rPr lang="zh-CN" altLang="en-US" sz="1200" b="0" i="0" kern="1200" dirty="0" smtClean="0">
-                <a:solidFill>
-                  <a:schemeClr val="tx1"/>
-                </a:solidFill>
-                <a:latin typeface="+mn-lt"/>
-                <a:ea typeface="+mn-ea"/>
-                <a:cs typeface="+mn-cs"/>
-              </a:rPr>
-              <a:t>，使得 </a:t>
-            </a:r>
-            <a:r>
-              <a:rPr lang="en-US" altLang="zh-CN" sz="1200" b="0" i="0" u="none" strike="noStrike" kern="1200" dirty="0" smtClean="0">
-                <a:solidFill>
-                  <a:schemeClr val="tx1"/>
-                </a:solidFill>
-                <a:latin typeface="+mn-lt"/>
-                <a:ea typeface="+mn-ea"/>
-                <a:cs typeface="+mn-cs"/>
-              </a:rPr>
-              <a:t>f(x)=bf(x)=b</a:t>
-            </a:r>
-            <a:r>
-              <a:rPr lang="zh-CN" altLang="en-US" sz="1200" b="0" i="0" kern="1200" dirty="0" smtClean="0">
-                <a:solidFill>
-                  <a:schemeClr val="tx1"/>
-                </a:solidFill>
-                <a:latin typeface="+mn-lt"/>
-                <a:ea typeface="+mn-ea"/>
-                <a:cs typeface="+mn-cs"/>
-              </a:rPr>
-              <a:t>，给定一个 </a:t>
-            </a:r>
-            <a:r>
-              <a:rPr lang="en-US" altLang="zh-CN" sz="1200" b="0" i="0" u="none" strike="noStrike" kern="1200" dirty="0" smtClean="0">
-                <a:solidFill>
-                  <a:schemeClr val="tx1"/>
-                </a:solidFill>
-                <a:latin typeface="+mn-lt"/>
-                <a:ea typeface="+mn-ea"/>
-                <a:cs typeface="+mn-cs"/>
-              </a:rPr>
-              <a:t>x</a:t>
-            </a:r>
-            <a:r>
-              <a:rPr lang="zh-CN" altLang="en-US" sz="1200" b="0" i="0" kern="1200" dirty="0" smtClean="0">
-                <a:solidFill>
-                  <a:schemeClr val="tx1"/>
-                </a:solidFill>
-                <a:latin typeface="+mn-lt"/>
-                <a:ea typeface="+mn-ea"/>
-                <a:cs typeface="+mn-cs"/>
-              </a:rPr>
-              <a:t> 的估计值 </a:t>
-            </a:r>
-            <a:r>
-              <a:rPr lang="en-US" altLang="zh-CN" sz="1200" b="0" i="0" u="none" strike="noStrike" kern="1200" dirty="0" smtClean="0">
-                <a:solidFill>
-                  <a:schemeClr val="tx1"/>
-                </a:solidFill>
-                <a:latin typeface="+mn-lt"/>
-                <a:ea typeface="+mn-ea"/>
-                <a:cs typeface="+mn-cs"/>
-              </a:rPr>
-              <a:t>x0</a:t>
-            </a:r>
-            <a:r>
-              <a:rPr lang="zh-CN" altLang="en-US" sz="1200" b="0" i="0" kern="1200" dirty="0" smtClean="0">
-                <a:solidFill>
-                  <a:schemeClr val="tx1"/>
-                </a:solidFill>
-                <a:latin typeface="+mn-lt"/>
-                <a:ea typeface="+mn-ea"/>
-                <a:cs typeface="+mn-cs"/>
-              </a:rPr>
-              <a:t>，残差（</a:t>
-            </a:r>
-            <a:r>
-              <a:rPr lang="en-US" altLang="zh-CN" sz="1200" b="0" i="0" kern="1200" dirty="0" smtClean="0">
-                <a:solidFill>
-                  <a:schemeClr val="tx1"/>
-                </a:solidFill>
-                <a:latin typeface="+mn-lt"/>
-                <a:ea typeface="+mn-ea"/>
-                <a:cs typeface="+mn-cs"/>
-              </a:rPr>
-              <a:t>residual</a:t>
-            </a:r>
-            <a:r>
-              <a:rPr lang="zh-CN" altLang="en-US" sz="1200" b="0" i="0" kern="1200" dirty="0" smtClean="0">
-                <a:solidFill>
-                  <a:schemeClr val="tx1"/>
-                </a:solidFill>
-                <a:latin typeface="+mn-lt"/>
-                <a:ea typeface="+mn-ea"/>
-                <a:cs typeface="+mn-cs"/>
-              </a:rPr>
-              <a:t>）就是 </a:t>
-            </a:r>
-            <a:r>
-              <a:rPr lang="en-US" altLang="zh-CN" sz="1200" b="0" i="0" u="none" strike="noStrike" kern="1200" dirty="0" smtClean="0">
-                <a:solidFill>
-                  <a:schemeClr val="tx1"/>
-                </a:solidFill>
-                <a:latin typeface="+mn-lt"/>
-                <a:ea typeface="+mn-ea"/>
-                <a:cs typeface="+mn-cs"/>
-              </a:rPr>
-              <a:t>b</a:t>
-            </a:r>
-            <a:r>
-              <a:rPr lang="zh-CN" altLang="en-US" sz="1200" b="0" i="0" u="none" strike="noStrike" kern="1200" dirty="0" smtClean="0">
-                <a:solidFill>
-                  <a:schemeClr val="tx1"/>
-                </a:solidFill>
-                <a:latin typeface="+mn-lt"/>
-                <a:ea typeface="+mn-ea"/>
-                <a:cs typeface="+mn-cs"/>
-              </a:rPr>
-              <a:t>−</a:t>
-            </a:r>
-            <a:r>
-              <a:rPr lang="en-US" altLang="zh-CN" sz="1200" b="0" i="0" u="none" strike="noStrike" kern="1200" dirty="0" smtClean="0">
-                <a:solidFill>
-                  <a:schemeClr val="tx1"/>
-                </a:solidFill>
-                <a:latin typeface="+mn-lt"/>
-                <a:ea typeface="+mn-ea"/>
-                <a:cs typeface="+mn-cs"/>
-              </a:rPr>
-              <a:t>f(x0)</a:t>
-            </a:r>
-            <a:r>
-              <a:rPr lang="zh-CN" altLang="en-US" sz="1200" b="0" i="0" kern="1200" dirty="0" smtClean="0">
-                <a:solidFill>
-                  <a:schemeClr val="tx1"/>
-                </a:solidFill>
-                <a:latin typeface="+mn-lt"/>
-                <a:ea typeface="+mn-ea"/>
-                <a:cs typeface="+mn-cs"/>
-              </a:rPr>
-              <a:t>，同时，误差就是 </a:t>
-            </a:r>
-            <a:r>
-              <a:rPr lang="en-US" altLang="zh-CN" sz="1200" b="0" i="0" u="none" strike="noStrike" kern="1200" dirty="0" smtClean="0">
-                <a:solidFill>
-                  <a:schemeClr val="tx1"/>
-                </a:solidFill>
-                <a:latin typeface="+mn-lt"/>
-                <a:ea typeface="+mn-ea"/>
-                <a:cs typeface="+mn-cs"/>
-              </a:rPr>
-              <a:t>x</a:t>
-            </a:r>
-            <a:r>
-              <a:rPr lang="zh-CN" altLang="en-US" sz="1200" b="0" i="0" u="none" strike="noStrike" kern="1200" dirty="0" smtClean="0">
-                <a:solidFill>
-                  <a:schemeClr val="tx1"/>
-                </a:solidFill>
-                <a:latin typeface="+mn-lt"/>
-                <a:ea typeface="+mn-ea"/>
-                <a:cs typeface="+mn-cs"/>
-              </a:rPr>
-              <a:t>−</a:t>
-            </a:r>
-            <a:r>
-              <a:rPr lang="en-US" altLang="zh-CN" sz="1200" b="0" i="0" u="none" strike="noStrike" kern="1200" dirty="0" smtClean="0">
-                <a:solidFill>
-                  <a:schemeClr val="tx1"/>
-                </a:solidFill>
-                <a:latin typeface="+mn-lt"/>
-                <a:ea typeface="+mn-ea"/>
-                <a:cs typeface="+mn-cs"/>
-              </a:rPr>
-              <a:t>x0</a:t>
-            </a:r>
-            <a:r>
-              <a:rPr lang="zh-CN" altLang="en-US" sz="1200" b="0" i="0" kern="1200" dirty="0" smtClean="0">
-                <a:solidFill>
-                  <a:schemeClr val="tx1"/>
-                </a:solidFill>
-                <a:latin typeface="+mn-lt"/>
-                <a:ea typeface="+mn-ea"/>
-                <a:cs typeface="+mn-cs"/>
-              </a:rPr>
-              <a:t>。</a:t>
-            </a:r>
-          </a:p>
-          <a:p>
-            <a:r>
-              <a:rPr lang="zh-CN" altLang="en-US" sz="1200" b="0" i="0" kern="1200" dirty="0" smtClean="0">
-                <a:solidFill>
-                  <a:schemeClr val="tx1"/>
-                </a:solidFill>
-                <a:latin typeface="+mn-lt"/>
-                <a:ea typeface="+mn-ea"/>
-                <a:cs typeface="+mn-cs"/>
-              </a:rPr>
-              <a:t>　　即使 </a:t>
-            </a:r>
-            <a:r>
-              <a:rPr lang="en-US" altLang="zh-CN" sz="1200" b="0" i="0" u="none" strike="noStrike" kern="1200" dirty="0" smtClean="0">
-                <a:solidFill>
-                  <a:schemeClr val="tx1"/>
-                </a:solidFill>
-                <a:latin typeface="+mn-lt"/>
-                <a:ea typeface="+mn-ea"/>
-                <a:cs typeface="+mn-cs"/>
-              </a:rPr>
-              <a:t>x</a:t>
-            </a:r>
-            <a:r>
-              <a:rPr lang="zh-CN" altLang="en-US" sz="1200" b="0" i="0" kern="1200" dirty="0" smtClean="0">
-                <a:solidFill>
-                  <a:schemeClr val="tx1"/>
-                </a:solidFill>
-                <a:latin typeface="+mn-lt"/>
-                <a:ea typeface="+mn-ea"/>
-                <a:cs typeface="+mn-cs"/>
-              </a:rPr>
-              <a:t> 不知道，我们仍然可以计算残差，只是不能计算误差罢了。</a:t>
-            </a:r>
-          </a:p>
-          <a:p>
+              <a:t>XGBoost</a:t>
+            </a:r>
+            <a:r>
+              <a:rPr lang="zh-CN" altLang="en-US" sz="1200" b="0" i="0" kern="1200" dirty="0" smtClean="0">
+                <a:solidFill>
+                  <a:schemeClr val="tx1"/>
+                </a:solidFill>
+                <a:latin typeface="+mn-lt"/>
+                <a:ea typeface="+mn-ea"/>
+                <a:cs typeface="+mn-cs"/>
+              </a:rPr>
+              <a:t>出现缺少分裂点的情况。</a:t>
+            </a:r>
             <a:endParaRPr lang="zh-CN" altLang="en-US" dirty="0"/>
           </a:p>
         </p:txBody>
@@ -3409,6 +3105,484 @@
 </p:notes>
 </file>
 
+<file path=ppt/notesSlides/notesSlide20.xml><?xml version="1.0" encoding="utf-8"?>
+<p:notes xmlns:a="http://schemas.openxmlformats.org/drawingml/2006/main" xmlns:r="http://schemas.openxmlformats.org/officeDocument/2006/relationships" xmlns:p="http://schemas.openxmlformats.org/presentationml/2006/main">
+  <p:cSld>
+    <p:spTree>
+      <p:nvGrpSpPr>
+        <p:cNvPr id="1" name=""/>
+        <p:cNvGrpSpPr/>
+        <p:nvPr/>
+      </p:nvGrpSpPr>
+      <p:grpSpPr>
+        <a:xfrm>
+          <a:off x="0" y="0"/>
+          <a:ext cx="0" cy="0"/>
+          <a:chOff x="0" y="0"/>
+          <a:chExt cx="0" cy="0"/>
+        </a:xfrm>
+      </p:grpSpPr>
+      <p:sp>
+        <p:nvSpPr>
+          <p:cNvPr id="2" name="幻灯片图像占位符 1"/>
+          <p:cNvSpPr>
+            <a:spLocks noGrp="1" noRot="1" noChangeAspect="1"/>
+          </p:cNvSpPr>
+          <p:nvPr>
+            <p:ph type="sldImg"/>
+          </p:nvPr>
+        </p:nvSpPr>
+        <p:spPr/>
+      </p:sp>
+      <p:sp>
+        <p:nvSpPr>
+          <p:cNvPr id="3" name="备注占位符 2"/>
+          <p:cNvSpPr>
+            <a:spLocks noGrp="1"/>
+          </p:cNvSpPr>
+          <p:nvPr>
+            <p:ph type="body" idx="1"/>
+          </p:nvPr>
+        </p:nvSpPr>
+        <p:spPr/>
+        <p:txBody>
+          <a:bodyPr>
+            <a:normAutofit/>
+          </a:bodyPr>
+          <a:lstStyle/>
+          <a:p>
+            <a:endParaRPr lang="zh-CN" altLang="en-US" dirty="0"/>
+          </a:p>
+        </p:txBody>
+      </p:sp>
+      <p:sp>
+        <p:nvSpPr>
+          <p:cNvPr id="4" name="灯片编号占位符 3"/>
+          <p:cNvSpPr>
+            <a:spLocks noGrp="1"/>
+          </p:cNvSpPr>
+          <p:nvPr>
+            <p:ph type="sldNum" sz="quarter" idx="10"/>
+          </p:nvPr>
+        </p:nvSpPr>
+        <p:spPr/>
+        <p:txBody>
+          <a:bodyPr/>
+          <a:lstStyle/>
+          <a:p>
+            <a:fld id="{C953DA11-AFBE-4547-ADB8-5304B6EC7D96}" type="slidenum">
+              <a:rPr lang="zh-CN" altLang="en-US" smtClean="0"/>
+              <a:pPr/>
+              <a:t>26</a:t>
+            </a:fld>
+            <a:endParaRPr lang="zh-CN" altLang="en-US"/>
+          </a:p>
+        </p:txBody>
+      </p:sp>
+    </p:spTree>
+  </p:cSld>
+  <p:clrMapOvr>
+    <a:masterClrMapping/>
+  </p:clrMapOvr>
+</p:notes>
+</file>
+
+<file path=ppt/notesSlides/notesSlide21.xml><?xml version="1.0" encoding="utf-8"?>
+<p:notes xmlns:a="http://schemas.openxmlformats.org/drawingml/2006/main" xmlns:r="http://schemas.openxmlformats.org/officeDocument/2006/relationships" xmlns:p="http://schemas.openxmlformats.org/presentationml/2006/main">
+  <p:cSld>
+    <p:spTree>
+      <p:nvGrpSpPr>
+        <p:cNvPr id="1" name=""/>
+        <p:cNvGrpSpPr/>
+        <p:nvPr/>
+      </p:nvGrpSpPr>
+      <p:grpSpPr>
+        <a:xfrm>
+          <a:off x="0" y="0"/>
+          <a:ext cx="0" cy="0"/>
+          <a:chOff x="0" y="0"/>
+          <a:chExt cx="0" cy="0"/>
+        </a:xfrm>
+      </p:grpSpPr>
+      <p:sp>
+        <p:nvSpPr>
+          <p:cNvPr id="2" name="幻灯片图像占位符 1"/>
+          <p:cNvSpPr>
+            <a:spLocks noGrp="1" noRot="1" noChangeAspect="1"/>
+          </p:cNvSpPr>
+          <p:nvPr>
+            <p:ph type="sldImg"/>
+          </p:nvPr>
+        </p:nvSpPr>
+        <p:spPr/>
+      </p:sp>
+      <p:sp>
+        <p:nvSpPr>
+          <p:cNvPr id="3" name="备注占位符 2"/>
+          <p:cNvSpPr>
+            <a:spLocks noGrp="1"/>
+          </p:cNvSpPr>
+          <p:nvPr>
+            <p:ph type="body" idx="1"/>
+          </p:nvPr>
+        </p:nvSpPr>
+        <p:spPr/>
+        <p:txBody>
+          <a:bodyPr>
+            <a:normAutofit/>
+          </a:bodyPr>
+          <a:lstStyle/>
+          <a:p>
+            <a:r>
+              <a:rPr lang="en-US" altLang="zh-CN" dirty="0" err="1" smtClean="0"/>
+              <a:t>sse</a:t>
+            </a:r>
+            <a:r>
+              <a:rPr lang="en-US" altLang="zh-CN" dirty="0" smtClean="0"/>
+              <a:t> </a:t>
+            </a:r>
+            <a:r>
+              <a:rPr lang="zh-CN" altLang="en-US" dirty="0" smtClean="0"/>
+              <a:t>误差平方和，残差</a:t>
+            </a:r>
+            <a:endParaRPr lang="en-US" altLang="zh-CN" dirty="0" smtClean="0"/>
+          </a:p>
+          <a:p>
+            <a:r>
+              <a:rPr lang="en-US" altLang="zh-CN" dirty="0" err="1" smtClean="0"/>
+              <a:t>mse</a:t>
+            </a:r>
+            <a:r>
+              <a:rPr lang="en-US" altLang="zh-CN" dirty="0" smtClean="0"/>
+              <a:t> </a:t>
+            </a:r>
+            <a:r>
+              <a:rPr lang="en-US" altLang="zh-CN" dirty="0" err="1" smtClean="0"/>
+              <a:t>sse</a:t>
+            </a:r>
+            <a:r>
+              <a:rPr lang="en-US" altLang="zh-CN" dirty="0" smtClean="0"/>
+              <a:t>/n</a:t>
+            </a:r>
+          </a:p>
+          <a:p>
+            <a:r>
+              <a:rPr lang="en-US" altLang="zh-CN" dirty="0" err="1" smtClean="0"/>
+              <a:t>rmse</a:t>
+            </a:r>
+            <a:r>
+              <a:rPr lang="en-US" altLang="zh-CN" dirty="0" smtClean="0"/>
+              <a:t> </a:t>
+            </a:r>
+            <a:r>
+              <a:rPr lang="zh-CN" altLang="en-US" dirty="0" smtClean="0"/>
+              <a:t>根号</a:t>
+            </a:r>
+            <a:r>
+              <a:rPr lang="en-US" altLang="zh-CN" dirty="0" err="1" smtClean="0"/>
+              <a:t>mse</a:t>
+            </a:r>
+            <a:endParaRPr lang="en-US" altLang="zh-CN" dirty="0" smtClean="0"/>
+          </a:p>
+          <a:p>
+            <a:endParaRPr lang="en-US" altLang="zh-CN" dirty="0" smtClean="0"/>
+          </a:p>
+          <a:p>
+            <a:r>
+              <a:rPr lang="zh-CN" altLang="en-US" sz="1200" b="0" i="0" kern="1200" dirty="0" smtClean="0">
+                <a:solidFill>
+                  <a:schemeClr val="tx1"/>
+                </a:solidFill>
+                <a:latin typeface="+mn-lt"/>
+                <a:ea typeface="+mn-ea"/>
+                <a:cs typeface="+mn-cs"/>
+              </a:rPr>
+              <a:t>“残差在数理统计中是指实际观察值与估计值（拟合值）之间的差。”“如果回归模型正确的话， 我们可以将残差看作误差的观测值。”</a:t>
+            </a:r>
+          </a:p>
+          <a:p>
+            <a:r>
+              <a:rPr lang="zh-CN" altLang="en-US" sz="1200" b="0" i="0" kern="1200" dirty="0" smtClean="0">
+                <a:solidFill>
+                  <a:schemeClr val="tx1"/>
+                </a:solidFill>
+                <a:latin typeface="+mn-lt"/>
+                <a:ea typeface="+mn-ea"/>
+                <a:cs typeface="+mn-cs"/>
+              </a:rPr>
+              <a:t>　　更准确地，假设我们想要找一个 </a:t>
+            </a:r>
+            <a:r>
+              <a:rPr lang="en-US" altLang="zh-CN" sz="1200" b="0" i="0" u="none" strike="noStrike" kern="1200" dirty="0" smtClean="0">
+                <a:solidFill>
+                  <a:schemeClr val="tx1"/>
+                </a:solidFill>
+                <a:latin typeface="+mn-lt"/>
+                <a:ea typeface="+mn-ea"/>
+                <a:cs typeface="+mn-cs"/>
+              </a:rPr>
+              <a:t>x</a:t>
+            </a:r>
+            <a:r>
+              <a:rPr lang="zh-CN" altLang="en-US" sz="1200" b="0" i="0" kern="1200" dirty="0" smtClean="0">
+                <a:solidFill>
+                  <a:schemeClr val="tx1"/>
+                </a:solidFill>
+                <a:latin typeface="+mn-lt"/>
+                <a:ea typeface="+mn-ea"/>
+                <a:cs typeface="+mn-cs"/>
+              </a:rPr>
+              <a:t>，使得 </a:t>
+            </a:r>
+            <a:r>
+              <a:rPr lang="en-US" altLang="zh-CN" sz="1200" b="0" i="0" u="none" strike="noStrike" kern="1200" dirty="0" smtClean="0">
+                <a:solidFill>
+                  <a:schemeClr val="tx1"/>
+                </a:solidFill>
+                <a:latin typeface="+mn-lt"/>
+                <a:ea typeface="+mn-ea"/>
+                <a:cs typeface="+mn-cs"/>
+              </a:rPr>
+              <a:t>f(x)=bf(x)=b</a:t>
+            </a:r>
+            <a:r>
+              <a:rPr lang="zh-CN" altLang="en-US" sz="1200" b="0" i="0" kern="1200" dirty="0" smtClean="0">
+                <a:solidFill>
+                  <a:schemeClr val="tx1"/>
+                </a:solidFill>
+                <a:latin typeface="+mn-lt"/>
+                <a:ea typeface="+mn-ea"/>
+                <a:cs typeface="+mn-cs"/>
+              </a:rPr>
+              <a:t>，给定一个 </a:t>
+            </a:r>
+            <a:r>
+              <a:rPr lang="en-US" altLang="zh-CN" sz="1200" b="0" i="0" u="none" strike="noStrike" kern="1200" dirty="0" smtClean="0">
+                <a:solidFill>
+                  <a:schemeClr val="tx1"/>
+                </a:solidFill>
+                <a:latin typeface="+mn-lt"/>
+                <a:ea typeface="+mn-ea"/>
+                <a:cs typeface="+mn-cs"/>
+              </a:rPr>
+              <a:t>x</a:t>
+            </a:r>
+            <a:r>
+              <a:rPr lang="zh-CN" altLang="en-US" sz="1200" b="0" i="0" kern="1200" dirty="0" smtClean="0">
+                <a:solidFill>
+                  <a:schemeClr val="tx1"/>
+                </a:solidFill>
+                <a:latin typeface="+mn-lt"/>
+                <a:ea typeface="+mn-ea"/>
+                <a:cs typeface="+mn-cs"/>
+              </a:rPr>
+              <a:t> 的估计值 </a:t>
+            </a:r>
+            <a:r>
+              <a:rPr lang="en-US" altLang="zh-CN" sz="1200" b="0" i="0" u="none" strike="noStrike" kern="1200" dirty="0" smtClean="0">
+                <a:solidFill>
+                  <a:schemeClr val="tx1"/>
+                </a:solidFill>
+                <a:latin typeface="+mn-lt"/>
+                <a:ea typeface="+mn-ea"/>
+                <a:cs typeface="+mn-cs"/>
+              </a:rPr>
+              <a:t>x0</a:t>
+            </a:r>
+            <a:r>
+              <a:rPr lang="zh-CN" altLang="en-US" sz="1200" b="0" i="0" kern="1200" dirty="0" smtClean="0">
+                <a:solidFill>
+                  <a:schemeClr val="tx1"/>
+                </a:solidFill>
+                <a:latin typeface="+mn-lt"/>
+                <a:ea typeface="+mn-ea"/>
+                <a:cs typeface="+mn-cs"/>
+              </a:rPr>
+              <a:t>，残差（</a:t>
+            </a:r>
+            <a:r>
+              <a:rPr lang="en-US" altLang="zh-CN" sz="1200" b="0" i="0" kern="1200" dirty="0" smtClean="0">
+                <a:solidFill>
+                  <a:schemeClr val="tx1"/>
+                </a:solidFill>
+                <a:latin typeface="+mn-lt"/>
+                <a:ea typeface="+mn-ea"/>
+                <a:cs typeface="+mn-cs"/>
+              </a:rPr>
+              <a:t>residual</a:t>
+            </a:r>
+            <a:r>
+              <a:rPr lang="zh-CN" altLang="en-US" sz="1200" b="0" i="0" kern="1200" dirty="0" smtClean="0">
+                <a:solidFill>
+                  <a:schemeClr val="tx1"/>
+                </a:solidFill>
+                <a:latin typeface="+mn-lt"/>
+                <a:ea typeface="+mn-ea"/>
+                <a:cs typeface="+mn-cs"/>
+              </a:rPr>
+              <a:t>）就是 </a:t>
+            </a:r>
+            <a:r>
+              <a:rPr lang="en-US" altLang="zh-CN" sz="1200" b="0" i="0" u="none" strike="noStrike" kern="1200" dirty="0" smtClean="0">
+                <a:solidFill>
+                  <a:schemeClr val="tx1"/>
+                </a:solidFill>
+                <a:latin typeface="+mn-lt"/>
+                <a:ea typeface="+mn-ea"/>
+                <a:cs typeface="+mn-cs"/>
+              </a:rPr>
+              <a:t>b</a:t>
+            </a:r>
+            <a:r>
+              <a:rPr lang="zh-CN" altLang="en-US" sz="1200" b="0" i="0" u="none" strike="noStrike" kern="1200" dirty="0" smtClean="0">
+                <a:solidFill>
+                  <a:schemeClr val="tx1"/>
+                </a:solidFill>
+                <a:latin typeface="+mn-lt"/>
+                <a:ea typeface="+mn-ea"/>
+                <a:cs typeface="+mn-cs"/>
+              </a:rPr>
+              <a:t>−</a:t>
+            </a:r>
+            <a:r>
+              <a:rPr lang="en-US" altLang="zh-CN" sz="1200" b="0" i="0" u="none" strike="noStrike" kern="1200" dirty="0" smtClean="0">
+                <a:solidFill>
+                  <a:schemeClr val="tx1"/>
+                </a:solidFill>
+                <a:latin typeface="+mn-lt"/>
+                <a:ea typeface="+mn-ea"/>
+                <a:cs typeface="+mn-cs"/>
+              </a:rPr>
+              <a:t>f(x0)</a:t>
+            </a:r>
+            <a:r>
+              <a:rPr lang="zh-CN" altLang="en-US" sz="1200" b="0" i="0" kern="1200" dirty="0" smtClean="0">
+                <a:solidFill>
+                  <a:schemeClr val="tx1"/>
+                </a:solidFill>
+                <a:latin typeface="+mn-lt"/>
+                <a:ea typeface="+mn-ea"/>
+                <a:cs typeface="+mn-cs"/>
+              </a:rPr>
+              <a:t>，同时，误差就是 </a:t>
+            </a:r>
+            <a:r>
+              <a:rPr lang="en-US" altLang="zh-CN" sz="1200" b="0" i="0" u="none" strike="noStrike" kern="1200" dirty="0" smtClean="0">
+                <a:solidFill>
+                  <a:schemeClr val="tx1"/>
+                </a:solidFill>
+                <a:latin typeface="+mn-lt"/>
+                <a:ea typeface="+mn-ea"/>
+                <a:cs typeface="+mn-cs"/>
+              </a:rPr>
+              <a:t>x</a:t>
+            </a:r>
+            <a:r>
+              <a:rPr lang="zh-CN" altLang="en-US" sz="1200" b="0" i="0" u="none" strike="noStrike" kern="1200" dirty="0" smtClean="0">
+                <a:solidFill>
+                  <a:schemeClr val="tx1"/>
+                </a:solidFill>
+                <a:latin typeface="+mn-lt"/>
+                <a:ea typeface="+mn-ea"/>
+                <a:cs typeface="+mn-cs"/>
+              </a:rPr>
+              <a:t>−</a:t>
+            </a:r>
+            <a:r>
+              <a:rPr lang="en-US" altLang="zh-CN" sz="1200" b="0" i="0" u="none" strike="noStrike" kern="1200" dirty="0" smtClean="0">
+                <a:solidFill>
+                  <a:schemeClr val="tx1"/>
+                </a:solidFill>
+                <a:latin typeface="+mn-lt"/>
+                <a:ea typeface="+mn-ea"/>
+                <a:cs typeface="+mn-cs"/>
+              </a:rPr>
+              <a:t>x0</a:t>
+            </a:r>
+            <a:r>
+              <a:rPr lang="zh-CN" altLang="en-US" sz="1200" b="0" i="0" kern="1200" dirty="0" smtClean="0">
+                <a:solidFill>
+                  <a:schemeClr val="tx1"/>
+                </a:solidFill>
+                <a:latin typeface="+mn-lt"/>
+                <a:ea typeface="+mn-ea"/>
+                <a:cs typeface="+mn-cs"/>
+              </a:rPr>
+              <a:t>。</a:t>
+            </a:r>
+          </a:p>
+          <a:p>
+            <a:r>
+              <a:rPr lang="zh-CN" altLang="en-US" sz="1200" b="0" i="0" kern="1200" dirty="0" smtClean="0">
+                <a:solidFill>
+                  <a:schemeClr val="tx1"/>
+                </a:solidFill>
+                <a:latin typeface="+mn-lt"/>
+                <a:ea typeface="+mn-ea"/>
+                <a:cs typeface="+mn-cs"/>
+              </a:rPr>
+              <a:t>　　即使 </a:t>
+            </a:r>
+            <a:r>
+              <a:rPr lang="en-US" altLang="zh-CN" sz="1200" b="0" i="0" u="none" strike="noStrike" kern="1200" dirty="0" smtClean="0">
+                <a:solidFill>
+                  <a:schemeClr val="tx1"/>
+                </a:solidFill>
+                <a:latin typeface="+mn-lt"/>
+                <a:ea typeface="+mn-ea"/>
+                <a:cs typeface="+mn-cs"/>
+              </a:rPr>
+              <a:t>x</a:t>
+            </a:r>
+            <a:r>
+              <a:rPr lang="zh-CN" altLang="en-US" sz="1200" b="0" i="0" kern="1200" dirty="0" smtClean="0">
+                <a:solidFill>
+                  <a:schemeClr val="tx1"/>
+                </a:solidFill>
+                <a:latin typeface="+mn-lt"/>
+                <a:ea typeface="+mn-ea"/>
+                <a:cs typeface="+mn-cs"/>
+              </a:rPr>
+              <a:t> 不知道，我们仍然可以计算残差，只是不能计算误差罢了。</a:t>
+            </a:r>
+          </a:p>
+          <a:p>
+            <a:endParaRPr lang="zh-CN" altLang="en-US" dirty="0"/>
+          </a:p>
+        </p:txBody>
+      </p:sp>
+      <p:sp>
+        <p:nvSpPr>
+          <p:cNvPr id="4" name="灯片编号占位符 3"/>
+          <p:cNvSpPr>
+            <a:spLocks noGrp="1"/>
+          </p:cNvSpPr>
+          <p:nvPr>
+            <p:ph type="sldNum" sz="quarter" idx="10"/>
+          </p:nvPr>
+        </p:nvSpPr>
+        <p:spPr/>
+        <p:txBody>
+          <a:bodyPr/>
+          <a:lstStyle/>
+          <a:p>
+            <a:fld id="{C953DA11-AFBE-4547-ADB8-5304B6EC7D96}" type="slidenum">
+              <a:rPr lang="zh-CN" altLang="en-US" smtClean="0"/>
+              <a:pPr/>
+              <a:t>27</a:t>
+            </a:fld>
+            <a:endParaRPr lang="zh-CN" altLang="en-US"/>
+          </a:p>
+        </p:txBody>
+      </p:sp>
+    </p:spTree>
+  </p:cSld>
+  <p:clrMapOvr>
+    <a:masterClrMapping/>
+  </p:clrMapOvr>
+</p:notes>
+</file>
+
 <file path=ppt/notesSlides/notesSlide3.xml><?xml version="1.0" encoding="utf-8"?>
 <p:notes xmlns:a="http://schemas.openxmlformats.org/drawingml/2006/main" xmlns:r="http://schemas.openxmlformats.org/officeDocument/2006/relationships" xmlns:p="http://schemas.openxmlformats.org/presentationml/2006/main">
   <p:cSld>
@@ -3652,7 +3826,367 @@
               </a:rPr>
               <a:t>。</a:t>
             </a:r>
-            <a:endParaRPr lang="zh-CN" altLang="en-US" dirty="0"/>
+            <a:endParaRPr lang="en-US" altLang="zh-CN" sz="1200" b="0" i="0" kern="1200" dirty="0" smtClean="0">
+              <a:solidFill>
+                <a:schemeClr val="tx1"/>
+              </a:solidFill>
+              <a:latin typeface="+mn-lt"/>
+              <a:ea typeface="+mn-ea"/>
+              <a:cs typeface="+mn-cs"/>
+            </a:endParaRPr>
+          </a:p>
+          <a:p>
+            <a:endParaRPr lang="en-US" altLang="zh-CN" sz="1200" b="0" i="0" kern="1200" dirty="0" smtClean="0">
+              <a:solidFill>
+                <a:schemeClr val="tx1"/>
+              </a:solidFill>
+              <a:latin typeface="+mn-lt"/>
+              <a:ea typeface="+mn-ea"/>
+              <a:cs typeface="+mn-cs"/>
+            </a:endParaRPr>
+          </a:p>
+          <a:p>
+            <a:r>
+              <a:rPr lang="en-US" altLang="zh-CN" sz="1200" b="0" i="0" kern="1200" dirty="0" smtClean="0">
+                <a:solidFill>
+                  <a:schemeClr val="tx1"/>
+                </a:solidFill>
+                <a:latin typeface="+mn-lt"/>
+                <a:ea typeface="+mn-ea"/>
+                <a:cs typeface="+mn-cs"/>
+              </a:rPr>
+              <a:t>bagging</a:t>
+            </a:r>
+            <a:r>
+              <a:rPr lang="zh-CN" altLang="en-US" sz="1200" b="0" i="0" kern="1200" dirty="0" smtClean="0">
+                <a:solidFill>
+                  <a:schemeClr val="tx1"/>
+                </a:solidFill>
+                <a:latin typeface="+mn-lt"/>
+                <a:ea typeface="+mn-ea"/>
+                <a:cs typeface="+mn-cs"/>
+              </a:rPr>
+              <a:t>是采样。</a:t>
+            </a:r>
+            <a:r>
+              <a:rPr lang="en-US" altLang="zh-CN" sz="1200" b="0" i="0" kern="1200" dirty="0" smtClean="0">
+                <a:solidFill>
+                  <a:schemeClr val="tx1"/>
+                </a:solidFill>
+                <a:latin typeface="+mn-lt"/>
+                <a:ea typeface="+mn-ea"/>
+                <a:cs typeface="+mn-cs"/>
+              </a:rPr>
+              <a:t>boost</a:t>
+            </a:r>
+            <a:r>
+              <a:rPr lang="zh-CN" altLang="en-US" sz="1200" b="0" i="0" kern="1200" dirty="0" smtClean="0">
+                <a:solidFill>
+                  <a:schemeClr val="tx1"/>
+                </a:solidFill>
+                <a:latin typeface="+mn-lt"/>
+                <a:ea typeface="+mn-ea"/>
+                <a:cs typeface="+mn-cs"/>
+              </a:rPr>
+              <a:t>是赋予权重。</a:t>
+            </a:r>
+            <a:endParaRPr lang="en-US" altLang="zh-CN" sz="1200" b="0" i="0" kern="1200" dirty="0" smtClean="0">
+              <a:solidFill>
+                <a:schemeClr val="tx1"/>
+              </a:solidFill>
+              <a:latin typeface="+mn-lt"/>
+              <a:ea typeface="+mn-ea"/>
+              <a:cs typeface="+mn-cs"/>
+            </a:endParaRPr>
+          </a:p>
+          <a:p>
+            <a:endParaRPr lang="en-US" altLang="zh-CN" sz="1200" b="0" i="0" kern="1200" dirty="0" smtClean="0">
+              <a:solidFill>
+                <a:schemeClr val="tx1"/>
+              </a:solidFill>
+              <a:latin typeface="+mn-lt"/>
+              <a:ea typeface="+mn-ea"/>
+              <a:cs typeface="+mn-cs"/>
+            </a:endParaRPr>
+          </a:p>
+          <a:p>
+            <a:endParaRPr lang="en-US" altLang="zh-CN" sz="1200" b="0" i="0" kern="1200" dirty="0" smtClean="0">
+              <a:solidFill>
+                <a:schemeClr val="tx1"/>
+              </a:solidFill>
+              <a:latin typeface="+mn-lt"/>
+              <a:ea typeface="+mn-ea"/>
+              <a:cs typeface="+mn-cs"/>
+            </a:endParaRPr>
+          </a:p>
+          <a:p>
+            <a:r>
+              <a:rPr lang="en-US" altLang="zh-CN" sz="1200" b="0" i="0" kern="1200" dirty="0" err="1" smtClean="0">
+                <a:solidFill>
+                  <a:schemeClr val="tx1"/>
+                </a:solidFill>
+                <a:latin typeface="+mn-lt"/>
+                <a:ea typeface="+mn-ea"/>
+                <a:cs typeface="+mn-cs"/>
+              </a:rPr>
+              <a:t>adaboost</a:t>
+            </a:r>
+            <a:r>
+              <a:rPr lang="zh-CN" altLang="en-US" sz="1200" b="0" i="0" kern="1200" dirty="0" smtClean="0">
+                <a:solidFill>
+                  <a:schemeClr val="tx1"/>
+                </a:solidFill>
+                <a:latin typeface="+mn-lt"/>
+                <a:ea typeface="+mn-ea"/>
+                <a:cs typeface="+mn-cs"/>
+              </a:rPr>
+              <a:t>：</a:t>
+            </a:r>
+            <a:r>
+              <a:rPr lang="en-US" altLang="zh-CN" sz="1200" b="0" i="0" kern="1200" dirty="0" smtClean="0">
+                <a:solidFill>
+                  <a:schemeClr val="tx1"/>
+                </a:solidFill>
+                <a:latin typeface="+mn-lt"/>
+                <a:ea typeface="+mn-ea"/>
+                <a:cs typeface="+mn-cs"/>
+              </a:rPr>
+              <a:t>d e a</a:t>
+            </a:r>
+            <a:r>
+              <a:rPr lang="zh-CN" altLang="en-US" sz="1200" b="0" i="0" kern="1200" dirty="0" smtClean="0">
+                <a:solidFill>
+                  <a:schemeClr val="tx1"/>
+                </a:solidFill>
+                <a:latin typeface="+mn-lt"/>
+                <a:ea typeface="+mn-ea"/>
+                <a:cs typeface="+mn-cs"/>
+              </a:rPr>
+              <a:t>三个量，每轮构建一个</a:t>
+            </a:r>
+            <a:r>
+              <a:rPr lang="en-US" altLang="zh-CN" sz="1200" b="0" i="0" kern="1200" dirty="0" smtClean="0">
+                <a:solidFill>
+                  <a:schemeClr val="tx1"/>
+                </a:solidFill>
+                <a:latin typeface="+mn-lt"/>
+                <a:ea typeface="+mn-ea"/>
+                <a:cs typeface="+mn-cs"/>
+              </a:rPr>
+              <a:t>cart</a:t>
+            </a:r>
+            <a:r>
+              <a:rPr lang="zh-CN" altLang="en-US" sz="1200" b="0" i="0" kern="1200" dirty="0" smtClean="0">
+                <a:solidFill>
+                  <a:schemeClr val="tx1"/>
+                </a:solidFill>
+                <a:latin typeface="+mn-lt"/>
+                <a:ea typeface="+mn-ea"/>
+                <a:cs typeface="+mn-cs"/>
+              </a:rPr>
+              <a:t>树，然后更新</a:t>
+            </a:r>
+            <a:r>
+              <a:rPr lang="en-US" altLang="zh-CN" sz="1200" b="0" i="0" kern="1200" dirty="0" smtClean="0">
+                <a:solidFill>
+                  <a:schemeClr val="tx1"/>
+                </a:solidFill>
+                <a:latin typeface="+mn-lt"/>
+                <a:ea typeface="+mn-ea"/>
+                <a:cs typeface="+mn-cs"/>
+              </a:rPr>
+              <a:t>d e a</a:t>
+            </a:r>
+            <a:r>
+              <a:rPr lang="zh-CN" altLang="en-US" sz="1200" b="0" i="0" kern="1200" dirty="0" smtClean="0">
+                <a:solidFill>
+                  <a:schemeClr val="tx1"/>
+                </a:solidFill>
+                <a:latin typeface="+mn-lt"/>
+                <a:ea typeface="+mn-ea"/>
+                <a:cs typeface="+mn-cs"/>
+              </a:rPr>
+              <a:t>。最后的结果，是按权重投票。</a:t>
+            </a:r>
+            <a:endParaRPr lang="en-US" altLang="zh-CN" sz="1200" b="0" i="0" kern="1200" dirty="0" smtClean="0">
+              <a:solidFill>
+                <a:schemeClr val="tx1"/>
+              </a:solidFill>
+              <a:latin typeface="+mn-lt"/>
+              <a:ea typeface="+mn-ea"/>
+              <a:cs typeface="+mn-cs"/>
+            </a:endParaRPr>
+          </a:p>
+          <a:p>
+            <a:r>
+              <a:rPr lang="zh-CN" altLang="en-US" sz="1200" b="0" i="0" kern="1200" dirty="0" smtClean="0">
+                <a:solidFill>
+                  <a:schemeClr val="tx1"/>
+                </a:solidFill>
+                <a:latin typeface="+mn-lt"/>
+                <a:ea typeface="+mn-ea"/>
+                <a:cs typeface="+mn-cs"/>
+              </a:rPr>
+              <a:t>提升树：拟合的是残差。回归提升树里面，最后的</a:t>
+            </a:r>
+            <a:r>
+              <a:rPr lang="en-US" altLang="zh-CN" sz="1200" b="0" i="0" kern="1200" dirty="0" smtClean="0">
+                <a:solidFill>
+                  <a:schemeClr val="tx1"/>
+                </a:solidFill>
+                <a:latin typeface="+mn-lt"/>
+                <a:ea typeface="+mn-ea"/>
+                <a:cs typeface="+mn-cs"/>
+              </a:rPr>
+              <a:t>f(x)</a:t>
+            </a:r>
+            <a:r>
+              <a:rPr lang="zh-CN" altLang="en-US" sz="1200" b="0" i="0" kern="1200" dirty="0" smtClean="0">
+                <a:solidFill>
+                  <a:schemeClr val="tx1"/>
+                </a:solidFill>
+                <a:latin typeface="+mn-lt"/>
+                <a:ea typeface="+mn-ea"/>
+                <a:cs typeface="+mn-cs"/>
+              </a:rPr>
+              <a:t>是分多段函数。</a:t>
+            </a:r>
+            <a:endParaRPr lang="en-US" altLang="zh-CN" sz="1200" b="0" i="0" kern="1200" dirty="0" smtClean="0">
+              <a:solidFill>
+                <a:schemeClr val="tx1"/>
+              </a:solidFill>
+              <a:latin typeface="+mn-lt"/>
+              <a:ea typeface="+mn-ea"/>
+              <a:cs typeface="+mn-cs"/>
+            </a:endParaRPr>
+          </a:p>
+          <a:p>
+            <a:endParaRPr lang="en-US" altLang="zh-CN" sz="1200" b="0" i="0" kern="1200" dirty="0" smtClean="0">
+              <a:solidFill>
+                <a:schemeClr val="tx1"/>
+              </a:solidFill>
+              <a:latin typeface="+mn-lt"/>
+              <a:ea typeface="+mn-ea"/>
+              <a:cs typeface="+mn-cs"/>
+            </a:endParaRPr>
+          </a:p>
+          <a:p>
+            <a:r>
+              <a:rPr lang="en-US" altLang="zh-CN" sz="1200" b="0" i="0" kern="1200" dirty="0" err="1" smtClean="0">
+                <a:solidFill>
+                  <a:schemeClr val="tx1"/>
+                </a:solidFill>
+                <a:latin typeface="+mn-lt"/>
+                <a:ea typeface="+mn-ea"/>
+                <a:cs typeface="+mn-cs"/>
+              </a:rPr>
+              <a:t>adaboost</a:t>
+            </a:r>
+            <a:r>
+              <a:rPr lang="zh-CN" altLang="en-US" sz="1200" b="0" i="0" kern="1200" dirty="0" smtClean="0">
+                <a:solidFill>
+                  <a:schemeClr val="tx1"/>
+                </a:solidFill>
+                <a:latin typeface="+mn-lt"/>
+                <a:ea typeface="+mn-ea"/>
+                <a:cs typeface="+mn-cs"/>
+              </a:rPr>
+              <a:t>特点是每次迭代一个弱分类器，每次迭代中，提高上一轮被分错类数据的权值，降低被分类正确数据的权值。最后</a:t>
+            </a:r>
+            <a:r>
+              <a:rPr lang="en-US" altLang="zh-CN" sz="1200" b="0" i="0" kern="1200" dirty="0" err="1" smtClean="0">
+                <a:solidFill>
+                  <a:schemeClr val="tx1"/>
+                </a:solidFill>
+                <a:latin typeface="+mn-lt"/>
+                <a:ea typeface="+mn-ea"/>
+                <a:cs typeface="+mn-cs"/>
+              </a:rPr>
+              <a:t>adaboost</a:t>
+            </a:r>
+            <a:r>
+              <a:rPr lang="zh-CN" altLang="en-US" sz="1200" b="0" i="0" kern="1200" dirty="0" smtClean="0">
+                <a:solidFill>
+                  <a:schemeClr val="tx1"/>
+                </a:solidFill>
+                <a:latin typeface="+mn-lt"/>
+                <a:ea typeface="+mn-ea"/>
+                <a:cs typeface="+mn-cs"/>
+              </a:rPr>
+              <a:t>将基本分类器的线性组合作为强分类器，按权重投票。</a:t>
+            </a:r>
+            <a:endParaRPr lang="en-US" altLang="zh-CN" sz="1200" b="0" i="0" kern="1200" dirty="0" smtClean="0">
+              <a:solidFill>
+                <a:schemeClr val="tx1"/>
+              </a:solidFill>
+              <a:latin typeface="+mn-lt"/>
+              <a:ea typeface="+mn-ea"/>
+              <a:cs typeface="+mn-cs"/>
+            </a:endParaRPr>
+          </a:p>
+          <a:p>
+            <a:r>
+              <a:rPr lang="en-US" altLang="zh-CN" sz="1200" b="0" i="0" kern="1200" dirty="0" err="1" smtClean="0">
+                <a:solidFill>
+                  <a:schemeClr val="tx1"/>
+                </a:solidFill>
+                <a:latin typeface="+mn-lt"/>
+                <a:ea typeface="+mn-ea"/>
+                <a:cs typeface="+mn-cs"/>
+              </a:rPr>
+              <a:t>adaboost</a:t>
+            </a:r>
+            <a:r>
+              <a:rPr lang="zh-CN" altLang="en-US" sz="1200" b="0" i="0" kern="1200" dirty="0" smtClean="0">
+                <a:solidFill>
+                  <a:schemeClr val="tx1"/>
+                </a:solidFill>
+                <a:latin typeface="+mn-lt"/>
+                <a:ea typeface="+mn-ea"/>
+                <a:cs typeface="+mn-cs"/>
+              </a:rPr>
+              <a:t>每次迭代减少在训练数据集上的分类误差率。</a:t>
+            </a:r>
+            <a:endParaRPr lang="en-US" altLang="zh-CN" sz="1200" b="0" i="0" kern="1200" dirty="0" smtClean="0">
+              <a:solidFill>
+                <a:schemeClr val="tx1"/>
+              </a:solidFill>
+              <a:latin typeface="+mn-lt"/>
+              <a:ea typeface="+mn-ea"/>
+              <a:cs typeface="+mn-cs"/>
+            </a:endParaRPr>
+          </a:p>
+          <a:p>
+            <a:r>
+              <a:rPr lang="en-US" altLang="zh-CN" sz="1200" b="0" i="0" kern="1200" dirty="0" err="1" smtClean="0">
+                <a:solidFill>
+                  <a:schemeClr val="tx1"/>
+                </a:solidFill>
+                <a:latin typeface="+mn-lt"/>
+                <a:ea typeface="+mn-ea"/>
+                <a:cs typeface="+mn-cs"/>
+              </a:rPr>
+              <a:t>adaboost</a:t>
+            </a:r>
+            <a:r>
+              <a:rPr lang="zh-CN" altLang="en-US" sz="1200" b="0" i="0" kern="1200" dirty="0" smtClean="0">
+                <a:solidFill>
+                  <a:schemeClr val="tx1"/>
+                </a:solidFill>
+                <a:latin typeface="+mn-lt"/>
+                <a:ea typeface="+mn-ea"/>
+                <a:cs typeface="+mn-cs"/>
+              </a:rPr>
+              <a:t>可以看作前向分步算法的一个实现，模型是加法模型，损失函数是指数损失，算法是前向分步算法。</a:t>
+            </a:r>
+            <a:endParaRPr lang="en-US" altLang="zh-CN" sz="1200" b="0" i="0" kern="1200" dirty="0" smtClean="0">
+              <a:solidFill>
+                <a:schemeClr val="tx1"/>
+              </a:solidFill>
+              <a:latin typeface="+mn-lt"/>
+              <a:ea typeface="+mn-ea"/>
+              <a:cs typeface="+mn-cs"/>
+            </a:endParaRPr>
           </a:p>
         </p:txBody>
       </p:sp>
@@ -3782,9 +4316,47 @@
             </a:r>
             <a:r>
               <a:rPr lang="zh-CN" altLang="en-US" dirty="0" smtClean="0"/>
-              <a:t>是该弱学习器判别结果在对强学习器的贡献程度。</a:t>
+              <a:t>是该弱学习器判别结果在对强学习器的贡献程度</a:t>
+            </a:r>
+            <a:r>
+              <a:rPr lang="zh-CN" altLang="en-US" dirty="0" smtClean="0"/>
+              <a:t>。</a:t>
             </a:r>
             <a:endParaRPr lang="en-US" altLang="zh-CN" dirty="0" smtClean="0"/>
+          </a:p>
+          <a:p>
+            <a:endParaRPr lang="en-US" altLang="zh-CN" dirty="0" smtClean="0"/>
+          </a:p>
+          <a:p>
+            <a:r>
+              <a:rPr lang="zh-CN" altLang="en-US" b="1" dirty="0" smtClean="0"/>
+              <a:t>如何计算</a:t>
+            </a:r>
+            <a:r>
+              <a:rPr lang="en-US" altLang="zh-CN" b="1" dirty="0" smtClean="0"/>
+              <a:t>e</a:t>
+            </a:r>
+          </a:p>
+          <a:p>
+            <a:r>
+              <a:rPr lang="zh-CN" altLang="en-US" b="1" dirty="0" smtClean="0"/>
+              <a:t>如何得到</a:t>
+            </a:r>
+            <a:r>
+              <a:rPr lang="en-US" altLang="zh-CN" b="1" dirty="0" smtClean="0"/>
+              <a:t>a</a:t>
+            </a:r>
+          </a:p>
+          <a:p>
+            <a:r>
+              <a:rPr lang="zh-CN" altLang="en-US" b="1" dirty="0" smtClean="0"/>
+              <a:t>如何更新</a:t>
+            </a:r>
+            <a:r>
+              <a:rPr lang="en-US" altLang="zh-CN" b="1" dirty="0" smtClean="0"/>
+              <a:t>d</a:t>
+            </a:r>
+            <a:endParaRPr lang="en-US" altLang="zh-CN" b="1" dirty="0" smtClean="0"/>
           </a:p>
         </p:txBody>
       </p:sp>
@@ -3867,26 +4439,59 @@
           <a:lstStyle/>
           <a:p>
             <a:r>
-              <a:rPr lang="zh-CN" altLang="en-US" sz="1200" b="1" i="0" u="none" strike="noStrike" kern="1200" dirty="0" smtClean="0">
-                <a:solidFill>
-                  <a:schemeClr val="tx1"/>
-                </a:solidFill>
-                <a:latin typeface="+mn-lt"/>
-                <a:ea typeface="+mn-ea"/>
-                <a:cs typeface="+mn-cs"/>
-              </a:rPr>
-              <a:t>指数损失：</a:t>
-            </a:r>
-            <a:r>
-              <a:rPr lang="zh-CN" altLang="en-US" sz="1200" b="0" i="0" u="none" strike="noStrike" kern="1200" dirty="0" smtClean="0">
-                <a:solidFill>
-                  <a:schemeClr val="tx1"/>
-                </a:solidFill>
-                <a:latin typeface="+mn-lt"/>
-                <a:ea typeface="+mn-ea"/>
-                <a:cs typeface="+mn-cs"/>
-              </a:rPr>
-              <a:t>记</a:t>
+              <a:rPr lang="en-US" altLang="zh-CN" sz="1200" b="1" i="0" kern="1200" dirty="0" smtClean="0">
+                <a:solidFill>
+                  <a:schemeClr val="tx1"/>
+                </a:solidFill>
+                <a:latin typeface="+mn-lt"/>
+                <a:ea typeface="+mn-ea"/>
+                <a:cs typeface="+mn-cs"/>
+              </a:rPr>
+              <a:t>I(Gk(xi)≠</a:t>
+            </a:r>
+            <a:r>
+              <a:rPr lang="en-US" altLang="zh-CN" sz="1200" b="1" i="0" kern="1200" dirty="0" err="1" smtClean="0">
+                <a:solidFill>
+                  <a:schemeClr val="tx1"/>
+                </a:solidFill>
+                <a:latin typeface="+mn-lt"/>
+                <a:ea typeface="+mn-ea"/>
+                <a:cs typeface="+mn-cs"/>
+              </a:rPr>
+              <a:t>yi</a:t>
+            </a:r>
+            <a:r>
+              <a:rPr lang="en-US" altLang="zh-CN" sz="1200" b="1" i="0" kern="1200" dirty="0" smtClean="0">
+                <a:solidFill>
+                  <a:schemeClr val="tx1"/>
+                </a:solidFill>
+                <a:latin typeface="+mn-lt"/>
+                <a:ea typeface="+mn-ea"/>
+                <a:cs typeface="+mn-cs"/>
+              </a:rPr>
+              <a:t>)</a:t>
+            </a:r>
+            <a:r>
+              <a:rPr lang="zh-CN" altLang="en-US" sz="1200" b="0" i="0" kern="1200" dirty="0" smtClean="0">
+                <a:solidFill>
+                  <a:schemeClr val="tx1"/>
+                </a:solidFill>
+                <a:latin typeface="+mn-lt"/>
+                <a:ea typeface="+mn-ea"/>
+                <a:cs typeface="+mn-cs"/>
+              </a:rPr>
+              <a:t>的理解：</a:t>
+            </a:r>
+            <a:r>
+              <a:rPr lang="en-US" altLang="zh-CN" sz="1200" b="0" i="0" kern="1200" dirty="0" smtClean="0">
+                <a:solidFill>
+                  <a:schemeClr val="tx1"/>
+                </a:solidFill>
+                <a:latin typeface="+mn-lt"/>
+                <a:ea typeface="+mn-ea"/>
+                <a:cs typeface="+mn-cs"/>
+              </a:rPr>
+              <a:t> </a:t>
             </a:r>
             <a:r>
               <a:rPr lang="en-US" altLang="zh-CN" sz="1200" b="0" i="0" u="none" strike="noStrike" kern="1200" dirty="0" smtClean="0">
@@ -3897,18 +4502,7 @@
                 <a:ea typeface="+mn-ea"/>
                 <a:cs typeface="+mn-cs"/>
               </a:rPr>
-              <a:t>m</a:t>
-            </a:r>
-            <a:r>
-              <a:rPr lang="zh-CN" altLang="en-US" sz="1200" b="0" i="0" u="none" strike="noStrike" kern="1200" dirty="0" smtClean="0">
-                <a:solidFill>
-                  <a:schemeClr val="tx1"/>
-                </a:solidFill>
-                <a:latin typeface="+mn-lt"/>
-                <a:ea typeface="+mn-ea"/>
-                <a:cs typeface="+mn-cs"/>
-              </a:rPr>
-              <a:t>≜</a:t>
+              <a:t>Gk(xi)≠</a:t>
             </a:r>
             <a:r>
               <a:rPr lang="en-US" altLang="zh-CN" sz="1200" b="0" i="0" u="none" strike="noStrike" kern="1200" dirty="0" err="1" smtClean="0">
@@ -3919,7 +4513,7 @@
                 <a:ea typeface="+mn-ea"/>
                 <a:cs typeface="+mn-cs"/>
               </a:rPr>
-              <a:t>fθ</a:t>
+              <a:t>yiGk</a:t>
             </a:r>
             <a:r>
               <a:rPr lang="en-US" altLang="zh-CN" sz="1200" b="0" i="0" u="none" strike="noStrike" kern="1200" dirty="0" smtClean="0">
@@ -3930,7 +4524,7 @@
                 <a:ea typeface="+mn-ea"/>
                 <a:cs typeface="+mn-cs"/>
               </a:rPr>
-              <a:t>(x)</a:t>
+              <a:t>(xi)≠</a:t>
             </a:r>
             <a:r>
               <a:rPr lang="en-US" altLang="zh-CN" sz="1200" b="0" i="0" u="none" strike="noStrike" kern="1200" dirty="0" err="1" smtClean="0">
@@ -3941,7 +4535,40 @@
                 <a:ea typeface="+mn-ea"/>
                 <a:cs typeface="+mn-cs"/>
               </a:rPr>
-              <a:t>ym≜fθ</a:t>
+              <a:t>yi</a:t>
+            </a:r>
+            <a:r>
+              <a:rPr lang="zh-CN" altLang="en-US" sz="1200" b="0" i="0" kern="1200" dirty="0" smtClean="0">
+                <a:solidFill>
+                  <a:schemeClr val="tx1"/>
+                </a:solidFill>
+                <a:latin typeface="+mn-lt"/>
+                <a:ea typeface="+mn-ea"/>
+                <a:cs typeface="+mn-cs"/>
+              </a:rPr>
+              <a:t>时</a:t>
+            </a:r>
+            <a:r>
+              <a:rPr lang="en-US" altLang="zh-CN" sz="1200" b="0" i="0" kern="1200" dirty="0" smtClean="0">
+                <a:solidFill>
+                  <a:schemeClr val="tx1"/>
+                </a:solidFill>
+                <a:latin typeface="+mn-lt"/>
+                <a:ea typeface="+mn-ea"/>
+                <a:cs typeface="+mn-cs"/>
+              </a:rPr>
+              <a:t>,</a:t>
+            </a:r>
+            <a:r>
+              <a:rPr lang="zh-CN" altLang="en-US" sz="1200" b="0" i="0" kern="1200" dirty="0" smtClean="0">
+                <a:solidFill>
+                  <a:schemeClr val="tx1"/>
+                </a:solidFill>
+                <a:latin typeface="+mn-lt"/>
+                <a:ea typeface="+mn-ea"/>
+                <a:cs typeface="+mn-cs"/>
+              </a:rPr>
+              <a:t>有</a:t>
             </a:r>
             <a:r>
               <a:rPr lang="en-US" altLang="zh-CN" sz="1200" b="0" i="0" u="none" strike="noStrike" kern="1200" dirty="0" smtClean="0">
@@ -3952,18 +4579,18 @@
                 <a:ea typeface="+mn-ea"/>
                 <a:cs typeface="+mn-cs"/>
               </a:rPr>
-              <a:t>(x)y</a:t>
-            </a:r>
-            <a:r>
-              <a:rPr lang="zh-CN" altLang="en-US" sz="1200" b="0" i="0" kern="1200" dirty="0" smtClean="0">
-                <a:solidFill>
-                  <a:schemeClr val="tx1"/>
-                </a:solidFill>
-                <a:latin typeface="+mn-lt"/>
-                <a:ea typeface="+mn-ea"/>
-                <a:cs typeface="+mn-cs"/>
-              </a:rPr>
-              <a:t>（其中</a:t>
+              <a:t>I(Gk(xi)≠</a:t>
+            </a:r>
+            <a:r>
+              <a:rPr lang="en-US" altLang="zh-CN" sz="1200" b="0" i="0" u="none" strike="noStrike" kern="1200" dirty="0" err="1" smtClean="0">
+                <a:solidFill>
+                  <a:schemeClr val="tx1"/>
+                </a:solidFill>
+                <a:latin typeface="+mn-lt"/>
+                <a:ea typeface="+mn-ea"/>
+                <a:cs typeface="+mn-cs"/>
+              </a:rPr>
+              <a:t>yi</a:t>
             </a:r>
             <a:r>
               <a:rPr lang="en-US" altLang="zh-CN" sz="1200" b="0" i="0" u="none" strike="noStrike" kern="1200" dirty="0" smtClean="0">
@@ -3974,18 +4601,18 @@
                 <a:ea typeface="+mn-ea"/>
                 <a:cs typeface="+mn-cs"/>
               </a:rPr>
-              <a:t>y</a:t>
-            </a:r>
-            <a:r>
-              <a:rPr lang="zh-CN" altLang="en-US" sz="1200" b="0" i="0" u="none" strike="noStrike" kern="1200" dirty="0" smtClean="0">
-                <a:solidFill>
-                  <a:schemeClr val="tx1"/>
-                </a:solidFill>
-                <a:latin typeface="+mn-lt"/>
-                <a:ea typeface="+mn-ea"/>
-                <a:cs typeface="+mn-cs"/>
-              </a:rPr>
-              <a:t>∈</a:t>
+              <a:t>)=1I(Gk(xi)≠</a:t>
+            </a:r>
+            <a:r>
+              <a:rPr lang="en-US" altLang="zh-CN" sz="1200" b="0" i="0" u="none" strike="noStrike" kern="1200" dirty="0" err="1" smtClean="0">
+                <a:solidFill>
+                  <a:schemeClr val="tx1"/>
+                </a:solidFill>
+                <a:latin typeface="+mn-lt"/>
+                <a:ea typeface="+mn-ea"/>
+                <a:cs typeface="+mn-cs"/>
+              </a:rPr>
+              <a:t>yi</a:t>
             </a:r>
             <a:r>
               <a:rPr lang="en-US" altLang="zh-CN" sz="1200" b="0" i="0" u="none" strike="noStrike" kern="1200" dirty="0" smtClean="0">
@@ -3996,62 +4623,36 @@
                 <a:ea typeface="+mn-ea"/>
                 <a:cs typeface="+mn-cs"/>
               </a:rPr>
-              <a:t>{−1,1}y∈{−1,1}</a:t>
-            </a:r>
-            <a:r>
-              <a:rPr lang="zh-CN" altLang="en-US" sz="1200" b="0" i="0" kern="1200" dirty="0" smtClean="0">
-                <a:solidFill>
-                  <a:schemeClr val="tx1"/>
-                </a:solidFill>
-                <a:latin typeface="+mn-lt"/>
-                <a:ea typeface="+mn-ea"/>
-                <a:cs typeface="+mn-cs"/>
-              </a:rPr>
-              <a:t>），</a:t>
-            </a:r>
-            <a:r>
-              <a:rPr lang="zh-CN" altLang="en-US" sz="1200" b="1" i="0" kern="1200" dirty="0" smtClean="0">
-                <a:solidFill>
-                  <a:schemeClr val="tx1"/>
-                </a:solidFill>
-                <a:latin typeface="+mn-lt"/>
-                <a:ea typeface="+mn-ea"/>
-                <a:cs typeface="+mn-cs"/>
-              </a:rPr>
-              <a:t>指数损失</a:t>
-            </a:r>
-            <a:r>
-              <a:rPr lang="zh-CN" altLang="en-US" sz="1200" b="0" i="0" kern="1200" dirty="0" smtClean="0">
-                <a:solidFill>
-                  <a:schemeClr val="tx1"/>
-                </a:solidFill>
-                <a:latin typeface="+mn-lt"/>
-                <a:ea typeface="+mn-ea"/>
-                <a:cs typeface="+mn-cs"/>
-              </a:rPr>
-              <a:t>如下定义，它也是</a:t>
-            </a:r>
-            <a:r>
-              <a:rPr lang="en-US" altLang="zh-CN" sz="1200" b="0" i="0" kern="1200" dirty="0" smtClean="0">
-                <a:solidFill>
-                  <a:schemeClr val="tx1"/>
-                </a:solidFill>
-                <a:latin typeface="+mn-lt"/>
-                <a:ea typeface="+mn-ea"/>
-                <a:cs typeface="+mn-cs"/>
-              </a:rPr>
-              <a:t>0/1</a:t>
-            </a:r>
-            <a:r>
-              <a:rPr lang="zh-CN" altLang="en-US" sz="1200" b="0" i="0" kern="1200" dirty="0" smtClean="0">
-                <a:solidFill>
-                  <a:schemeClr val="tx1"/>
-                </a:solidFill>
-                <a:latin typeface="+mn-lt"/>
-                <a:ea typeface="+mn-ea"/>
-                <a:cs typeface="+mn-cs"/>
-              </a:rPr>
-              <a:t>损失的一种近似（见下图）：</a:t>
+              <a:t>)=1</a:t>
+            </a:r>
+            <a:r>
+              <a:rPr lang="en-US" altLang="zh-CN" dirty="0" smtClean="0"/>
+              <a:t/>
+            </a:r>
+            <a:br>
+              <a:rPr lang="en-US" altLang="zh-CN" dirty="0" smtClean="0"/>
+            </a:br>
+            <a:r>
+              <a:rPr lang="zh-CN" altLang="en-US" sz="1200" b="0" i="0" kern="1200" dirty="0" smtClean="0">
+                <a:solidFill>
+                  <a:schemeClr val="tx1"/>
+                </a:solidFill>
+                <a:latin typeface="+mn-lt"/>
+                <a:ea typeface="+mn-ea"/>
+                <a:cs typeface="+mn-cs"/>
+              </a:rPr>
+              <a:t>同理我们有：</a:t>
+            </a:r>
+            <a:r>
+              <a:rPr lang="en-US" altLang="zh-CN" sz="1200" b="0" i="0" u="none" strike="noStrike" kern="1200" dirty="0" smtClean="0">
+                <a:solidFill>
+                  <a:schemeClr val="tx1"/>
+                </a:solidFill>
+                <a:latin typeface="+mn-lt"/>
+                <a:ea typeface="+mn-ea"/>
+                <a:cs typeface="+mn-cs"/>
+              </a:rPr>
+              <a:t>I(Gk(xi)=</a:t>
             </a:r>
             <a:r>
               <a:rPr lang="en-US" altLang="zh-CN" sz="1200" b="0" i="0" u="none" strike="noStrike" kern="1200" dirty="0" err="1" smtClean="0">
@@ -4062,7 +4663,7 @@
                 <a:ea typeface="+mn-ea"/>
                 <a:cs typeface="+mn-cs"/>
               </a:rPr>
-              <a:t>Jexp</a:t>
+              <a:t>yi</a:t>
             </a:r>
             <a:r>
               <a:rPr lang="en-US" altLang="zh-CN" sz="1200" b="0" i="0" u="none" strike="noStrike" kern="1200" dirty="0" smtClean="0">
@@ -4073,88 +4674,24 @@
                 <a:ea typeface="+mn-ea"/>
                 <a:cs typeface="+mn-cs"/>
               </a:rPr>
-              <a:t>(m)=exp(−m)  </a:t>
-            </a:r>
-            <a:r>
-              <a:rPr lang="zh-CN" altLang="en-US" sz="1200" b="0" i="0" u="none" strike="noStrike" kern="1200" dirty="0" smtClean="0">
-                <a:solidFill>
-                  <a:schemeClr val="tx1"/>
-                </a:solidFill>
-                <a:latin typeface="+mn-lt"/>
-                <a:ea typeface="+mn-ea"/>
-                <a:cs typeface="+mn-cs"/>
-              </a:rPr>
-              <a:t>。</a:t>
-            </a:r>
-            <a:endParaRPr lang="zh-CN" altLang="en-US" sz="1200" b="0" i="0" kern="1200" dirty="0" smtClean="0">
-              <a:solidFill>
-                <a:schemeClr val="tx1"/>
-              </a:solidFill>
-              <a:latin typeface="+mn-lt"/>
-              <a:ea typeface="+mn-ea"/>
-              <a:cs typeface="+mn-cs"/>
-            </a:endParaRPr>
-          </a:p>
-          <a:p>
-            <a:r>
-              <a:rPr lang="zh-CN" altLang="en-US" dirty="0" smtClean="0"/>
-              <a:t>（当</a:t>
+              <a:t>)=0</a:t>
             </a:r>
             <a:r>
               <a:rPr lang="en-US" altLang="zh-CN" dirty="0" smtClean="0"/>
-              <a:t>predict</a:t>
-            </a:r>
-            <a:r>
-              <a:rPr lang="zh-CN" altLang="en-US" dirty="0" smtClean="0"/>
-              <a:t>（</a:t>
-            </a:r>
-            <a:r>
+              <a:t/>
+            </a:r>
+            <a:br>
               <a:rPr lang="en-US" altLang="zh-CN" dirty="0" smtClean="0"/>
-              <a:t>x</a:t>
-            </a:r>
-            <a:r>
-              <a:rPr lang="zh-CN" altLang="en-US" dirty="0" smtClean="0"/>
-              <a:t>）与</a:t>
-            </a:r>
-            <a:r>
-              <a:rPr lang="en-US" altLang="zh-CN" dirty="0" smtClean="0"/>
-              <a:t>y</a:t>
-            </a:r>
-            <a:r>
-              <a:rPr lang="zh-CN" altLang="en-US" dirty="0" smtClean="0"/>
-              <a:t>相同时，乘积为</a:t>
-            </a:r>
-            <a:r>
-              <a:rPr lang="en-US" altLang="zh-CN" dirty="0" smtClean="0"/>
-              <a:t>1</a:t>
-            </a:r>
-            <a:r>
-              <a:rPr lang="zh-CN" altLang="en-US" dirty="0" smtClean="0"/>
-              <a:t>，</a:t>
-            </a:r>
-            <a:r>
-              <a:rPr lang="en-US" altLang="zh-CN" dirty="0" smtClean="0"/>
-              <a:t>exp</a:t>
-            </a:r>
-            <a:r>
-              <a:rPr lang="zh-CN" altLang="en-US" dirty="0" smtClean="0"/>
-              <a:t>（</a:t>
-            </a:r>
-            <a:r>
-              <a:rPr lang="en-US" altLang="zh-CN" dirty="0" smtClean="0"/>
-              <a:t>-1</a:t>
-            </a:r>
-            <a:r>
-              <a:rPr lang="zh-CN" altLang="en-US" smtClean="0"/>
-              <a:t>）比较小。</a:t>
-            </a:r>
-            <a:r>
-              <a:rPr lang="zh-CN" altLang="en-US" dirty="0" smtClean="0"/>
-              <a:t/>
-            </a:r>
-            <a:br>
-              <a:rPr lang="zh-CN" altLang="en-US" dirty="0" smtClean="0"/>
             </a:br>
+            <a:endParaRPr lang="en-US" altLang="zh-CN" dirty="0" smtClean="0"/>
+          </a:p>
+          <a:p>
+            <a:r>
+              <a:rPr lang="en-US" altLang="zh-CN" dirty="0" smtClean="0">
+                <a:hlinkClick r:id="rId3"/>
+              </a:rPr>
+              <a:t>https://www.cnblogs.com/pinard/p/6133937.html</a:t>
+            </a:r>
             <a:endParaRPr lang="zh-CN" altLang="en-US" dirty="0"/>
           </a:p>
         </p:txBody>
@@ -4237,6 +4774,418 @@
           </a:bodyPr>
           <a:lstStyle/>
           <a:p>
+            <a:r>
+              <a:rPr lang="zh-CN" altLang="en-US" dirty="0" smtClean="0"/>
+              <a:t>需要注意：</a:t>
+            </a:r>
+            <a:endParaRPr lang="en-US" altLang="zh-CN" dirty="0" smtClean="0"/>
+          </a:p>
+          <a:p>
+            <a:r>
+              <a:rPr lang="en-US" altLang="zh-CN" sz="1600" b="1" dirty="0" err="1" smtClean="0"/>
+              <a:t>e</a:t>
+            </a:r>
+            <a:r>
+              <a:rPr lang="en-US" altLang="zh-CN" dirty="0" err="1" smtClean="0"/>
+              <a:t>m</a:t>
+            </a:r>
+            <a:r>
+              <a:rPr lang="en-US" altLang="zh-CN" dirty="0" smtClean="0"/>
+              <a:t> = sum</a:t>
+            </a:r>
+            <a:r>
+              <a:rPr lang="zh-CN" altLang="en-US" dirty="0" smtClean="0"/>
+              <a:t>（</a:t>
+            </a:r>
+            <a:r>
+              <a:rPr lang="en-US" altLang="zh-CN" sz="1600" b="1" dirty="0" err="1" smtClean="0"/>
+              <a:t>w</a:t>
+            </a:r>
+            <a:r>
+              <a:rPr lang="en-US" altLang="zh-CN" dirty="0" err="1" smtClean="0"/>
+              <a:t>mi</a:t>
+            </a:r>
+            <a:r>
+              <a:rPr lang="en-US" altLang="zh-CN" baseline="0" dirty="0" smtClean="0"/>
+              <a:t> </a:t>
+            </a:r>
+            <a:r>
+              <a:rPr lang="zh-CN" altLang="en-US" baseline="0" dirty="0" smtClean="0"/>
+              <a:t>* </a:t>
+            </a:r>
+            <a:r>
+              <a:rPr lang="en-US" altLang="zh-CN" baseline="0" dirty="0" smtClean="0"/>
+              <a:t>I</a:t>
+            </a:r>
+            <a:r>
+              <a:rPr lang="zh-CN" altLang="en-US" baseline="0" dirty="0" smtClean="0"/>
+              <a:t>（</a:t>
+            </a:r>
+            <a:r>
+              <a:rPr lang="en-US" altLang="zh-CN" baseline="0" dirty="0" smtClean="0"/>
+              <a:t>Gm</a:t>
+            </a:r>
+            <a:r>
+              <a:rPr lang="zh-CN" altLang="en-US" baseline="0" dirty="0" smtClean="0"/>
+              <a:t>（</a:t>
+            </a:r>
+            <a:r>
+              <a:rPr lang="en-US" altLang="zh-CN" b="1" baseline="0" dirty="0" smtClean="0"/>
+              <a:t>x</a:t>
+            </a:r>
+            <a:r>
+              <a:rPr lang="en-US" altLang="zh-CN" baseline="0" dirty="0" smtClean="0"/>
+              <a:t>i</a:t>
+            </a:r>
+            <a:r>
+              <a:rPr lang="zh-CN" altLang="en-US" baseline="0" dirty="0" smtClean="0"/>
+              <a:t>）</a:t>
+            </a:r>
+            <a:r>
+              <a:rPr lang="en-US" altLang="zh-CN" baseline="0" dirty="0" smtClean="0"/>
+              <a:t>!=</a:t>
+            </a:r>
+            <a:r>
+              <a:rPr lang="en-US" altLang="zh-CN" b="1" baseline="0" dirty="0" err="1" smtClean="0"/>
+              <a:t>y</a:t>
+            </a:r>
+            <a:r>
+              <a:rPr lang="en-US" altLang="zh-CN" baseline="0" dirty="0" err="1" smtClean="0"/>
+              <a:t>i</a:t>
+            </a:r>
+            <a:r>
+              <a:rPr lang="zh-CN" altLang="en-US" baseline="0" dirty="0" smtClean="0"/>
+              <a:t>））</a:t>
+            </a:r>
+            <a:endParaRPr lang="en-US" altLang="zh-CN" baseline="0" dirty="0" smtClean="0"/>
+          </a:p>
+          <a:p>
+            <a:r>
+              <a:rPr lang="zh-CN" altLang="en-US" baseline="0" dirty="0" smtClean="0"/>
+              <a:t>误差率只是对分类错的点的概率求和。</a:t>
+            </a:r>
+            <a:endParaRPr lang="en-US" altLang="zh-CN" baseline="0" dirty="0" smtClean="0"/>
+          </a:p>
+          <a:p>
+            <a:endParaRPr lang="en-US" altLang="zh-CN" baseline="0" dirty="0" smtClean="0"/>
+          </a:p>
+          <a:p>
+            <a:r>
+              <a:rPr lang="en-US" altLang="zh-CN" baseline="0" dirty="0" err="1" smtClean="0"/>
+              <a:t>adaboost</a:t>
+            </a:r>
+            <a:r>
+              <a:rPr lang="zh-CN" altLang="en-US" baseline="0" dirty="0" smtClean="0"/>
+              <a:t>也可以认为是前向分步加法的特例：由基本分类器组成的加法模型，损失函数是指数函数。</a:t>
+            </a:r>
+            <a:endParaRPr lang="en-US" altLang="zh-CN" baseline="0" dirty="0" smtClean="0"/>
+          </a:p>
+          <a:p>
+            <a:endParaRPr lang="en-US" altLang="zh-CN" baseline="0" dirty="0" smtClean="0"/>
+          </a:p>
+          <a:p>
+            <a:r>
+              <a:rPr lang="zh-CN" altLang="en-US" sz="1200" b="1" i="0" u="none" strike="noStrike" kern="1200" dirty="0" smtClean="0">
+                <a:solidFill>
+                  <a:schemeClr val="tx1"/>
+                </a:solidFill>
+                <a:latin typeface="+mn-lt"/>
+                <a:ea typeface="+mn-ea"/>
+                <a:cs typeface="+mn-cs"/>
+              </a:rPr>
+              <a:t>指数损失：</a:t>
+            </a:r>
+            <a:r>
+              <a:rPr lang="zh-CN" altLang="en-US" sz="1200" b="0" i="0" u="none" strike="noStrike" kern="1200" dirty="0" smtClean="0">
+                <a:solidFill>
+                  <a:schemeClr val="tx1"/>
+                </a:solidFill>
+                <a:latin typeface="+mn-lt"/>
+                <a:ea typeface="+mn-ea"/>
+                <a:cs typeface="+mn-cs"/>
+              </a:rPr>
+              <a:t>记</a:t>
+            </a:r>
+            <a:r>
+              <a:rPr lang="en-US" altLang="zh-CN" sz="1200" b="0" i="0" u="none" strike="noStrike" kern="1200" dirty="0" smtClean="0">
+                <a:solidFill>
+                  <a:schemeClr val="tx1"/>
+                </a:solidFill>
+                <a:latin typeface="+mn-lt"/>
+                <a:ea typeface="+mn-ea"/>
+                <a:cs typeface="+mn-cs"/>
+              </a:rPr>
+              <a:t>m</a:t>
+            </a:r>
+            <a:r>
+              <a:rPr lang="zh-CN" altLang="en-US" sz="1200" b="0" i="0" u="none" strike="noStrike" kern="1200" dirty="0" smtClean="0">
+                <a:solidFill>
+                  <a:schemeClr val="tx1"/>
+                </a:solidFill>
+                <a:latin typeface="+mn-lt"/>
+                <a:ea typeface="+mn-ea"/>
+                <a:cs typeface="+mn-cs"/>
+              </a:rPr>
+              <a:t>≜</a:t>
+            </a:r>
+            <a:r>
+              <a:rPr lang="en-US" altLang="zh-CN" sz="1200" b="0" i="0" u="none" strike="noStrike" kern="1200" dirty="0" err="1" smtClean="0">
+                <a:solidFill>
+                  <a:schemeClr val="tx1"/>
+                </a:solidFill>
+                <a:latin typeface="+mn-lt"/>
+                <a:ea typeface="+mn-ea"/>
+                <a:cs typeface="+mn-cs"/>
+              </a:rPr>
+              <a:t>fθ</a:t>
+            </a:r>
+            <a:r>
+              <a:rPr lang="en-US" altLang="zh-CN" sz="1200" b="0" i="0" u="none" strike="noStrike" kern="1200" dirty="0" smtClean="0">
+                <a:solidFill>
+                  <a:schemeClr val="tx1"/>
+                </a:solidFill>
+                <a:latin typeface="+mn-lt"/>
+                <a:ea typeface="+mn-ea"/>
+                <a:cs typeface="+mn-cs"/>
+              </a:rPr>
+              <a:t>(x)</a:t>
+            </a:r>
+            <a:r>
+              <a:rPr lang="en-US" altLang="zh-CN" sz="1200" b="0" i="0" u="none" strike="noStrike" kern="1200" dirty="0" err="1" smtClean="0">
+                <a:solidFill>
+                  <a:schemeClr val="tx1"/>
+                </a:solidFill>
+                <a:latin typeface="+mn-lt"/>
+                <a:ea typeface="+mn-ea"/>
+                <a:cs typeface="+mn-cs"/>
+              </a:rPr>
+              <a:t>ym≜fθ</a:t>
+            </a:r>
+            <a:r>
+              <a:rPr lang="en-US" altLang="zh-CN" sz="1200" b="0" i="0" u="none" strike="noStrike" kern="1200" dirty="0" smtClean="0">
+                <a:solidFill>
+                  <a:schemeClr val="tx1"/>
+                </a:solidFill>
+                <a:latin typeface="+mn-lt"/>
+                <a:ea typeface="+mn-ea"/>
+                <a:cs typeface="+mn-cs"/>
+              </a:rPr>
+              <a:t>(x)y</a:t>
+            </a:r>
+            <a:r>
+              <a:rPr lang="zh-CN" altLang="en-US" sz="1200" b="0" i="0" kern="1200" dirty="0" smtClean="0">
+                <a:solidFill>
+                  <a:schemeClr val="tx1"/>
+                </a:solidFill>
+                <a:latin typeface="+mn-lt"/>
+                <a:ea typeface="+mn-ea"/>
+                <a:cs typeface="+mn-cs"/>
+              </a:rPr>
+              <a:t>（其中</a:t>
+            </a:r>
+            <a:r>
+              <a:rPr lang="en-US" altLang="zh-CN" sz="1200" b="0" i="0" u="none" strike="noStrike" kern="1200" dirty="0" smtClean="0">
+                <a:solidFill>
+                  <a:schemeClr val="tx1"/>
+                </a:solidFill>
+                <a:latin typeface="+mn-lt"/>
+                <a:ea typeface="+mn-ea"/>
+                <a:cs typeface="+mn-cs"/>
+              </a:rPr>
+              <a:t>y</a:t>
+            </a:r>
+            <a:r>
+              <a:rPr lang="zh-CN" altLang="en-US" sz="1200" b="0" i="0" u="none" strike="noStrike" kern="1200" dirty="0" smtClean="0">
+                <a:solidFill>
+                  <a:schemeClr val="tx1"/>
+                </a:solidFill>
+                <a:latin typeface="+mn-lt"/>
+                <a:ea typeface="+mn-ea"/>
+                <a:cs typeface="+mn-cs"/>
+              </a:rPr>
+              <a:t>∈</a:t>
+            </a:r>
+            <a:r>
+              <a:rPr lang="en-US" altLang="zh-CN" sz="1200" b="0" i="0" u="none" strike="noStrike" kern="1200" dirty="0" smtClean="0">
+                <a:solidFill>
+                  <a:schemeClr val="tx1"/>
+                </a:solidFill>
+                <a:latin typeface="+mn-lt"/>
+                <a:ea typeface="+mn-ea"/>
+                <a:cs typeface="+mn-cs"/>
+              </a:rPr>
+              <a:t>{−1,1}y∈{−1,1}</a:t>
+            </a:r>
+            <a:r>
+              <a:rPr lang="zh-CN" altLang="en-US" sz="1200" b="0" i="0" kern="1200" dirty="0" smtClean="0">
+                <a:solidFill>
+                  <a:schemeClr val="tx1"/>
+                </a:solidFill>
+                <a:latin typeface="+mn-lt"/>
+                <a:ea typeface="+mn-ea"/>
+                <a:cs typeface="+mn-cs"/>
+              </a:rPr>
+              <a:t>），</a:t>
+            </a:r>
+            <a:r>
+              <a:rPr lang="zh-CN" altLang="en-US" sz="1200" b="1" i="0" kern="1200" dirty="0" smtClean="0">
+                <a:solidFill>
+                  <a:schemeClr val="tx1"/>
+                </a:solidFill>
+                <a:latin typeface="+mn-lt"/>
+                <a:ea typeface="+mn-ea"/>
+                <a:cs typeface="+mn-cs"/>
+              </a:rPr>
+              <a:t>指数损失</a:t>
+            </a:r>
+            <a:r>
+              <a:rPr lang="zh-CN" altLang="en-US" sz="1200" b="0" i="0" kern="1200" dirty="0" smtClean="0">
+                <a:solidFill>
+                  <a:schemeClr val="tx1"/>
+                </a:solidFill>
+                <a:latin typeface="+mn-lt"/>
+                <a:ea typeface="+mn-ea"/>
+                <a:cs typeface="+mn-cs"/>
+              </a:rPr>
+              <a:t>如下定义，它也是</a:t>
+            </a:r>
+            <a:r>
+              <a:rPr lang="en-US" altLang="zh-CN" sz="1200" b="0" i="0" kern="1200" dirty="0" smtClean="0">
+                <a:solidFill>
+                  <a:schemeClr val="tx1"/>
+                </a:solidFill>
+                <a:latin typeface="+mn-lt"/>
+                <a:ea typeface="+mn-ea"/>
+                <a:cs typeface="+mn-cs"/>
+              </a:rPr>
+              <a:t>0/1</a:t>
+            </a:r>
+            <a:r>
+              <a:rPr lang="zh-CN" altLang="en-US" sz="1200" b="0" i="0" kern="1200" dirty="0" smtClean="0">
+                <a:solidFill>
+                  <a:schemeClr val="tx1"/>
+                </a:solidFill>
+                <a:latin typeface="+mn-lt"/>
+                <a:ea typeface="+mn-ea"/>
+                <a:cs typeface="+mn-cs"/>
+              </a:rPr>
+              <a:t>损失的一种近似（见下图）：</a:t>
+            </a:r>
+            <a:r>
+              <a:rPr lang="en-US" altLang="zh-CN" sz="1200" b="0" i="0" u="none" strike="noStrike" kern="1200" dirty="0" err="1" smtClean="0">
+                <a:solidFill>
+                  <a:schemeClr val="tx1"/>
+                </a:solidFill>
+                <a:latin typeface="+mn-lt"/>
+                <a:ea typeface="+mn-ea"/>
+                <a:cs typeface="+mn-cs"/>
+              </a:rPr>
+              <a:t>Jexp</a:t>
+            </a:r>
+            <a:r>
+              <a:rPr lang="en-US" altLang="zh-CN" sz="1200" b="0" i="0" u="none" strike="noStrike" kern="1200" dirty="0" smtClean="0">
+                <a:solidFill>
+                  <a:schemeClr val="tx1"/>
+                </a:solidFill>
+                <a:latin typeface="+mn-lt"/>
+                <a:ea typeface="+mn-ea"/>
+                <a:cs typeface="+mn-cs"/>
+              </a:rPr>
+              <a:t>(m)=exp(−m)  </a:t>
+            </a:r>
+            <a:r>
+              <a:rPr lang="zh-CN" altLang="en-US" sz="1200" b="0" i="0" u="none" strike="noStrike" kern="1200" dirty="0" smtClean="0">
+                <a:solidFill>
+                  <a:schemeClr val="tx1"/>
+                </a:solidFill>
+                <a:latin typeface="+mn-lt"/>
+                <a:ea typeface="+mn-ea"/>
+                <a:cs typeface="+mn-cs"/>
+              </a:rPr>
+              <a:t>。</a:t>
+            </a:r>
+            <a:endParaRPr lang="zh-CN" altLang="en-US" sz="1200" b="0" i="0" kern="1200" dirty="0" smtClean="0">
+              <a:solidFill>
+                <a:schemeClr val="tx1"/>
+              </a:solidFill>
+              <a:latin typeface="+mn-lt"/>
+              <a:ea typeface="+mn-ea"/>
+              <a:cs typeface="+mn-cs"/>
+            </a:endParaRPr>
+          </a:p>
+          <a:p>
+            <a:r>
+              <a:rPr lang="zh-CN" altLang="en-US" dirty="0" smtClean="0"/>
+              <a:t>（当</a:t>
+            </a:r>
+            <a:r>
+              <a:rPr lang="en-US" altLang="zh-CN" dirty="0" smtClean="0"/>
+              <a:t>predict</a:t>
+            </a:r>
+            <a:r>
+              <a:rPr lang="zh-CN" altLang="en-US" dirty="0" smtClean="0"/>
+              <a:t>（</a:t>
+            </a:r>
+            <a:r>
+              <a:rPr lang="en-US" altLang="zh-CN" dirty="0" smtClean="0"/>
+              <a:t>x</a:t>
+            </a:r>
+            <a:r>
+              <a:rPr lang="zh-CN" altLang="en-US" dirty="0" smtClean="0"/>
+              <a:t>）与</a:t>
+            </a:r>
+            <a:r>
+              <a:rPr lang="en-US" altLang="zh-CN" dirty="0" smtClean="0"/>
+              <a:t>y</a:t>
+            </a:r>
+            <a:r>
+              <a:rPr lang="zh-CN" altLang="en-US" dirty="0" smtClean="0"/>
+              <a:t>相同时，乘积为</a:t>
+            </a:r>
+            <a:r>
+              <a:rPr lang="en-US" altLang="zh-CN" dirty="0" smtClean="0"/>
+              <a:t>1</a:t>
+            </a:r>
+            <a:r>
+              <a:rPr lang="zh-CN" altLang="en-US" dirty="0" smtClean="0"/>
+              <a:t>，</a:t>
+            </a:r>
+            <a:r>
+              <a:rPr lang="en-US" altLang="zh-CN" dirty="0" smtClean="0"/>
+              <a:t>exp</a:t>
+            </a:r>
+            <a:r>
+              <a:rPr lang="zh-CN" altLang="en-US" dirty="0" smtClean="0"/>
+              <a:t>（</a:t>
+            </a:r>
+            <a:r>
+              <a:rPr lang="en-US" altLang="zh-CN" dirty="0" smtClean="0"/>
+              <a:t>-1</a:t>
+            </a:r>
+            <a:r>
+              <a:rPr lang="zh-CN" altLang="en-US" dirty="0" smtClean="0"/>
+              <a:t>）比较小。</a:t>
+            </a:r>
+            <a:br>
+              <a:rPr lang="zh-CN" altLang="en-US" dirty="0" smtClean="0"/>
+            </a:br>
+            <a:endParaRPr lang="en-US" altLang="zh-CN" dirty="0" smtClean="0"/>
+          </a:p>
+          <a:p>
+            <a:r>
+              <a:rPr lang="zh-CN" altLang="en-US" dirty="0" smtClean="0"/>
+              <a:t>这里参考李航的统计方法学习第</a:t>
+            </a:r>
+            <a:r>
+              <a:rPr lang="en-US" altLang="zh-CN" dirty="0" smtClean="0"/>
+              <a:t>8</a:t>
+            </a:r>
+            <a:r>
+              <a:rPr lang="zh-CN" altLang="en-US" dirty="0" smtClean="0"/>
+              <a:t>章节提升方法。</a:t>
+            </a:r>
+          </a:p>
+          <a:p>
             <a:endParaRPr lang="zh-CN" altLang="en-US" dirty="0"/>
           </a:p>
         </p:txBody>
@@ -4319,1233 +5268,6 @@
           </a:bodyPr>
           <a:lstStyle/>
           <a:p>
-            <a:r>
-              <a:rPr lang="en-US" altLang="zh-CN" sz="1200" b="0" i="0" kern="1200" dirty="0" smtClean="0">
-                <a:solidFill>
-                  <a:schemeClr val="tx1"/>
-                </a:solidFill>
-                <a:latin typeface="+mn-lt"/>
-                <a:ea typeface="+mn-ea"/>
-                <a:cs typeface="+mn-cs"/>
-              </a:rPr>
-              <a:t>bagging</a:t>
-            </a:r>
-            <a:r>
-              <a:rPr lang="zh-CN" altLang="en-US" sz="1200" b="0" i="0" kern="1200" dirty="0" smtClean="0">
-                <a:solidFill>
-                  <a:schemeClr val="tx1"/>
-                </a:solidFill>
-                <a:latin typeface="+mn-lt"/>
-                <a:ea typeface="+mn-ea"/>
-                <a:cs typeface="+mn-cs"/>
-              </a:rPr>
-              <a:t>的个体弱学习器的训练集是通过随机采样得到的。通过</a:t>
-            </a:r>
-            <a:r>
-              <a:rPr lang="en-US" altLang="zh-CN" sz="1200" b="0" i="0" kern="1200" dirty="0" smtClean="0">
-                <a:solidFill>
-                  <a:schemeClr val="tx1"/>
-                </a:solidFill>
-                <a:latin typeface="+mn-lt"/>
-                <a:ea typeface="+mn-ea"/>
-                <a:cs typeface="+mn-cs"/>
-              </a:rPr>
-              <a:t>T</a:t>
-            </a:r>
-            <a:r>
-              <a:rPr lang="zh-CN" altLang="en-US" sz="1200" b="0" i="0" kern="1200" dirty="0" smtClean="0">
-                <a:solidFill>
-                  <a:schemeClr val="tx1"/>
-                </a:solidFill>
-                <a:latin typeface="+mn-lt"/>
-                <a:ea typeface="+mn-ea"/>
-                <a:cs typeface="+mn-cs"/>
-              </a:rPr>
-              <a:t>次的随机采样，我们就可以得到</a:t>
-            </a:r>
-            <a:r>
-              <a:rPr lang="en-US" altLang="zh-CN" sz="1200" b="0" i="0" kern="1200" dirty="0" smtClean="0">
-                <a:solidFill>
-                  <a:schemeClr val="tx1"/>
-                </a:solidFill>
-                <a:latin typeface="+mn-lt"/>
-                <a:ea typeface="+mn-ea"/>
-                <a:cs typeface="+mn-cs"/>
-              </a:rPr>
-              <a:t>T</a:t>
-            </a:r>
-            <a:r>
-              <a:rPr lang="zh-CN" altLang="en-US" sz="1200" b="0" i="0" kern="1200" dirty="0" smtClean="0">
-                <a:solidFill>
-                  <a:schemeClr val="tx1"/>
-                </a:solidFill>
-                <a:latin typeface="+mn-lt"/>
-                <a:ea typeface="+mn-ea"/>
-                <a:cs typeface="+mn-cs"/>
-              </a:rPr>
-              <a:t>个采样集，对于这</a:t>
-            </a:r>
-            <a:r>
-              <a:rPr lang="en-US" altLang="zh-CN" sz="1200" b="0" i="0" kern="1200" dirty="0" smtClean="0">
-                <a:solidFill>
-                  <a:schemeClr val="tx1"/>
-                </a:solidFill>
-                <a:latin typeface="+mn-lt"/>
-                <a:ea typeface="+mn-ea"/>
-                <a:cs typeface="+mn-cs"/>
-              </a:rPr>
-              <a:t>T</a:t>
-            </a:r>
-            <a:r>
-              <a:rPr lang="zh-CN" altLang="en-US" sz="1200" b="0" i="0" kern="1200" dirty="0" smtClean="0">
-                <a:solidFill>
-                  <a:schemeClr val="tx1"/>
-                </a:solidFill>
-                <a:latin typeface="+mn-lt"/>
-                <a:ea typeface="+mn-ea"/>
-                <a:cs typeface="+mn-cs"/>
-              </a:rPr>
-              <a:t>个采样集，我们可以分别独立的训练出</a:t>
-            </a:r>
-            <a:r>
-              <a:rPr lang="en-US" altLang="zh-CN" sz="1200" b="0" i="0" kern="1200" dirty="0" smtClean="0">
-                <a:solidFill>
-                  <a:schemeClr val="tx1"/>
-                </a:solidFill>
-                <a:latin typeface="+mn-lt"/>
-                <a:ea typeface="+mn-ea"/>
-                <a:cs typeface="+mn-cs"/>
-              </a:rPr>
-              <a:t>T</a:t>
-            </a:r>
-            <a:r>
-              <a:rPr lang="zh-CN" altLang="en-US" sz="1200" b="0" i="0" kern="1200" dirty="0" smtClean="0">
-                <a:solidFill>
-                  <a:schemeClr val="tx1"/>
-                </a:solidFill>
-                <a:latin typeface="+mn-lt"/>
-                <a:ea typeface="+mn-ea"/>
-                <a:cs typeface="+mn-cs"/>
-              </a:rPr>
-              <a:t>个弱学习器，再对这</a:t>
-            </a:r>
-            <a:r>
-              <a:rPr lang="en-US" altLang="zh-CN" sz="1200" b="0" i="0" kern="1200" dirty="0" smtClean="0">
-                <a:solidFill>
-                  <a:schemeClr val="tx1"/>
-                </a:solidFill>
-                <a:latin typeface="+mn-lt"/>
-                <a:ea typeface="+mn-ea"/>
-                <a:cs typeface="+mn-cs"/>
-              </a:rPr>
-              <a:t>T</a:t>
-            </a:r>
-            <a:r>
-              <a:rPr lang="zh-CN" altLang="en-US" sz="1200" b="0" i="0" kern="1200" dirty="0" smtClean="0">
-                <a:solidFill>
-                  <a:schemeClr val="tx1"/>
-                </a:solidFill>
-                <a:latin typeface="+mn-lt"/>
-                <a:ea typeface="+mn-ea"/>
-                <a:cs typeface="+mn-cs"/>
-              </a:rPr>
-              <a:t>个弱学习器通过集合策略来得到最终的强学习器。</a:t>
-            </a:r>
-            <a:endParaRPr lang="en-US" altLang="zh-CN" sz="1200" b="0" i="0" kern="1200" dirty="0" smtClean="0">
-              <a:solidFill>
-                <a:schemeClr val="tx1"/>
-              </a:solidFill>
-              <a:latin typeface="+mn-lt"/>
-              <a:ea typeface="+mn-ea"/>
-              <a:cs typeface="+mn-cs"/>
-            </a:endParaRPr>
-          </a:p>
-          <a:p>
-            <a:endParaRPr lang="zh-CN" altLang="en-US" sz="1200" b="0" i="0" kern="1200" dirty="0" smtClean="0">
-              <a:solidFill>
-                <a:schemeClr val="tx1"/>
-              </a:solidFill>
-              <a:latin typeface="+mn-lt"/>
-              <a:ea typeface="+mn-ea"/>
-              <a:cs typeface="+mn-cs"/>
-            </a:endParaRPr>
-          </a:p>
-          <a:p>
-            <a:r>
-              <a:rPr lang="zh-CN" altLang="en-US" sz="1200" b="0" i="0" kern="1200" dirty="0" smtClean="0">
-                <a:solidFill>
-                  <a:schemeClr val="tx1"/>
-                </a:solidFill>
-                <a:latin typeface="+mn-lt"/>
-                <a:ea typeface="+mn-ea"/>
-                <a:cs typeface="+mn-cs"/>
-              </a:rPr>
-              <a:t>对于这里的随机采样有必要做进一步的介绍，这里一般采用的是</a:t>
-            </a:r>
-            <a:r>
-              <a:rPr lang="zh-CN" altLang="en-US" sz="1200" b="1" i="0" kern="1200" dirty="0" smtClean="0">
-                <a:solidFill>
-                  <a:schemeClr val="tx1"/>
-                </a:solidFill>
-                <a:latin typeface="+mn-lt"/>
-                <a:ea typeface="+mn-ea"/>
-                <a:cs typeface="+mn-cs"/>
-              </a:rPr>
-              <a:t>自助采样法（</a:t>
-            </a:r>
-            <a:r>
-              <a:rPr lang="en-US" altLang="zh-CN" sz="1200" b="1" i="0" kern="1200" dirty="0" smtClean="0">
-                <a:solidFill>
-                  <a:schemeClr val="tx1"/>
-                </a:solidFill>
-                <a:latin typeface="+mn-lt"/>
-                <a:ea typeface="+mn-ea"/>
-                <a:cs typeface="+mn-cs"/>
-              </a:rPr>
-              <a:t>Bootstrap sampling</a:t>
-            </a:r>
-            <a:r>
-              <a:rPr lang="zh-CN" altLang="en-US" sz="1200" b="1" i="0" kern="1200" dirty="0" smtClean="0">
-                <a:solidFill>
-                  <a:schemeClr val="tx1"/>
-                </a:solidFill>
-                <a:latin typeface="+mn-lt"/>
-                <a:ea typeface="+mn-ea"/>
-                <a:cs typeface="+mn-cs"/>
-              </a:rPr>
-              <a:t>）</a:t>
-            </a:r>
-            <a:r>
-              <a:rPr lang="en-US" altLang="zh-CN" sz="1200" b="0" i="0" kern="1200" dirty="0" smtClean="0">
-                <a:solidFill>
-                  <a:schemeClr val="tx1"/>
-                </a:solidFill>
-                <a:latin typeface="+mn-lt"/>
-                <a:ea typeface="+mn-ea"/>
-                <a:cs typeface="+mn-cs"/>
-              </a:rPr>
-              <a:t>,</a:t>
-            </a:r>
-            <a:r>
-              <a:rPr lang="zh-CN" altLang="en-US" sz="1200" b="0" i="0" kern="1200" dirty="0" smtClean="0">
-                <a:solidFill>
-                  <a:schemeClr val="tx1"/>
-                </a:solidFill>
-                <a:latin typeface="+mn-lt"/>
-                <a:ea typeface="+mn-ea"/>
-                <a:cs typeface="+mn-cs"/>
-              </a:rPr>
-              <a:t>即对于</a:t>
-            </a:r>
-            <a:r>
-              <a:rPr lang="en-US" altLang="zh-CN" sz="1200" b="0" i="0" kern="1200" dirty="0" smtClean="0">
-                <a:solidFill>
-                  <a:schemeClr val="tx1"/>
-                </a:solidFill>
-                <a:latin typeface="+mn-lt"/>
-                <a:ea typeface="+mn-ea"/>
-                <a:cs typeface="+mn-cs"/>
-              </a:rPr>
-              <a:t>m</a:t>
-            </a:r>
-            <a:r>
-              <a:rPr lang="zh-CN" altLang="en-US" sz="1200" b="0" i="0" kern="1200" dirty="0" smtClean="0">
-                <a:solidFill>
-                  <a:schemeClr val="tx1"/>
-                </a:solidFill>
-                <a:latin typeface="+mn-lt"/>
-                <a:ea typeface="+mn-ea"/>
-                <a:cs typeface="+mn-cs"/>
-              </a:rPr>
-              <a:t>个样本的原始训练集，我们每次先随机采集一个样本放入采样集，接着把该样本放回，也就是说下次采样时该样本仍有可能被采集到，这样采集</a:t>
-            </a:r>
-            <a:r>
-              <a:rPr lang="en-US" altLang="zh-CN" sz="1200" b="0" i="0" kern="1200" dirty="0" smtClean="0">
-                <a:solidFill>
-                  <a:schemeClr val="tx1"/>
-                </a:solidFill>
-                <a:latin typeface="+mn-lt"/>
-                <a:ea typeface="+mn-ea"/>
-                <a:cs typeface="+mn-cs"/>
-              </a:rPr>
-              <a:t>m</a:t>
-            </a:r>
-            <a:r>
-              <a:rPr lang="zh-CN" altLang="en-US" sz="1200" b="0" i="0" kern="1200" dirty="0" smtClean="0">
-                <a:solidFill>
-                  <a:schemeClr val="tx1"/>
-                </a:solidFill>
-                <a:latin typeface="+mn-lt"/>
-                <a:ea typeface="+mn-ea"/>
-                <a:cs typeface="+mn-cs"/>
-              </a:rPr>
-              <a:t>次，最终可以得到</a:t>
-            </a:r>
-            <a:r>
-              <a:rPr lang="en-US" altLang="zh-CN" sz="1200" b="0" i="0" kern="1200" dirty="0" smtClean="0">
-                <a:solidFill>
-                  <a:schemeClr val="tx1"/>
-                </a:solidFill>
-                <a:latin typeface="+mn-lt"/>
-                <a:ea typeface="+mn-ea"/>
-                <a:cs typeface="+mn-cs"/>
-              </a:rPr>
-              <a:t>m</a:t>
-            </a:r>
-            <a:r>
-              <a:rPr lang="zh-CN" altLang="en-US" sz="1200" b="0" i="0" kern="1200" dirty="0" smtClean="0">
-                <a:solidFill>
-                  <a:schemeClr val="tx1"/>
-                </a:solidFill>
-                <a:latin typeface="+mn-lt"/>
-                <a:ea typeface="+mn-ea"/>
-                <a:cs typeface="+mn-cs"/>
-              </a:rPr>
-              <a:t>个样本的采样集，由于是随机采样，这样每次的采样集是和原始训练集不同的，和其他采样集也是不同的，这样得到多个不同的弱学习器。</a:t>
-            </a:r>
-            <a:endParaRPr lang="en-US" altLang="zh-CN" sz="1200" b="0" i="0" kern="1200" dirty="0" smtClean="0">
-              <a:solidFill>
-                <a:schemeClr val="tx1"/>
-              </a:solidFill>
-              <a:latin typeface="+mn-lt"/>
-              <a:ea typeface="+mn-ea"/>
-              <a:cs typeface="+mn-cs"/>
-            </a:endParaRPr>
-          </a:p>
-          <a:p>
-            <a:endParaRPr lang="zh-CN" altLang="en-US" sz="1200" b="0" i="0" kern="1200" dirty="0" smtClean="0">
-              <a:solidFill>
-                <a:schemeClr val="tx1"/>
-              </a:solidFill>
-              <a:latin typeface="+mn-lt"/>
-              <a:ea typeface="+mn-ea"/>
-              <a:cs typeface="+mn-cs"/>
-            </a:endParaRPr>
-          </a:p>
-          <a:p>
-            <a:r>
-              <a:rPr lang="zh-CN" altLang="en-US" sz="1200" b="0" i="0" kern="1200" dirty="0" smtClean="0">
-                <a:solidFill>
-                  <a:schemeClr val="tx1"/>
-                </a:solidFill>
-                <a:latin typeface="+mn-lt"/>
-                <a:ea typeface="+mn-ea"/>
-                <a:cs typeface="+mn-cs"/>
-              </a:rPr>
-              <a:t>随机森林是</a:t>
-            </a:r>
-            <a:r>
-              <a:rPr lang="en-US" altLang="zh-CN" sz="1200" b="0" i="0" kern="1200" dirty="0" smtClean="0">
-                <a:solidFill>
-                  <a:schemeClr val="tx1"/>
-                </a:solidFill>
-                <a:latin typeface="+mn-lt"/>
-                <a:ea typeface="+mn-ea"/>
-                <a:cs typeface="+mn-cs"/>
-              </a:rPr>
-              <a:t>bagging</a:t>
-            </a:r>
-            <a:r>
-              <a:rPr lang="zh-CN" altLang="en-US" sz="1200" b="0" i="0" kern="1200" dirty="0" smtClean="0">
-                <a:solidFill>
-                  <a:schemeClr val="tx1"/>
-                </a:solidFill>
-                <a:latin typeface="+mn-lt"/>
-                <a:ea typeface="+mn-ea"/>
-                <a:cs typeface="+mn-cs"/>
-              </a:rPr>
-              <a:t>的一个特化进阶版，所谓的特化是因为随机森林的弱学习器都是决策树。所谓的进阶是</a:t>
-            </a:r>
-            <a:r>
-              <a:rPr lang="zh-CN" altLang="en-US" sz="1200" b="1" i="0" kern="1200" dirty="0" smtClean="0">
-                <a:solidFill>
-                  <a:schemeClr val="tx1"/>
-                </a:solidFill>
-                <a:latin typeface="+mn-lt"/>
-                <a:ea typeface="+mn-ea"/>
-                <a:cs typeface="+mn-cs"/>
-              </a:rPr>
-              <a:t>随机森林在</a:t>
-            </a:r>
-            <a:r>
-              <a:rPr lang="en-US" altLang="zh-CN" sz="1200" b="1" i="0" kern="1200" dirty="0" smtClean="0">
-                <a:solidFill>
-                  <a:schemeClr val="tx1"/>
-                </a:solidFill>
-                <a:latin typeface="+mn-lt"/>
-                <a:ea typeface="+mn-ea"/>
-                <a:cs typeface="+mn-cs"/>
-              </a:rPr>
-              <a:t>bagging</a:t>
-            </a:r>
-            <a:r>
-              <a:rPr lang="zh-CN" altLang="en-US" sz="1200" b="1" i="0" kern="1200" dirty="0" smtClean="0">
-                <a:solidFill>
-                  <a:schemeClr val="tx1"/>
-                </a:solidFill>
-                <a:latin typeface="+mn-lt"/>
-                <a:ea typeface="+mn-ea"/>
-                <a:cs typeface="+mn-cs"/>
-              </a:rPr>
-              <a:t>的样本随机采样基础上，又加上了特征的随机选择，</a:t>
-            </a:r>
-            <a:r>
-              <a:rPr lang="zh-CN" altLang="en-US" sz="1200" b="0" i="0" kern="1200" dirty="0" smtClean="0">
-                <a:solidFill>
-                  <a:schemeClr val="tx1"/>
-                </a:solidFill>
-                <a:latin typeface="+mn-lt"/>
-                <a:ea typeface="+mn-ea"/>
-                <a:cs typeface="+mn-cs"/>
-              </a:rPr>
-              <a:t>其基本思想没有脱离</a:t>
-            </a:r>
-            <a:r>
-              <a:rPr lang="en-US" altLang="zh-CN" sz="1200" b="0" i="0" kern="1200" dirty="0" smtClean="0">
-                <a:solidFill>
-                  <a:schemeClr val="tx1"/>
-                </a:solidFill>
-                <a:latin typeface="+mn-lt"/>
-                <a:ea typeface="+mn-ea"/>
-                <a:cs typeface="+mn-cs"/>
-              </a:rPr>
-              <a:t>bagging</a:t>
-            </a:r>
-            <a:r>
-              <a:rPr lang="zh-CN" altLang="en-US" sz="1200" b="0" i="0" kern="1200" dirty="0" smtClean="0">
-                <a:solidFill>
-                  <a:schemeClr val="tx1"/>
-                </a:solidFill>
-                <a:latin typeface="+mn-lt"/>
-                <a:ea typeface="+mn-ea"/>
-                <a:cs typeface="+mn-cs"/>
-              </a:rPr>
-              <a:t>的范畴。</a:t>
-            </a:r>
-            <a:r>
-              <a:rPr lang="en-US" altLang="zh-CN" sz="1200" b="0" i="0" kern="1200" dirty="0" smtClean="0">
-                <a:solidFill>
-                  <a:schemeClr val="tx1"/>
-                </a:solidFill>
-                <a:latin typeface="+mn-lt"/>
-                <a:ea typeface="+mn-ea"/>
-                <a:cs typeface="+mn-cs"/>
-              </a:rPr>
-              <a:t>bagging</a:t>
-            </a:r>
-            <a:r>
-              <a:rPr lang="zh-CN" altLang="en-US" sz="1200" b="0" i="0" kern="1200" dirty="0" smtClean="0">
-                <a:solidFill>
-                  <a:schemeClr val="tx1"/>
-                </a:solidFill>
-                <a:latin typeface="+mn-lt"/>
-                <a:ea typeface="+mn-ea"/>
-                <a:cs typeface="+mn-cs"/>
-              </a:rPr>
-              <a:t>和随机森林算法的原理在后面的文章中会专门来讲。</a:t>
-            </a:r>
-          </a:p>
-          <a:p>
-            <a:endParaRPr lang="zh-CN" altLang="en-US" dirty="0" smtClean="0"/>
-          </a:p>
-          <a:p>
-            <a:r>
-              <a:rPr lang="en-US" altLang="zh-CN" sz="1200" b="0" i="0" kern="1200" dirty="0" smtClean="0">
-                <a:solidFill>
-                  <a:schemeClr val="tx1"/>
-                </a:solidFill>
-                <a:latin typeface="+mn-lt"/>
-                <a:ea typeface="+mn-ea"/>
-                <a:cs typeface="+mn-cs"/>
-              </a:rPr>
-              <a:t>Bagging</a:t>
-            </a:r>
-            <a:r>
-              <a:rPr lang="zh-CN" altLang="en-US" sz="1200" b="0" i="0" kern="1200" dirty="0" smtClean="0">
-                <a:solidFill>
-                  <a:schemeClr val="tx1"/>
-                </a:solidFill>
-                <a:latin typeface="+mn-lt"/>
-                <a:ea typeface="+mn-ea"/>
-                <a:cs typeface="+mn-cs"/>
-              </a:rPr>
-              <a:t>的弱学习器之间的确没有</a:t>
-            </a:r>
-            <a:r>
-              <a:rPr lang="en-US" altLang="zh-CN" sz="1200" b="0" i="0" kern="1200" dirty="0" smtClean="0">
-                <a:solidFill>
-                  <a:schemeClr val="tx1"/>
-                </a:solidFill>
-                <a:latin typeface="+mn-lt"/>
-                <a:ea typeface="+mn-ea"/>
-                <a:cs typeface="+mn-cs"/>
-              </a:rPr>
-              <a:t>boosting</a:t>
-            </a:r>
-            <a:r>
-              <a:rPr lang="zh-CN" altLang="en-US" sz="1200" b="0" i="0" kern="1200" dirty="0" smtClean="0">
-                <a:solidFill>
-                  <a:schemeClr val="tx1"/>
-                </a:solidFill>
-                <a:latin typeface="+mn-lt"/>
-                <a:ea typeface="+mn-ea"/>
-                <a:cs typeface="+mn-cs"/>
-              </a:rPr>
-              <a:t>那样的联系。它的特点在“随机采样”。那么什么是随机采样？</a:t>
-            </a:r>
-          </a:p>
-          <a:p>
-            <a:r>
-              <a:rPr lang="zh-CN" altLang="en-US" sz="1200" b="0" i="0" kern="1200" dirty="0" smtClean="0">
-                <a:solidFill>
-                  <a:schemeClr val="tx1"/>
-                </a:solidFill>
-                <a:latin typeface="+mn-lt"/>
-                <a:ea typeface="+mn-ea"/>
-                <a:cs typeface="+mn-cs"/>
-              </a:rPr>
-              <a:t>　　　　随机采样</a:t>
-            </a:r>
-            <a:r>
-              <a:rPr lang="en-US" altLang="zh-CN" sz="1200" b="0" i="0" kern="1200" dirty="0" smtClean="0">
-                <a:solidFill>
-                  <a:schemeClr val="tx1"/>
-                </a:solidFill>
-                <a:latin typeface="+mn-lt"/>
-                <a:ea typeface="+mn-ea"/>
-                <a:cs typeface="+mn-cs"/>
-              </a:rPr>
-              <a:t>(</a:t>
-            </a:r>
-            <a:r>
-              <a:rPr lang="en-US" altLang="zh-CN" sz="1200" b="0" i="0" kern="1200" dirty="0" err="1" smtClean="0">
-                <a:solidFill>
-                  <a:schemeClr val="tx1"/>
-                </a:solidFill>
-                <a:latin typeface="+mn-lt"/>
-                <a:ea typeface="+mn-ea"/>
-                <a:cs typeface="+mn-cs"/>
-              </a:rPr>
-              <a:t>bootsrap</a:t>
-            </a:r>
-            <a:r>
-              <a:rPr lang="en-US" altLang="zh-CN" sz="1200" b="0" i="0" kern="1200" dirty="0" smtClean="0">
-                <a:solidFill>
-                  <a:schemeClr val="tx1"/>
-                </a:solidFill>
-                <a:latin typeface="+mn-lt"/>
-                <a:ea typeface="+mn-ea"/>
-                <a:cs typeface="+mn-cs"/>
-              </a:rPr>
-              <a:t>)</a:t>
-            </a:r>
-            <a:r>
-              <a:rPr lang="zh-CN" altLang="en-US" sz="1200" b="0" i="0" kern="1200" dirty="0" smtClean="0">
-                <a:solidFill>
-                  <a:schemeClr val="tx1"/>
-                </a:solidFill>
-                <a:latin typeface="+mn-lt"/>
-                <a:ea typeface="+mn-ea"/>
-                <a:cs typeface="+mn-cs"/>
-              </a:rPr>
-              <a:t>就是从我们的训练集里面采集固定个数的样本，但是每采集一个样本后，都将样本放回。也就是说，之前采集到的样本在放回后有可能继续被采集到。对于我们的</a:t>
-            </a:r>
-            <a:r>
-              <a:rPr lang="en-US" altLang="zh-CN" sz="1200" b="0" i="0" kern="1200" dirty="0" smtClean="0">
-                <a:solidFill>
-                  <a:schemeClr val="tx1"/>
-                </a:solidFill>
-                <a:latin typeface="+mn-lt"/>
-                <a:ea typeface="+mn-ea"/>
-                <a:cs typeface="+mn-cs"/>
-              </a:rPr>
-              <a:t>Bagging</a:t>
-            </a:r>
-            <a:r>
-              <a:rPr lang="zh-CN" altLang="en-US" sz="1200" b="0" i="0" kern="1200" dirty="0" smtClean="0">
-                <a:solidFill>
-                  <a:schemeClr val="tx1"/>
-                </a:solidFill>
-                <a:latin typeface="+mn-lt"/>
-                <a:ea typeface="+mn-ea"/>
-                <a:cs typeface="+mn-cs"/>
-              </a:rPr>
-              <a:t>算法，一般会随机采集和训练集样本数</a:t>
-            </a:r>
-            <a:r>
-              <a:rPr lang="en-US" altLang="zh-CN" sz="1200" b="0" i="0" kern="1200" dirty="0" smtClean="0">
-                <a:solidFill>
-                  <a:schemeClr val="tx1"/>
-                </a:solidFill>
-                <a:latin typeface="+mn-lt"/>
-                <a:ea typeface="+mn-ea"/>
-                <a:cs typeface="+mn-cs"/>
-              </a:rPr>
-              <a:t>m</a:t>
-            </a:r>
-            <a:r>
-              <a:rPr lang="zh-CN" altLang="en-US" sz="1200" b="0" i="0" kern="1200" dirty="0" smtClean="0">
-                <a:solidFill>
-                  <a:schemeClr val="tx1"/>
-                </a:solidFill>
-                <a:latin typeface="+mn-lt"/>
-                <a:ea typeface="+mn-ea"/>
-                <a:cs typeface="+mn-cs"/>
-              </a:rPr>
-              <a:t>一样个数的样本。这样得到的采样集和训练集样本的个数相同，但是样本内容不同。如果我们对有</a:t>
-            </a:r>
-            <a:r>
-              <a:rPr lang="en-US" altLang="zh-CN" sz="1200" b="0" i="0" kern="1200" dirty="0" smtClean="0">
-                <a:solidFill>
-                  <a:schemeClr val="tx1"/>
-                </a:solidFill>
-                <a:latin typeface="+mn-lt"/>
-                <a:ea typeface="+mn-ea"/>
-                <a:cs typeface="+mn-cs"/>
-              </a:rPr>
-              <a:t>m</a:t>
-            </a:r>
-            <a:r>
-              <a:rPr lang="zh-CN" altLang="en-US" sz="1200" b="0" i="0" kern="1200" dirty="0" smtClean="0">
-                <a:solidFill>
-                  <a:schemeClr val="tx1"/>
-                </a:solidFill>
-                <a:latin typeface="+mn-lt"/>
-                <a:ea typeface="+mn-ea"/>
-                <a:cs typeface="+mn-cs"/>
-              </a:rPr>
-              <a:t>个样本训练集做</a:t>
-            </a:r>
-            <a:r>
-              <a:rPr lang="en-US" altLang="zh-CN" sz="1200" b="0" i="0" kern="1200" dirty="0" smtClean="0">
-                <a:solidFill>
-                  <a:schemeClr val="tx1"/>
-                </a:solidFill>
-                <a:latin typeface="+mn-lt"/>
-                <a:ea typeface="+mn-ea"/>
-                <a:cs typeface="+mn-cs"/>
-              </a:rPr>
-              <a:t>T</a:t>
-            </a:r>
-            <a:r>
-              <a:rPr lang="zh-CN" altLang="en-US" sz="1200" b="0" i="0" kern="1200" dirty="0" smtClean="0">
-                <a:solidFill>
-                  <a:schemeClr val="tx1"/>
-                </a:solidFill>
-                <a:latin typeface="+mn-lt"/>
-                <a:ea typeface="+mn-ea"/>
-                <a:cs typeface="+mn-cs"/>
-              </a:rPr>
-              <a:t>次的随机采样，，则由于随机性，</a:t>
-            </a:r>
-            <a:r>
-              <a:rPr lang="en-US" altLang="zh-CN" sz="1200" b="0" i="0" kern="1200" dirty="0" smtClean="0">
-                <a:solidFill>
-                  <a:schemeClr val="tx1"/>
-                </a:solidFill>
-                <a:latin typeface="+mn-lt"/>
-                <a:ea typeface="+mn-ea"/>
-                <a:cs typeface="+mn-cs"/>
-              </a:rPr>
-              <a:t>T</a:t>
-            </a:r>
-            <a:r>
-              <a:rPr lang="zh-CN" altLang="en-US" sz="1200" b="0" i="0" kern="1200" dirty="0" smtClean="0">
-                <a:solidFill>
-                  <a:schemeClr val="tx1"/>
-                </a:solidFill>
-                <a:latin typeface="+mn-lt"/>
-                <a:ea typeface="+mn-ea"/>
-                <a:cs typeface="+mn-cs"/>
-              </a:rPr>
-              <a:t>个采样集各不相同。</a:t>
-            </a:r>
-          </a:p>
-          <a:p>
-            <a:r>
-              <a:rPr lang="zh-CN" altLang="en-US" sz="1200" b="0" i="0" kern="1200" dirty="0" smtClean="0">
-                <a:solidFill>
-                  <a:schemeClr val="tx1"/>
-                </a:solidFill>
-                <a:latin typeface="+mn-lt"/>
-                <a:ea typeface="+mn-ea"/>
-                <a:cs typeface="+mn-cs"/>
-              </a:rPr>
-              <a:t>　　　　注意到这和</a:t>
-            </a:r>
-            <a:r>
-              <a:rPr lang="en-US" altLang="zh-CN" sz="1200" b="0" i="0" kern="1200" dirty="0" smtClean="0">
-                <a:solidFill>
-                  <a:schemeClr val="tx1"/>
-                </a:solidFill>
-                <a:latin typeface="+mn-lt"/>
-                <a:ea typeface="+mn-ea"/>
-                <a:cs typeface="+mn-cs"/>
-              </a:rPr>
-              <a:t>GBDT</a:t>
-            </a:r>
-            <a:r>
-              <a:rPr lang="zh-CN" altLang="en-US" sz="1200" b="0" i="0" kern="1200" dirty="0" smtClean="0">
-                <a:solidFill>
-                  <a:schemeClr val="tx1"/>
-                </a:solidFill>
-                <a:latin typeface="+mn-lt"/>
-                <a:ea typeface="+mn-ea"/>
-                <a:cs typeface="+mn-cs"/>
-              </a:rPr>
-              <a:t>的子采样是不同的。</a:t>
-            </a:r>
-            <a:r>
-              <a:rPr lang="en-US" altLang="zh-CN" sz="1200" b="0" i="0" kern="1200" dirty="0" smtClean="0">
-                <a:solidFill>
-                  <a:schemeClr val="tx1"/>
-                </a:solidFill>
-                <a:latin typeface="+mn-lt"/>
-                <a:ea typeface="+mn-ea"/>
-                <a:cs typeface="+mn-cs"/>
-              </a:rPr>
-              <a:t>GBDT</a:t>
-            </a:r>
-            <a:r>
-              <a:rPr lang="zh-CN" altLang="en-US" sz="1200" b="0" i="0" kern="1200" dirty="0" smtClean="0">
-                <a:solidFill>
-                  <a:schemeClr val="tx1"/>
-                </a:solidFill>
-                <a:latin typeface="+mn-lt"/>
-                <a:ea typeface="+mn-ea"/>
-                <a:cs typeface="+mn-cs"/>
-              </a:rPr>
-              <a:t>的子采样是无放回采样，而</a:t>
-            </a:r>
-            <a:r>
-              <a:rPr lang="en-US" altLang="zh-CN" sz="1200" b="0" i="0" kern="1200" dirty="0" smtClean="0">
-                <a:solidFill>
-                  <a:schemeClr val="tx1"/>
-                </a:solidFill>
-                <a:latin typeface="+mn-lt"/>
-                <a:ea typeface="+mn-ea"/>
-                <a:cs typeface="+mn-cs"/>
-              </a:rPr>
-              <a:t>Bagging</a:t>
-            </a:r>
-            <a:r>
-              <a:rPr lang="zh-CN" altLang="en-US" sz="1200" b="0" i="0" kern="1200" dirty="0" smtClean="0">
-                <a:solidFill>
-                  <a:schemeClr val="tx1"/>
-                </a:solidFill>
-                <a:latin typeface="+mn-lt"/>
-                <a:ea typeface="+mn-ea"/>
-                <a:cs typeface="+mn-cs"/>
-              </a:rPr>
-              <a:t>的子采样是放回采样。</a:t>
-            </a:r>
-          </a:p>
-          <a:p>
-            <a:r>
-              <a:rPr lang="zh-CN" altLang="en-US" sz="1200" b="0" i="0" kern="1200" dirty="0" smtClean="0">
-                <a:solidFill>
-                  <a:schemeClr val="tx1"/>
-                </a:solidFill>
-                <a:latin typeface="+mn-lt"/>
-                <a:ea typeface="+mn-ea"/>
-                <a:cs typeface="+mn-cs"/>
-              </a:rPr>
-              <a:t>　　　　对于一个样本，它在某一次含</a:t>
-            </a:r>
-            <a:r>
-              <a:rPr lang="en-US" altLang="zh-CN" sz="1200" b="0" i="0" kern="1200" dirty="0" smtClean="0">
-                <a:solidFill>
-                  <a:schemeClr val="tx1"/>
-                </a:solidFill>
-                <a:latin typeface="+mn-lt"/>
-                <a:ea typeface="+mn-ea"/>
-                <a:cs typeface="+mn-cs"/>
-              </a:rPr>
-              <a:t>m</a:t>
-            </a:r>
-            <a:r>
-              <a:rPr lang="zh-CN" altLang="en-US" sz="1200" b="0" i="0" kern="1200" dirty="0" smtClean="0">
-                <a:solidFill>
-                  <a:schemeClr val="tx1"/>
-                </a:solidFill>
-                <a:latin typeface="+mn-lt"/>
-                <a:ea typeface="+mn-ea"/>
-                <a:cs typeface="+mn-cs"/>
-              </a:rPr>
-              <a:t>个样本的训练集的随机采样中，每次被采集到的概率是</a:t>
-            </a:r>
-            <a:r>
-              <a:rPr lang="en-US" altLang="zh-CN" sz="1200" b="0" i="0" u="none" strike="noStrike" kern="1200" dirty="0" smtClean="0">
-                <a:solidFill>
-                  <a:schemeClr val="tx1"/>
-                </a:solidFill>
-                <a:latin typeface="+mn-lt"/>
-                <a:ea typeface="+mn-ea"/>
-                <a:cs typeface="+mn-cs"/>
-              </a:rPr>
-              <a:t>1m1m</a:t>
-            </a:r>
-            <a:r>
-              <a:rPr lang="zh-CN" altLang="en-US" sz="1200" b="0" i="0" kern="1200" dirty="0" smtClean="0">
-                <a:solidFill>
-                  <a:schemeClr val="tx1"/>
-                </a:solidFill>
-                <a:latin typeface="+mn-lt"/>
-                <a:ea typeface="+mn-ea"/>
-                <a:cs typeface="+mn-cs"/>
-              </a:rPr>
-              <a:t>。不被采集到的概率为</a:t>
-            </a:r>
-            <a:r>
-              <a:rPr lang="en-US" altLang="zh-CN" sz="1200" b="0" i="0" u="none" strike="noStrike" kern="1200" dirty="0" smtClean="0">
-                <a:solidFill>
-                  <a:schemeClr val="tx1"/>
-                </a:solidFill>
-                <a:latin typeface="+mn-lt"/>
-                <a:ea typeface="+mn-ea"/>
-                <a:cs typeface="+mn-cs"/>
-              </a:rPr>
-              <a:t>1−1m1−1m</a:t>
-            </a:r>
-            <a:r>
-              <a:rPr lang="zh-CN" altLang="en-US" sz="1200" b="0" i="0" kern="1200" dirty="0" smtClean="0">
-                <a:solidFill>
-                  <a:schemeClr val="tx1"/>
-                </a:solidFill>
-                <a:latin typeface="+mn-lt"/>
-                <a:ea typeface="+mn-ea"/>
-                <a:cs typeface="+mn-cs"/>
-              </a:rPr>
-              <a:t>。如果</a:t>
-            </a:r>
-            <a:r>
-              <a:rPr lang="en-US" altLang="zh-CN" sz="1200" b="0" i="0" kern="1200" dirty="0" smtClean="0">
-                <a:solidFill>
-                  <a:schemeClr val="tx1"/>
-                </a:solidFill>
-                <a:latin typeface="+mn-lt"/>
-                <a:ea typeface="+mn-ea"/>
-                <a:cs typeface="+mn-cs"/>
-              </a:rPr>
-              <a:t>m</a:t>
-            </a:r>
-            <a:r>
-              <a:rPr lang="zh-CN" altLang="en-US" sz="1200" b="0" i="0" kern="1200" dirty="0" smtClean="0">
-                <a:solidFill>
-                  <a:schemeClr val="tx1"/>
-                </a:solidFill>
-                <a:latin typeface="+mn-lt"/>
-                <a:ea typeface="+mn-ea"/>
-                <a:cs typeface="+mn-cs"/>
-              </a:rPr>
-              <a:t>次采样都没有被采集中的概率是</a:t>
-            </a:r>
-            <a:r>
-              <a:rPr lang="en-US" altLang="zh-CN" sz="1200" b="0" i="0" u="none" strike="noStrike" kern="1200" dirty="0" smtClean="0">
-                <a:solidFill>
-                  <a:schemeClr val="tx1"/>
-                </a:solidFill>
-                <a:latin typeface="+mn-lt"/>
-                <a:ea typeface="+mn-ea"/>
-                <a:cs typeface="+mn-cs"/>
-              </a:rPr>
-              <a:t>(1−1m)m(1−1m)m</a:t>
-            </a:r>
-            <a:r>
-              <a:rPr lang="zh-CN" altLang="en-US" sz="1200" b="0" i="0" kern="1200" dirty="0" smtClean="0">
-                <a:solidFill>
-                  <a:schemeClr val="tx1"/>
-                </a:solidFill>
-                <a:latin typeface="+mn-lt"/>
-                <a:ea typeface="+mn-ea"/>
-                <a:cs typeface="+mn-cs"/>
-              </a:rPr>
-              <a:t>。当</a:t>
-            </a:r>
-            <a:r>
-              <a:rPr lang="en-US" altLang="zh-CN" sz="1200" b="0" i="0" u="none" strike="noStrike" kern="1200" dirty="0" smtClean="0">
-                <a:solidFill>
-                  <a:schemeClr val="tx1"/>
-                </a:solidFill>
-                <a:latin typeface="+mn-lt"/>
-                <a:ea typeface="+mn-ea"/>
-                <a:cs typeface="+mn-cs"/>
-              </a:rPr>
-              <a:t>m</a:t>
-            </a:r>
-            <a:r>
-              <a:rPr lang="zh-CN" altLang="en-US" sz="1200" b="0" i="0" u="none" strike="noStrike" kern="1200" dirty="0" smtClean="0">
-                <a:solidFill>
-                  <a:schemeClr val="tx1"/>
-                </a:solidFill>
-                <a:latin typeface="+mn-lt"/>
-                <a:ea typeface="+mn-ea"/>
-                <a:cs typeface="+mn-cs"/>
-              </a:rPr>
-              <a:t>→∞</a:t>
-            </a:r>
-            <a:r>
-              <a:rPr lang="en-US" altLang="zh-CN" sz="1200" b="0" i="0" u="none" strike="noStrike" kern="1200" dirty="0" smtClean="0">
-                <a:solidFill>
-                  <a:schemeClr val="tx1"/>
-                </a:solidFill>
-                <a:latin typeface="+mn-lt"/>
-                <a:ea typeface="+mn-ea"/>
-                <a:cs typeface="+mn-cs"/>
-              </a:rPr>
-              <a:t>m→∞</a:t>
-            </a:r>
-            <a:r>
-              <a:rPr lang="zh-CN" altLang="en-US" sz="1200" b="0" i="0" kern="1200" dirty="0" smtClean="0">
-                <a:solidFill>
-                  <a:schemeClr val="tx1"/>
-                </a:solidFill>
-                <a:latin typeface="+mn-lt"/>
-                <a:ea typeface="+mn-ea"/>
-                <a:cs typeface="+mn-cs"/>
-              </a:rPr>
-              <a:t>时，</a:t>
-            </a:r>
-            <a:r>
-              <a:rPr lang="en-US" altLang="zh-CN" sz="1200" b="0" i="0" u="none" strike="noStrike" kern="1200" dirty="0" smtClean="0">
-                <a:solidFill>
-                  <a:schemeClr val="tx1"/>
-                </a:solidFill>
-                <a:latin typeface="+mn-lt"/>
-                <a:ea typeface="+mn-ea"/>
-                <a:cs typeface="+mn-cs"/>
-              </a:rPr>
-              <a:t>(1−1m)m</a:t>
-            </a:r>
-            <a:r>
-              <a:rPr lang="zh-CN" altLang="en-US" sz="1200" b="0" i="0" u="none" strike="noStrike" kern="1200" dirty="0" smtClean="0">
-                <a:solidFill>
-                  <a:schemeClr val="tx1"/>
-                </a:solidFill>
-                <a:latin typeface="+mn-lt"/>
-                <a:ea typeface="+mn-ea"/>
-                <a:cs typeface="+mn-cs"/>
-              </a:rPr>
-              <a:t>→</a:t>
-            </a:r>
-            <a:r>
-              <a:rPr lang="en-US" altLang="zh-CN" sz="1200" b="0" i="0" u="none" strike="noStrike" kern="1200" dirty="0" smtClean="0">
-                <a:solidFill>
-                  <a:schemeClr val="tx1"/>
-                </a:solidFill>
-                <a:latin typeface="+mn-lt"/>
-                <a:ea typeface="+mn-ea"/>
-                <a:cs typeface="+mn-cs"/>
-              </a:rPr>
-              <a:t>1e</a:t>
-            </a:r>
-            <a:r>
-              <a:rPr lang="zh-CN" altLang="en-US" sz="1200" b="0" i="0" u="none" strike="noStrike" kern="1200" dirty="0" smtClean="0">
-                <a:solidFill>
-                  <a:schemeClr val="tx1"/>
-                </a:solidFill>
-                <a:latin typeface="+mn-lt"/>
-                <a:ea typeface="+mn-ea"/>
-                <a:cs typeface="+mn-cs"/>
-              </a:rPr>
-              <a:t>≃</a:t>
-            </a:r>
-            <a:r>
-              <a:rPr lang="en-US" altLang="zh-CN" sz="1200" b="0" i="0" u="none" strike="noStrike" kern="1200" dirty="0" smtClean="0">
-                <a:solidFill>
-                  <a:schemeClr val="tx1"/>
-                </a:solidFill>
-                <a:latin typeface="+mn-lt"/>
-                <a:ea typeface="+mn-ea"/>
-                <a:cs typeface="+mn-cs"/>
-              </a:rPr>
-              <a:t>0.368(1−1m)m→1e≃0.368</a:t>
-            </a:r>
-            <a:r>
-              <a:rPr lang="zh-CN" altLang="en-US" sz="1200" b="0" i="0" kern="1200" dirty="0" smtClean="0">
-                <a:solidFill>
-                  <a:schemeClr val="tx1"/>
-                </a:solidFill>
-                <a:latin typeface="+mn-lt"/>
-                <a:ea typeface="+mn-ea"/>
-                <a:cs typeface="+mn-cs"/>
-              </a:rPr>
-              <a:t>。也就是说，在</a:t>
-            </a:r>
-            <a:r>
-              <a:rPr lang="en-US" altLang="zh-CN" sz="1200" b="0" i="0" kern="1200" dirty="0" smtClean="0">
-                <a:solidFill>
-                  <a:schemeClr val="tx1"/>
-                </a:solidFill>
-                <a:latin typeface="+mn-lt"/>
-                <a:ea typeface="+mn-ea"/>
-                <a:cs typeface="+mn-cs"/>
-              </a:rPr>
-              <a:t>bagging</a:t>
-            </a:r>
-            <a:r>
-              <a:rPr lang="zh-CN" altLang="en-US" sz="1200" b="0" i="0" kern="1200" dirty="0" smtClean="0">
-                <a:solidFill>
-                  <a:schemeClr val="tx1"/>
-                </a:solidFill>
-                <a:latin typeface="+mn-lt"/>
-                <a:ea typeface="+mn-ea"/>
-                <a:cs typeface="+mn-cs"/>
-              </a:rPr>
-              <a:t>的每轮随机采样中，训练集中大约有</a:t>
-            </a:r>
-            <a:r>
-              <a:rPr lang="en-US" altLang="zh-CN" sz="1200" b="0" i="0" kern="1200" dirty="0" smtClean="0">
-                <a:solidFill>
-                  <a:schemeClr val="tx1"/>
-                </a:solidFill>
-                <a:latin typeface="+mn-lt"/>
-                <a:ea typeface="+mn-ea"/>
-                <a:cs typeface="+mn-cs"/>
-              </a:rPr>
-              <a:t>36.8%</a:t>
-            </a:r>
-            <a:r>
-              <a:rPr lang="zh-CN" altLang="en-US" sz="1200" b="0" i="0" kern="1200" dirty="0" smtClean="0">
-                <a:solidFill>
-                  <a:schemeClr val="tx1"/>
-                </a:solidFill>
-                <a:latin typeface="+mn-lt"/>
-                <a:ea typeface="+mn-ea"/>
-                <a:cs typeface="+mn-cs"/>
-              </a:rPr>
-              <a:t>的数据没有被采样集采集中。</a:t>
-            </a:r>
-          </a:p>
-          <a:p>
-            <a:r>
-              <a:rPr lang="zh-CN" altLang="en-US" sz="1200" b="0" i="0" kern="1200" dirty="0" smtClean="0">
-                <a:solidFill>
-                  <a:schemeClr val="tx1"/>
-                </a:solidFill>
-                <a:latin typeface="+mn-lt"/>
-                <a:ea typeface="+mn-ea"/>
-                <a:cs typeface="+mn-cs"/>
-              </a:rPr>
-              <a:t>　　　　对于这部分大约</a:t>
-            </a:r>
-            <a:r>
-              <a:rPr lang="en-US" altLang="zh-CN" sz="1200" b="0" i="0" kern="1200" dirty="0" smtClean="0">
-                <a:solidFill>
-                  <a:schemeClr val="tx1"/>
-                </a:solidFill>
-                <a:latin typeface="+mn-lt"/>
-                <a:ea typeface="+mn-ea"/>
-                <a:cs typeface="+mn-cs"/>
-              </a:rPr>
-              <a:t>36.8%</a:t>
-            </a:r>
-            <a:r>
-              <a:rPr lang="zh-CN" altLang="en-US" sz="1200" b="0" i="0" kern="1200" dirty="0" smtClean="0">
-                <a:solidFill>
-                  <a:schemeClr val="tx1"/>
-                </a:solidFill>
-                <a:latin typeface="+mn-lt"/>
-                <a:ea typeface="+mn-ea"/>
-                <a:cs typeface="+mn-cs"/>
-              </a:rPr>
-              <a:t>的没有被采样到的数据，我们常常称之为袋外数据</a:t>
-            </a:r>
-            <a:r>
-              <a:rPr lang="en-US" altLang="zh-CN" sz="1200" b="0" i="0" kern="1200" dirty="0" smtClean="0">
-                <a:solidFill>
-                  <a:schemeClr val="tx1"/>
-                </a:solidFill>
-                <a:latin typeface="+mn-lt"/>
-                <a:ea typeface="+mn-ea"/>
-                <a:cs typeface="+mn-cs"/>
-              </a:rPr>
-              <a:t>(Out Of Bag, </a:t>
-            </a:r>
-            <a:r>
-              <a:rPr lang="zh-CN" altLang="en-US" sz="1200" b="0" i="0" kern="1200" dirty="0" smtClean="0">
-                <a:solidFill>
-                  <a:schemeClr val="tx1"/>
-                </a:solidFill>
-                <a:latin typeface="+mn-lt"/>
-                <a:ea typeface="+mn-ea"/>
-                <a:cs typeface="+mn-cs"/>
-              </a:rPr>
-              <a:t>简称</a:t>
-            </a:r>
-            <a:r>
-              <a:rPr lang="en-US" altLang="zh-CN" sz="1200" b="0" i="0" kern="1200" dirty="0" smtClean="0">
-                <a:solidFill>
-                  <a:schemeClr val="tx1"/>
-                </a:solidFill>
-                <a:latin typeface="+mn-lt"/>
-                <a:ea typeface="+mn-ea"/>
-                <a:cs typeface="+mn-cs"/>
-              </a:rPr>
-              <a:t>OOB)</a:t>
-            </a:r>
-            <a:r>
-              <a:rPr lang="zh-CN" altLang="en-US" sz="1200" b="0" i="0" kern="1200" dirty="0" smtClean="0">
-                <a:solidFill>
-                  <a:schemeClr val="tx1"/>
-                </a:solidFill>
-                <a:latin typeface="+mn-lt"/>
-                <a:ea typeface="+mn-ea"/>
-                <a:cs typeface="+mn-cs"/>
-              </a:rPr>
-              <a:t>。这些数据没有参与训练集模型的拟合，因此可以用来检测模型的泛化能力。</a:t>
-            </a:r>
-          </a:p>
-          <a:p>
-            <a:r>
-              <a:rPr lang="zh-CN" altLang="en-US" sz="1200" b="0" i="0" kern="1200" dirty="0" smtClean="0">
-                <a:solidFill>
-                  <a:schemeClr val="tx1"/>
-                </a:solidFill>
-                <a:latin typeface="+mn-lt"/>
-                <a:ea typeface="+mn-ea"/>
-                <a:cs typeface="+mn-cs"/>
-              </a:rPr>
-              <a:t>　　　　</a:t>
-            </a:r>
-            <a:r>
-              <a:rPr lang="en-US" altLang="zh-CN" sz="1200" b="0" i="0" kern="1200" dirty="0" smtClean="0">
-                <a:solidFill>
-                  <a:schemeClr val="tx1"/>
-                </a:solidFill>
-                <a:latin typeface="+mn-lt"/>
-                <a:ea typeface="+mn-ea"/>
-                <a:cs typeface="+mn-cs"/>
-              </a:rPr>
-              <a:t>bagging</a:t>
-            </a:r>
-            <a:r>
-              <a:rPr lang="zh-CN" altLang="en-US" sz="1200" b="0" i="0" kern="1200" dirty="0" smtClean="0">
-                <a:solidFill>
-                  <a:schemeClr val="tx1"/>
-                </a:solidFill>
-                <a:latin typeface="+mn-lt"/>
-                <a:ea typeface="+mn-ea"/>
-                <a:cs typeface="+mn-cs"/>
-              </a:rPr>
-              <a:t>对于弱学习器没有限制，这和</a:t>
-            </a:r>
-            <a:r>
-              <a:rPr lang="en-US" altLang="zh-CN" sz="1200" b="0" i="0" kern="1200" dirty="0" err="1" smtClean="0">
-                <a:solidFill>
-                  <a:schemeClr val="tx1"/>
-                </a:solidFill>
-                <a:latin typeface="+mn-lt"/>
-                <a:ea typeface="+mn-ea"/>
-                <a:cs typeface="+mn-cs"/>
-              </a:rPr>
-              <a:t>Adaboost</a:t>
-            </a:r>
-            <a:r>
-              <a:rPr lang="zh-CN" altLang="en-US" sz="1200" b="0" i="0" kern="1200" dirty="0" smtClean="0">
-                <a:solidFill>
-                  <a:schemeClr val="tx1"/>
-                </a:solidFill>
-                <a:latin typeface="+mn-lt"/>
-                <a:ea typeface="+mn-ea"/>
-                <a:cs typeface="+mn-cs"/>
-              </a:rPr>
-              <a:t>一样。但是最常用的一般也是决策树和神经网络。</a:t>
-            </a:r>
-          </a:p>
-          <a:p>
-            <a:r>
-              <a:rPr lang="zh-CN" altLang="en-US" sz="1200" b="0" i="0" kern="1200" dirty="0" smtClean="0">
-                <a:solidFill>
-                  <a:schemeClr val="tx1"/>
-                </a:solidFill>
-                <a:latin typeface="+mn-lt"/>
-                <a:ea typeface="+mn-ea"/>
-                <a:cs typeface="+mn-cs"/>
-              </a:rPr>
-              <a:t>　　　　</a:t>
-            </a:r>
-            <a:r>
-              <a:rPr lang="en-US" altLang="zh-CN" sz="1200" b="0" i="0" kern="1200" dirty="0" smtClean="0">
-                <a:solidFill>
-                  <a:schemeClr val="tx1"/>
-                </a:solidFill>
-                <a:latin typeface="+mn-lt"/>
-                <a:ea typeface="+mn-ea"/>
-                <a:cs typeface="+mn-cs"/>
-              </a:rPr>
-              <a:t>bagging</a:t>
-            </a:r>
-            <a:r>
-              <a:rPr lang="zh-CN" altLang="en-US" sz="1200" b="0" i="0" kern="1200" dirty="0" smtClean="0">
-                <a:solidFill>
-                  <a:schemeClr val="tx1"/>
-                </a:solidFill>
-                <a:latin typeface="+mn-lt"/>
-                <a:ea typeface="+mn-ea"/>
-                <a:cs typeface="+mn-cs"/>
-              </a:rPr>
-              <a:t>的集合策略也比较简单，对于分类问题，通常使用简单投票法，得到最多票数的类别或者类别之一为最终的模型输出。对于回归问题，通常使用简单平均法，对</a:t>
-            </a:r>
-            <a:r>
-              <a:rPr lang="en-US" altLang="zh-CN" sz="1200" b="0" i="0" kern="1200" dirty="0" smtClean="0">
-                <a:solidFill>
-                  <a:schemeClr val="tx1"/>
-                </a:solidFill>
-                <a:latin typeface="+mn-lt"/>
-                <a:ea typeface="+mn-ea"/>
-                <a:cs typeface="+mn-cs"/>
-              </a:rPr>
-              <a:t>T</a:t>
-            </a:r>
-            <a:r>
-              <a:rPr lang="zh-CN" altLang="en-US" sz="1200" b="0" i="0" kern="1200" dirty="0" smtClean="0">
-                <a:solidFill>
-                  <a:schemeClr val="tx1"/>
-                </a:solidFill>
-                <a:latin typeface="+mn-lt"/>
-                <a:ea typeface="+mn-ea"/>
-                <a:cs typeface="+mn-cs"/>
-              </a:rPr>
-              <a:t>个弱学习器得到的回归结果进行算术平均得到最终的模型输出。</a:t>
-            </a:r>
-          </a:p>
-          <a:p>
-            <a:r>
-              <a:rPr lang="zh-CN" altLang="en-US" sz="1200" b="0" i="0" kern="1200" dirty="0" smtClean="0">
-                <a:solidFill>
-                  <a:schemeClr val="tx1"/>
-                </a:solidFill>
-                <a:latin typeface="+mn-lt"/>
-                <a:ea typeface="+mn-ea"/>
-                <a:cs typeface="+mn-cs"/>
-              </a:rPr>
-              <a:t>　　　　由于</a:t>
-            </a:r>
-            <a:r>
-              <a:rPr lang="en-US" altLang="zh-CN" sz="1200" b="0" i="0" kern="1200" dirty="0" smtClean="0">
-                <a:solidFill>
-                  <a:schemeClr val="tx1"/>
-                </a:solidFill>
-                <a:latin typeface="+mn-lt"/>
-                <a:ea typeface="+mn-ea"/>
-                <a:cs typeface="+mn-cs"/>
-              </a:rPr>
-              <a:t>Bagging</a:t>
-            </a:r>
-            <a:r>
-              <a:rPr lang="zh-CN" altLang="en-US" sz="1200" b="0" i="0" kern="1200" dirty="0" smtClean="0">
-                <a:solidFill>
-                  <a:schemeClr val="tx1"/>
-                </a:solidFill>
-                <a:latin typeface="+mn-lt"/>
-                <a:ea typeface="+mn-ea"/>
-                <a:cs typeface="+mn-cs"/>
-              </a:rPr>
-              <a:t>算法每次都进行采样来训练模型，因此泛化能力很强，对于降低模型的方差很有作用。当然对于训练集的拟合程度就会差一些，也就是模型的偏倚会大一些。</a:t>
-            </a:r>
-          </a:p>
-          <a:p>
             <a:endParaRPr lang="zh-CN" altLang="en-US" dirty="0"/>
           </a:p>
         </p:txBody>
@@ -5568,7 +5290,7 @@
             <a:fld id="{C953DA11-AFBE-4547-ADB8-5304B6EC7D96}" type="slidenum">
               <a:rPr lang="zh-CN" altLang="en-US" smtClean="0"/>
               <a:pPr/>
-              <a:t>12</a:t>
+              <a:t>13</a:t>
             </a:fld>
             <a:endParaRPr lang="zh-CN" altLang="en-US"/>
           </a:p>
@@ -5629,9 +5351,1276 @@
           <a:lstStyle/>
           <a:p>
             <a:r>
-              <a:rPr lang="zh-CN" altLang="en-US" dirty="0" smtClean="0"/>
-              <a:t>每个弱学习器的样本选取：随机放回抽样</a:t>
-            </a:r>
+              <a:rPr lang="en-US" altLang="zh-CN" sz="1200" b="0" i="0" kern="1200" dirty="0" smtClean="0">
+                <a:solidFill>
+                  <a:schemeClr val="tx1"/>
+                </a:solidFill>
+                <a:latin typeface="+mn-lt"/>
+                <a:ea typeface="+mn-ea"/>
+                <a:cs typeface="+mn-cs"/>
+              </a:rPr>
+              <a:t>bagging</a:t>
+            </a:r>
+            <a:r>
+              <a:rPr lang="zh-CN" altLang="en-US" sz="1200" b="0" i="0" kern="1200" dirty="0" smtClean="0">
+                <a:solidFill>
+                  <a:schemeClr val="tx1"/>
+                </a:solidFill>
+                <a:latin typeface="+mn-lt"/>
+                <a:ea typeface="+mn-ea"/>
+                <a:cs typeface="+mn-cs"/>
+              </a:rPr>
+              <a:t>的个体弱学习器的训练集是通过随机采样得到的。通过</a:t>
+            </a:r>
+            <a:r>
+              <a:rPr lang="en-US" altLang="zh-CN" sz="1200" b="0" i="0" kern="1200" dirty="0" smtClean="0">
+                <a:solidFill>
+                  <a:schemeClr val="tx1"/>
+                </a:solidFill>
+                <a:latin typeface="+mn-lt"/>
+                <a:ea typeface="+mn-ea"/>
+                <a:cs typeface="+mn-cs"/>
+              </a:rPr>
+              <a:t>T</a:t>
+            </a:r>
+            <a:r>
+              <a:rPr lang="zh-CN" altLang="en-US" sz="1200" b="0" i="0" kern="1200" dirty="0" smtClean="0">
+                <a:solidFill>
+                  <a:schemeClr val="tx1"/>
+                </a:solidFill>
+                <a:latin typeface="+mn-lt"/>
+                <a:ea typeface="+mn-ea"/>
+                <a:cs typeface="+mn-cs"/>
+              </a:rPr>
+              <a:t>次的随机采样，我们就可以得到</a:t>
+            </a:r>
+            <a:r>
+              <a:rPr lang="en-US" altLang="zh-CN" sz="1200" b="0" i="0" kern="1200" dirty="0" smtClean="0">
+                <a:solidFill>
+                  <a:schemeClr val="tx1"/>
+                </a:solidFill>
+                <a:latin typeface="+mn-lt"/>
+                <a:ea typeface="+mn-ea"/>
+                <a:cs typeface="+mn-cs"/>
+              </a:rPr>
+              <a:t>T</a:t>
+            </a:r>
+            <a:r>
+              <a:rPr lang="zh-CN" altLang="en-US" sz="1200" b="0" i="0" kern="1200" dirty="0" smtClean="0">
+                <a:solidFill>
+                  <a:schemeClr val="tx1"/>
+                </a:solidFill>
+                <a:latin typeface="+mn-lt"/>
+                <a:ea typeface="+mn-ea"/>
+                <a:cs typeface="+mn-cs"/>
+              </a:rPr>
+              <a:t>个采样集，对于这</a:t>
+            </a:r>
+            <a:r>
+              <a:rPr lang="en-US" altLang="zh-CN" sz="1200" b="0" i="0" kern="1200" dirty="0" smtClean="0">
+                <a:solidFill>
+                  <a:schemeClr val="tx1"/>
+                </a:solidFill>
+                <a:latin typeface="+mn-lt"/>
+                <a:ea typeface="+mn-ea"/>
+                <a:cs typeface="+mn-cs"/>
+              </a:rPr>
+              <a:t>T</a:t>
+            </a:r>
+            <a:r>
+              <a:rPr lang="zh-CN" altLang="en-US" sz="1200" b="0" i="0" kern="1200" dirty="0" smtClean="0">
+                <a:solidFill>
+                  <a:schemeClr val="tx1"/>
+                </a:solidFill>
+                <a:latin typeface="+mn-lt"/>
+                <a:ea typeface="+mn-ea"/>
+                <a:cs typeface="+mn-cs"/>
+              </a:rPr>
+              <a:t>个采样集，我们可以分别独立的训练出</a:t>
+            </a:r>
+            <a:r>
+              <a:rPr lang="en-US" altLang="zh-CN" sz="1200" b="0" i="0" kern="1200" dirty="0" smtClean="0">
+                <a:solidFill>
+                  <a:schemeClr val="tx1"/>
+                </a:solidFill>
+                <a:latin typeface="+mn-lt"/>
+                <a:ea typeface="+mn-ea"/>
+                <a:cs typeface="+mn-cs"/>
+              </a:rPr>
+              <a:t>T</a:t>
+            </a:r>
+            <a:r>
+              <a:rPr lang="zh-CN" altLang="en-US" sz="1200" b="0" i="0" kern="1200" dirty="0" smtClean="0">
+                <a:solidFill>
+                  <a:schemeClr val="tx1"/>
+                </a:solidFill>
+                <a:latin typeface="+mn-lt"/>
+                <a:ea typeface="+mn-ea"/>
+                <a:cs typeface="+mn-cs"/>
+              </a:rPr>
+              <a:t>个弱学习器，再对这</a:t>
+            </a:r>
+            <a:r>
+              <a:rPr lang="en-US" altLang="zh-CN" sz="1200" b="0" i="0" kern="1200" dirty="0" smtClean="0">
+                <a:solidFill>
+                  <a:schemeClr val="tx1"/>
+                </a:solidFill>
+                <a:latin typeface="+mn-lt"/>
+                <a:ea typeface="+mn-ea"/>
+                <a:cs typeface="+mn-cs"/>
+              </a:rPr>
+              <a:t>T</a:t>
+            </a:r>
+            <a:r>
+              <a:rPr lang="zh-CN" altLang="en-US" sz="1200" b="0" i="0" kern="1200" dirty="0" smtClean="0">
+                <a:solidFill>
+                  <a:schemeClr val="tx1"/>
+                </a:solidFill>
+                <a:latin typeface="+mn-lt"/>
+                <a:ea typeface="+mn-ea"/>
+                <a:cs typeface="+mn-cs"/>
+              </a:rPr>
+              <a:t>个弱学习器通过集合策略来得到最终的强学习器。</a:t>
+            </a:r>
+            <a:endParaRPr lang="en-US" altLang="zh-CN" sz="1200" b="0" i="0" kern="1200" dirty="0" smtClean="0">
+              <a:solidFill>
+                <a:schemeClr val="tx1"/>
+              </a:solidFill>
+              <a:latin typeface="+mn-lt"/>
+              <a:ea typeface="+mn-ea"/>
+              <a:cs typeface="+mn-cs"/>
+            </a:endParaRPr>
+          </a:p>
+          <a:p>
+            <a:endParaRPr lang="zh-CN" altLang="en-US" sz="1200" b="0" i="0" kern="1200" dirty="0" smtClean="0">
+              <a:solidFill>
+                <a:schemeClr val="tx1"/>
+              </a:solidFill>
+              <a:latin typeface="+mn-lt"/>
+              <a:ea typeface="+mn-ea"/>
+              <a:cs typeface="+mn-cs"/>
+            </a:endParaRPr>
+          </a:p>
+          <a:p>
+            <a:r>
+              <a:rPr lang="zh-CN" altLang="en-US" sz="1200" b="0" i="0" kern="1200" dirty="0" smtClean="0">
+                <a:solidFill>
+                  <a:schemeClr val="tx1"/>
+                </a:solidFill>
+                <a:latin typeface="+mn-lt"/>
+                <a:ea typeface="+mn-ea"/>
+                <a:cs typeface="+mn-cs"/>
+              </a:rPr>
+              <a:t>对于这里的随机采样有必要做进一步的介绍，这里一般采用的是</a:t>
+            </a:r>
+            <a:r>
+              <a:rPr lang="zh-CN" altLang="en-US" sz="1200" b="1" i="0" kern="1200" dirty="0" smtClean="0">
+                <a:solidFill>
+                  <a:schemeClr val="tx1"/>
+                </a:solidFill>
+                <a:latin typeface="+mn-lt"/>
+                <a:ea typeface="+mn-ea"/>
+                <a:cs typeface="+mn-cs"/>
+              </a:rPr>
+              <a:t>自助采样法（</a:t>
+            </a:r>
+            <a:r>
+              <a:rPr lang="en-US" altLang="zh-CN" sz="1200" b="1" i="0" kern="1200" dirty="0" smtClean="0">
+                <a:solidFill>
+                  <a:schemeClr val="tx1"/>
+                </a:solidFill>
+                <a:latin typeface="+mn-lt"/>
+                <a:ea typeface="+mn-ea"/>
+                <a:cs typeface="+mn-cs"/>
+              </a:rPr>
+              <a:t>Bootstrap sampling</a:t>
+            </a:r>
+            <a:r>
+              <a:rPr lang="zh-CN" altLang="en-US" sz="1200" b="1" i="0" kern="1200" dirty="0" smtClean="0">
+                <a:solidFill>
+                  <a:schemeClr val="tx1"/>
+                </a:solidFill>
+                <a:latin typeface="+mn-lt"/>
+                <a:ea typeface="+mn-ea"/>
+                <a:cs typeface="+mn-cs"/>
+              </a:rPr>
+              <a:t>）</a:t>
+            </a:r>
+            <a:r>
+              <a:rPr lang="en-US" altLang="zh-CN" sz="1200" b="0" i="0" kern="1200" dirty="0" smtClean="0">
+                <a:solidFill>
+                  <a:schemeClr val="tx1"/>
+                </a:solidFill>
+                <a:latin typeface="+mn-lt"/>
+                <a:ea typeface="+mn-ea"/>
+                <a:cs typeface="+mn-cs"/>
+              </a:rPr>
+              <a:t>,</a:t>
+            </a:r>
+            <a:r>
+              <a:rPr lang="zh-CN" altLang="en-US" sz="1200" b="0" i="0" kern="1200" dirty="0" smtClean="0">
+                <a:solidFill>
+                  <a:schemeClr val="tx1"/>
+                </a:solidFill>
+                <a:latin typeface="+mn-lt"/>
+                <a:ea typeface="+mn-ea"/>
+                <a:cs typeface="+mn-cs"/>
+              </a:rPr>
+              <a:t>即对于</a:t>
+            </a:r>
+            <a:r>
+              <a:rPr lang="en-US" altLang="zh-CN" sz="1200" b="0" i="0" kern="1200" dirty="0" smtClean="0">
+                <a:solidFill>
+                  <a:schemeClr val="tx1"/>
+                </a:solidFill>
+                <a:latin typeface="+mn-lt"/>
+                <a:ea typeface="+mn-ea"/>
+                <a:cs typeface="+mn-cs"/>
+              </a:rPr>
+              <a:t>m</a:t>
+            </a:r>
+            <a:r>
+              <a:rPr lang="zh-CN" altLang="en-US" sz="1200" b="0" i="0" kern="1200" dirty="0" smtClean="0">
+                <a:solidFill>
+                  <a:schemeClr val="tx1"/>
+                </a:solidFill>
+                <a:latin typeface="+mn-lt"/>
+                <a:ea typeface="+mn-ea"/>
+                <a:cs typeface="+mn-cs"/>
+              </a:rPr>
+              <a:t>个样本的原始训练集，我们每次先随机采集一个样本放入采样集，接着把该样本放回，也就是说下次采样时该样本仍有可能被采集到，这样采集</a:t>
+            </a:r>
+            <a:r>
+              <a:rPr lang="en-US" altLang="zh-CN" sz="1200" b="0" i="0" kern="1200" dirty="0" smtClean="0">
+                <a:solidFill>
+                  <a:schemeClr val="tx1"/>
+                </a:solidFill>
+                <a:latin typeface="+mn-lt"/>
+                <a:ea typeface="+mn-ea"/>
+                <a:cs typeface="+mn-cs"/>
+              </a:rPr>
+              <a:t>m</a:t>
+            </a:r>
+            <a:r>
+              <a:rPr lang="zh-CN" altLang="en-US" sz="1200" b="0" i="0" kern="1200" dirty="0" smtClean="0">
+                <a:solidFill>
+                  <a:schemeClr val="tx1"/>
+                </a:solidFill>
+                <a:latin typeface="+mn-lt"/>
+                <a:ea typeface="+mn-ea"/>
+                <a:cs typeface="+mn-cs"/>
+              </a:rPr>
+              <a:t>次，最终可以得到</a:t>
+            </a:r>
+            <a:r>
+              <a:rPr lang="en-US" altLang="zh-CN" sz="1200" b="0" i="0" kern="1200" dirty="0" smtClean="0">
+                <a:solidFill>
+                  <a:schemeClr val="tx1"/>
+                </a:solidFill>
+                <a:latin typeface="+mn-lt"/>
+                <a:ea typeface="+mn-ea"/>
+                <a:cs typeface="+mn-cs"/>
+              </a:rPr>
+              <a:t>m</a:t>
+            </a:r>
+            <a:r>
+              <a:rPr lang="zh-CN" altLang="en-US" sz="1200" b="0" i="0" kern="1200" dirty="0" smtClean="0">
+                <a:solidFill>
+                  <a:schemeClr val="tx1"/>
+                </a:solidFill>
+                <a:latin typeface="+mn-lt"/>
+                <a:ea typeface="+mn-ea"/>
+                <a:cs typeface="+mn-cs"/>
+              </a:rPr>
+              <a:t>个样本的采样集，由于是随机采样，这样每次的采样集是和原始训练集不同的，和其他采样集也是不同的，这样得到多个不同的弱学习器。</a:t>
+            </a:r>
+            <a:endParaRPr lang="en-US" altLang="zh-CN" sz="1200" b="0" i="0" kern="1200" dirty="0" smtClean="0">
+              <a:solidFill>
+                <a:schemeClr val="tx1"/>
+              </a:solidFill>
+              <a:latin typeface="+mn-lt"/>
+              <a:ea typeface="+mn-ea"/>
+              <a:cs typeface="+mn-cs"/>
+            </a:endParaRPr>
+          </a:p>
+          <a:p>
+            <a:endParaRPr lang="zh-CN" altLang="en-US" sz="1200" b="0" i="0" kern="1200" dirty="0" smtClean="0">
+              <a:solidFill>
+                <a:schemeClr val="tx1"/>
+              </a:solidFill>
+              <a:latin typeface="+mn-lt"/>
+              <a:ea typeface="+mn-ea"/>
+              <a:cs typeface="+mn-cs"/>
+            </a:endParaRPr>
+          </a:p>
+          <a:p>
+            <a:r>
+              <a:rPr lang="zh-CN" altLang="en-US" sz="1200" b="0" i="0" kern="1200" dirty="0" smtClean="0">
+                <a:solidFill>
+                  <a:schemeClr val="tx1"/>
+                </a:solidFill>
+                <a:latin typeface="+mn-lt"/>
+                <a:ea typeface="+mn-ea"/>
+                <a:cs typeface="+mn-cs"/>
+              </a:rPr>
+              <a:t>随机森林是</a:t>
+            </a:r>
+            <a:r>
+              <a:rPr lang="en-US" altLang="zh-CN" sz="1200" b="0" i="0" kern="1200" dirty="0" smtClean="0">
+                <a:solidFill>
+                  <a:schemeClr val="tx1"/>
+                </a:solidFill>
+                <a:latin typeface="+mn-lt"/>
+                <a:ea typeface="+mn-ea"/>
+                <a:cs typeface="+mn-cs"/>
+              </a:rPr>
+              <a:t>bagging</a:t>
+            </a:r>
+            <a:r>
+              <a:rPr lang="zh-CN" altLang="en-US" sz="1200" b="0" i="0" kern="1200" dirty="0" smtClean="0">
+                <a:solidFill>
+                  <a:schemeClr val="tx1"/>
+                </a:solidFill>
+                <a:latin typeface="+mn-lt"/>
+                <a:ea typeface="+mn-ea"/>
+                <a:cs typeface="+mn-cs"/>
+              </a:rPr>
+              <a:t>的一个特化进阶版，所谓的特化是因为随机森林的弱学习器都是决策树。所谓的进阶是</a:t>
+            </a:r>
+            <a:r>
+              <a:rPr lang="zh-CN" altLang="en-US" sz="1200" b="1" i="0" kern="1200" dirty="0" smtClean="0">
+                <a:solidFill>
+                  <a:schemeClr val="tx1"/>
+                </a:solidFill>
+                <a:latin typeface="+mn-lt"/>
+                <a:ea typeface="+mn-ea"/>
+                <a:cs typeface="+mn-cs"/>
+              </a:rPr>
+              <a:t>随机森林在</a:t>
+            </a:r>
+            <a:r>
+              <a:rPr lang="en-US" altLang="zh-CN" sz="1200" b="1" i="0" kern="1200" dirty="0" smtClean="0">
+                <a:solidFill>
+                  <a:schemeClr val="tx1"/>
+                </a:solidFill>
+                <a:latin typeface="+mn-lt"/>
+                <a:ea typeface="+mn-ea"/>
+                <a:cs typeface="+mn-cs"/>
+              </a:rPr>
+              <a:t>bagging</a:t>
+            </a:r>
+            <a:r>
+              <a:rPr lang="zh-CN" altLang="en-US" sz="1200" b="1" i="0" kern="1200" dirty="0" smtClean="0">
+                <a:solidFill>
+                  <a:schemeClr val="tx1"/>
+                </a:solidFill>
+                <a:latin typeface="+mn-lt"/>
+                <a:ea typeface="+mn-ea"/>
+                <a:cs typeface="+mn-cs"/>
+              </a:rPr>
+              <a:t>的样本随机采样基础上，又加上了特征的随机选择，</a:t>
+            </a:r>
+            <a:r>
+              <a:rPr lang="zh-CN" altLang="en-US" sz="1200" b="0" i="0" kern="1200" dirty="0" smtClean="0">
+                <a:solidFill>
+                  <a:schemeClr val="tx1"/>
+                </a:solidFill>
+                <a:latin typeface="+mn-lt"/>
+                <a:ea typeface="+mn-ea"/>
+                <a:cs typeface="+mn-cs"/>
+              </a:rPr>
+              <a:t>其基本思想没有脱离</a:t>
+            </a:r>
+            <a:r>
+              <a:rPr lang="en-US" altLang="zh-CN" sz="1200" b="0" i="0" kern="1200" dirty="0" smtClean="0">
+                <a:solidFill>
+                  <a:schemeClr val="tx1"/>
+                </a:solidFill>
+                <a:latin typeface="+mn-lt"/>
+                <a:ea typeface="+mn-ea"/>
+                <a:cs typeface="+mn-cs"/>
+              </a:rPr>
+              <a:t>bagging</a:t>
+            </a:r>
+            <a:r>
+              <a:rPr lang="zh-CN" altLang="en-US" sz="1200" b="0" i="0" kern="1200" dirty="0" smtClean="0">
+                <a:solidFill>
+                  <a:schemeClr val="tx1"/>
+                </a:solidFill>
+                <a:latin typeface="+mn-lt"/>
+                <a:ea typeface="+mn-ea"/>
+                <a:cs typeface="+mn-cs"/>
+              </a:rPr>
+              <a:t>的范畴。</a:t>
+            </a:r>
+            <a:r>
+              <a:rPr lang="en-US" altLang="zh-CN" sz="1200" b="0" i="0" kern="1200" dirty="0" smtClean="0">
+                <a:solidFill>
+                  <a:schemeClr val="tx1"/>
+                </a:solidFill>
+                <a:latin typeface="+mn-lt"/>
+                <a:ea typeface="+mn-ea"/>
+                <a:cs typeface="+mn-cs"/>
+              </a:rPr>
+              <a:t>bagging</a:t>
+            </a:r>
+            <a:r>
+              <a:rPr lang="zh-CN" altLang="en-US" sz="1200" b="0" i="0" kern="1200" dirty="0" smtClean="0">
+                <a:solidFill>
+                  <a:schemeClr val="tx1"/>
+                </a:solidFill>
+                <a:latin typeface="+mn-lt"/>
+                <a:ea typeface="+mn-ea"/>
+                <a:cs typeface="+mn-cs"/>
+              </a:rPr>
+              <a:t>和随机森林算法的原理在后面的文章中会专门来讲。</a:t>
+            </a:r>
+          </a:p>
+          <a:p>
+            <a:endParaRPr lang="zh-CN" altLang="en-US" dirty="0" smtClean="0"/>
+          </a:p>
+          <a:p>
+            <a:r>
+              <a:rPr lang="en-US" altLang="zh-CN" sz="1200" b="0" i="0" kern="1200" dirty="0" smtClean="0">
+                <a:solidFill>
+                  <a:schemeClr val="tx1"/>
+                </a:solidFill>
+                <a:latin typeface="+mn-lt"/>
+                <a:ea typeface="+mn-ea"/>
+                <a:cs typeface="+mn-cs"/>
+              </a:rPr>
+              <a:t>Bagging</a:t>
+            </a:r>
+            <a:r>
+              <a:rPr lang="zh-CN" altLang="en-US" sz="1200" b="0" i="0" kern="1200" dirty="0" smtClean="0">
+                <a:solidFill>
+                  <a:schemeClr val="tx1"/>
+                </a:solidFill>
+                <a:latin typeface="+mn-lt"/>
+                <a:ea typeface="+mn-ea"/>
+                <a:cs typeface="+mn-cs"/>
+              </a:rPr>
+              <a:t>的弱学习器</a:t>
+            </a:r>
+            <a:r>
+              <a:rPr lang="zh-CN" altLang="en-US" sz="1200" b="0" i="0" kern="1200" dirty="0" smtClean="0">
+                <a:solidFill>
+                  <a:schemeClr val="tx1"/>
+                </a:solidFill>
+                <a:latin typeface="+mn-lt"/>
+                <a:ea typeface="+mn-ea"/>
+                <a:cs typeface="+mn-cs"/>
+              </a:rPr>
+              <a:t>之间没有</a:t>
+            </a:r>
+            <a:r>
+              <a:rPr lang="en-US" altLang="zh-CN" sz="1200" b="0" i="0" kern="1200" dirty="0" smtClean="0">
+                <a:solidFill>
+                  <a:schemeClr val="tx1"/>
+                </a:solidFill>
+                <a:latin typeface="+mn-lt"/>
+                <a:ea typeface="+mn-ea"/>
+                <a:cs typeface="+mn-cs"/>
+              </a:rPr>
+              <a:t>boosting</a:t>
+            </a:r>
+            <a:r>
+              <a:rPr lang="zh-CN" altLang="en-US" sz="1200" b="0" i="0" kern="1200" dirty="0" smtClean="0">
+                <a:solidFill>
+                  <a:schemeClr val="tx1"/>
+                </a:solidFill>
+                <a:latin typeface="+mn-lt"/>
+                <a:ea typeface="+mn-ea"/>
+                <a:cs typeface="+mn-cs"/>
+              </a:rPr>
+              <a:t>那样的联系。它的特点在“随机采样”。那么什么是随机采样？</a:t>
+            </a:r>
+          </a:p>
+          <a:p>
+            <a:r>
+              <a:rPr lang="zh-CN" altLang="en-US" sz="1200" b="0" i="0" kern="1200" dirty="0" smtClean="0">
+                <a:solidFill>
+                  <a:schemeClr val="tx1"/>
+                </a:solidFill>
+                <a:latin typeface="+mn-lt"/>
+                <a:ea typeface="+mn-ea"/>
+                <a:cs typeface="+mn-cs"/>
+              </a:rPr>
+              <a:t>　　　　随机采样</a:t>
+            </a:r>
+            <a:r>
+              <a:rPr lang="en-US" altLang="zh-CN" sz="1200" b="0" i="0" kern="1200" dirty="0" smtClean="0">
+                <a:solidFill>
+                  <a:schemeClr val="tx1"/>
+                </a:solidFill>
+                <a:latin typeface="+mn-lt"/>
+                <a:ea typeface="+mn-ea"/>
+                <a:cs typeface="+mn-cs"/>
+              </a:rPr>
+              <a:t>(</a:t>
+            </a:r>
+            <a:r>
+              <a:rPr lang="en-US" altLang="zh-CN" sz="1200" b="0" i="0" kern="1200" dirty="0" err="1" smtClean="0">
+                <a:solidFill>
+                  <a:schemeClr val="tx1"/>
+                </a:solidFill>
+                <a:latin typeface="+mn-lt"/>
+                <a:ea typeface="+mn-ea"/>
+                <a:cs typeface="+mn-cs"/>
+              </a:rPr>
+              <a:t>bootsrap</a:t>
+            </a:r>
+            <a:r>
+              <a:rPr lang="en-US" altLang="zh-CN" sz="1200" b="0" i="0" kern="1200" dirty="0" smtClean="0">
+                <a:solidFill>
+                  <a:schemeClr val="tx1"/>
+                </a:solidFill>
+                <a:latin typeface="+mn-lt"/>
+                <a:ea typeface="+mn-ea"/>
+                <a:cs typeface="+mn-cs"/>
+              </a:rPr>
+              <a:t>)</a:t>
+            </a:r>
+            <a:r>
+              <a:rPr lang="zh-CN" altLang="en-US" sz="1200" b="0" i="0" kern="1200" dirty="0" smtClean="0">
+                <a:solidFill>
+                  <a:schemeClr val="tx1"/>
+                </a:solidFill>
+                <a:latin typeface="+mn-lt"/>
+                <a:ea typeface="+mn-ea"/>
+                <a:cs typeface="+mn-cs"/>
+              </a:rPr>
+              <a:t>就是从我们的训练集里面采集固定个数的样本，但是每采集一个样本后，都将样本放回。也就是说，之前采集到的样本在放回后有可能继续被采集到。对于我们的</a:t>
+            </a:r>
+            <a:r>
+              <a:rPr lang="en-US" altLang="zh-CN" sz="1200" b="0" i="0" kern="1200" dirty="0" smtClean="0">
+                <a:solidFill>
+                  <a:schemeClr val="tx1"/>
+                </a:solidFill>
+                <a:latin typeface="+mn-lt"/>
+                <a:ea typeface="+mn-ea"/>
+                <a:cs typeface="+mn-cs"/>
+              </a:rPr>
+              <a:t>Bagging</a:t>
+            </a:r>
+            <a:r>
+              <a:rPr lang="zh-CN" altLang="en-US" sz="1200" b="0" i="0" kern="1200" dirty="0" smtClean="0">
+                <a:solidFill>
+                  <a:schemeClr val="tx1"/>
+                </a:solidFill>
+                <a:latin typeface="+mn-lt"/>
+                <a:ea typeface="+mn-ea"/>
+                <a:cs typeface="+mn-cs"/>
+              </a:rPr>
+              <a:t>算法，一般会随机采集和训练集样本数</a:t>
+            </a:r>
+            <a:r>
+              <a:rPr lang="en-US" altLang="zh-CN" sz="1200" b="0" i="0" kern="1200" dirty="0" smtClean="0">
+                <a:solidFill>
+                  <a:schemeClr val="tx1"/>
+                </a:solidFill>
+                <a:latin typeface="+mn-lt"/>
+                <a:ea typeface="+mn-ea"/>
+                <a:cs typeface="+mn-cs"/>
+              </a:rPr>
+              <a:t>m</a:t>
+            </a:r>
+            <a:r>
+              <a:rPr lang="zh-CN" altLang="en-US" sz="1200" b="0" i="0" kern="1200" dirty="0" smtClean="0">
+                <a:solidFill>
+                  <a:schemeClr val="tx1"/>
+                </a:solidFill>
+                <a:latin typeface="+mn-lt"/>
+                <a:ea typeface="+mn-ea"/>
+                <a:cs typeface="+mn-cs"/>
+              </a:rPr>
+              <a:t>一样个数的样本。这样得到的采样集和训练集样本的个数相同，但是样本内容不同。如果我们对有</a:t>
+            </a:r>
+            <a:r>
+              <a:rPr lang="en-US" altLang="zh-CN" sz="1200" b="0" i="0" kern="1200" dirty="0" smtClean="0">
+                <a:solidFill>
+                  <a:schemeClr val="tx1"/>
+                </a:solidFill>
+                <a:latin typeface="+mn-lt"/>
+                <a:ea typeface="+mn-ea"/>
+                <a:cs typeface="+mn-cs"/>
+              </a:rPr>
+              <a:t>m</a:t>
+            </a:r>
+            <a:r>
+              <a:rPr lang="zh-CN" altLang="en-US" sz="1200" b="0" i="0" kern="1200" dirty="0" smtClean="0">
+                <a:solidFill>
+                  <a:schemeClr val="tx1"/>
+                </a:solidFill>
+                <a:latin typeface="+mn-lt"/>
+                <a:ea typeface="+mn-ea"/>
+                <a:cs typeface="+mn-cs"/>
+              </a:rPr>
+              <a:t>个样本训练集做</a:t>
+            </a:r>
+            <a:r>
+              <a:rPr lang="en-US" altLang="zh-CN" sz="1200" b="0" i="0" kern="1200" dirty="0" smtClean="0">
+                <a:solidFill>
+                  <a:schemeClr val="tx1"/>
+                </a:solidFill>
+                <a:latin typeface="+mn-lt"/>
+                <a:ea typeface="+mn-ea"/>
+                <a:cs typeface="+mn-cs"/>
+              </a:rPr>
+              <a:t>T</a:t>
+            </a:r>
+            <a:r>
+              <a:rPr lang="zh-CN" altLang="en-US" sz="1200" b="0" i="0" kern="1200" dirty="0" smtClean="0">
+                <a:solidFill>
+                  <a:schemeClr val="tx1"/>
+                </a:solidFill>
+                <a:latin typeface="+mn-lt"/>
+                <a:ea typeface="+mn-ea"/>
+                <a:cs typeface="+mn-cs"/>
+              </a:rPr>
+              <a:t>次的随机采样，，则由于随机性，</a:t>
+            </a:r>
+            <a:r>
+              <a:rPr lang="en-US" altLang="zh-CN" sz="1200" b="0" i="0" kern="1200" dirty="0" smtClean="0">
+                <a:solidFill>
+                  <a:schemeClr val="tx1"/>
+                </a:solidFill>
+                <a:latin typeface="+mn-lt"/>
+                <a:ea typeface="+mn-ea"/>
+                <a:cs typeface="+mn-cs"/>
+              </a:rPr>
+              <a:t>T</a:t>
+            </a:r>
+            <a:r>
+              <a:rPr lang="zh-CN" altLang="en-US" sz="1200" b="0" i="0" kern="1200" dirty="0" smtClean="0">
+                <a:solidFill>
+                  <a:schemeClr val="tx1"/>
+                </a:solidFill>
+                <a:latin typeface="+mn-lt"/>
+                <a:ea typeface="+mn-ea"/>
+                <a:cs typeface="+mn-cs"/>
+              </a:rPr>
+              <a:t>个采样集各不相同。</a:t>
+            </a:r>
+          </a:p>
+          <a:p>
+            <a:r>
+              <a:rPr lang="zh-CN" altLang="en-US" sz="1200" b="0" i="0" kern="1200" dirty="0" smtClean="0">
+                <a:solidFill>
+                  <a:schemeClr val="tx1"/>
+                </a:solidFill>
+                <a:latin typeface="+mn-lt"/>
+                <a:ea typeface="+mn-ea"/>
+                <a:cs typeface="+mn-cs"/>
+              </a:rPr>
+              <a:t>　　　　注意到这和</a:t>
+            </a:r>
+            <a:r>
+              <a:rPr lang="en-US" altLang="zh-CN" sz="1200" b="0" i="0" kern="1200" dirty="0" smtClean="0">
+                <a:solidFill>
+                  <a:schemeClr val="tx1"/>
+                </a:solidFill>
+                <a:latin typeface="+mn-lt"/>
+                <a:ea typeface="+mn-ea"/>
+                <a:cs typeface="+mn-cs"/>
+              </a:rPr>
+              <a:t>GBDT</a:t>
+            </a:r>
+            <a:r>
+              <a:rPr lang="zh-CN" altLang="en-US" sz="1200" b="0" i="0" kern="1200" dirty="0" smtClean="0">
+                <a:solidFill>
+                  <a:schemeClr val="tx1"/>
+                </a:solidFill>
+                <a:latin typeface="+mn-lt"/>
+                <a:ea typeface="+mn-ea"/>
+                <a:cs typeface="+mn-cs"/>
+              </a:rPr>
+              <a:t>的子采样是不同的。</a:t>
+            </a:r>
+            <a:r>
+              <a:rPr lang="en-US" altLang="zh-CN" sz="1200" b="0" i="0" kern="1200" dirty="0" smtClean="0">
+                <a:solidFill>
+                  <a:schemeClr val="tx1"/>
+                </a:solidFill>
+                <a:latin typeface="+mn-lt"/>
+                <a:ea typeface="+mn-ea"/>
+                <a:cs typeface="+mn-cs"/>
+              </a:rPr>
+              <a:t>GBDT</a:t>
+            </a:r>
+            <a:r>
+              <a:rPr lang="zh-CN" altLang="en-US" sz="1200" b="0" i="0" kern="1200" dirty="0" smtClean="0">
+                <a:solidFill>
+                  <a:schemeClr val="tx1"/>
+                </a:solidFill>
+                <a:latin typeface="+mn-lt"/>
+                <a:ea typeface="+mn-ea"/>
+                <a:cs typeface="+mn-cs"/>
+              </a:rPr>
+              <a:t>的子采样是无放回采样，而</a:t>
+            </a:r>
+            <a:r>
+              <a:rPr lang="en-US" altLang="zh-CN" sz="1200" b="0" i="0" kern="1200" dirty="0" smtClean="0">
+                <a:solidFill>
+                  <a:schemeClr val="tx1"/>
+                </a:solidFill>
+                <a:latin typeface="+mn-lt"/>
+                <a:ea typeface="+mn-ea"/>
+                <a:cs typeface="+mn-cs"/>
+              </a:rPr>
+              <a:t>Bagging</a:t>
+            </a:r>
+            <a:r>
+              <a:rPr lang="zh-CN" altLang="en-US" sz="1200" b="0" i="0" kern="1200" dirty="0" smtClean="0">
+                <a:solidFill>
+                  <a:schemeClr val="tx1"/>
+                </a:solidFill>
+                <a:latin typeface="+mn-lt"/>
+                <a:ea typeface="+mn-ea"/>
+                <a:cs typeface="+mn-cs"/>
+              </a:rPr>
+              <a:t>的子采样是放回采样。</a:t>
+            </a:r>
+          </a:p>
+          <a:p>
+            <a:r>
+              <a:rPr lang="zh-CN" altLang="en-US" sz="1200" b="0" i="0" kern="1200" dirty="0" smtClean="0">
+                <a:solidFill>
+                  <a:schemeClr val="tx1"/>
+                </a:solidFill>
+                <a:latin typeface="+mn-lt"/>
+                <a:ea typeface="+mn-ea"/>
+                <a:cs typeface="+mn-cs"/>
+              </a:rPr>
+              <a:t>　　　　对于一个样本，它在某一次含</a:t>
+            </a:r>
+            <a:r>
+              <a:rPr lang="en-US" altLang="zh-CN" sz="1200" b="0" i="0" kern="1200" dirty="0" smtClean="0">
+                <a:solidFill>
+                  <a:schemeClr val="tx1"/>
+                </a:solidFill>
+                <a:latin typeface="+mn-lt"/>
+                <a:ea typeface="+mn-ea"/>
+                <a:cs typeface="+mn-cs"/>
+              </a:rPr>
+              <a:t>m</a:t>
+            </a:r>
+            <a:r>
+              <a:rPr lang="zh-CN" altLang="en-US" sz="1200" b="0" i="0" kern="1200" dirty="0" smtClean="0">
+                <a:solidFill>
+                  <a:schemeClr val="tx1"/>
+                </a:solidFill>
+                <a:latin typeface="+mn-lt"/>
+                <a:ea typeface="+mn-ea"/>
+                <a:cs typeface="+mn-cs"/>
+              </a:rPr>
+              <a:t>个样本的训练集的随机采样中，每次被采集到的概率是</a:t>
+            </a:r>
+            <a:r>
+              <a:rPr lang="en-US" altLang="zh-CN" sz="1200" b="0" i="0" u="none" strike="noStrike" kern="1200" dirty="0" smtClean="0">
+                <a:solidFill>
+                  <a:schemeClr val="tx1"/>
+                </a:solidFill>
+                <a:latin typeface="+mn-lt"/>
+                <a:ea typeface="+mn-ea"/>
+                <a:cs typeface="+mn-cs"/>
+              </a:rPr>
+              <a:t>1m1m</a:t>
+            </a:r>
+            <a:r>
+              <a:rPr lang="zh-CN" altLang="en-US" sz="1200" b="0" i="0" kern="1200" dirty="0" smtClean="0">
+                <a:solidFill>
+                  <a:schemeClr val="tx1"/>
+                </a:solidFill>
+                <a:latin typeface="+mn-lt"/>
+                <a:ea typeface="+mn-ea"/>
+                <a:cs typeface="+mn-cs"/>
+              </a:rPr>
+              <a:t>。不被采集到的概率为</a:t>
+            </a:r>
+            <a:r>
+              <a:rPr lang="en-US" altLang="zh-CN" sz="1200" b="0" i="0" u="none" strike="noStrike" kern="1200" dirty="0" smtClean="0">
+                <a:solidFill>
+                  <a:schemeClr val="tx1"/>
+                </a:solidFill>
+                <a:latin typeface="+mn-lt"/>
+                <a:ea typeface="+mn-ea"/>
+                <a:cs typeface="+mn-cs"/>
+              </a:rPr>
+              <a:t>1−1m1−1m</a:t>
+            </a:r>
+            <a:r>
+              <a:rPr lang="zh-CN" altLang="en-US" sz="1200" b="0" i="0" kern="1200" dirty="0" smtClean="0">
+                <a:solidFill>
+                  <a:schemeClr val="tx1"/>
+                </a:solidFill>
+                <a:latin typeface="+mn-lt"/>
+                <a:ea typeface="+mn-ea"/>
+                <a:cs typeface="+mn-cs"/>
+              </a:rPr>
+              <a:t>。如果</a:t>
+            </a:r>
+            <a:r>
+              <a:rPr lang="en-US" altLang="zh-CN" sz="1200" b="0" i="0" kern="1200" dirty="0" smtClean="0">
+                <a:solidFill>
+                  <a:schemeClr val="tx1"/>
+                </a:solidFill>
+                <a:latin typeface="+mn-lt"/>
+                <a:ea typeface="+mn-ea"/>
+                <a:cs typeface="+mn-cs"/>
+              </a:rPr>
+              <a:t>m</a:t>
+            </a:r>
+            <a:r>
+              <a:rPr lang="zh-CN" altLang="en-US" sz="1200" b="0" i="0" kern="1200" dirty="0" smtClean="0">
+                <a:solidFill>
+                  <a:schemeClr val="tx1"/>
+                </a:solidFill>
+                <a:latin typeface="+mn-lt"/>
+                <a:ea typeface="+mn-ea"/>
+                <a:cs typeface="+mn-cs"/>
+              </a:rPr>
+              <a:t>次采样都没有被采集中的概率是</a:t>
+            </a:r>
+            <a:r>
+              <a:rPr lang="en-US" altLang="zh-CN" sz="1200" b="0" i="0" u="none" strike="noStrike" kern="1200" dirty="0" smtClean="0">
+                <a:solidFill>
+                  <a:schemeClr val="tx1"/>
+                </a:solidFill>
+                <a:latin typeface="+mn-lt"/>
+                <a:ea typeface="+mn-ea"/>
+                <a:cs typeface="+mn-cs"/>
+              </a:rPr>
+              <a:t>(1−1m)m(1−1m)m</a:t>
+            </a:r>
+            <a:r>
+              <a:rPr lang="zh-CN" altLang="en-US" sz="1200" b="0" i="0" kern="1200" dirty="0" smtClean="0">
+                <a:solidFill>
+                  <a:schemeClr val="tx1"/>
+                </a:solidFill>
+                <a:latin typeface="+mn-lt"/>
+                <a:ea typeface="+mn-ea"/>
+                <a:cs typeface="+mn-cs"/>
+              </a:rPr>
+              <a:t>。当</a:t>
+            </a:r>
+            <a:r>
+              <a:rPr lang="en-US" altLang="zh-CN" sz="1200" b="0" i="0" u="none" strike="noStrike" kern="1200" dirty="0" smtClean="0">
+                <a:solidFill>
+                  <a:schemeClr val="tx1"/>
+                </a:solidFill>
+                <a:latin typeface="+mn-lt"/>
+                <a:ea typeface="+mn-ea"/>
+                <a:cs typeface="+mn-cs"/>
+              </a:rPr>
+              <a:t>m</a:t>
+            </a:r>
+            <a:r>
+              <a:rPr lang="zh-CN" altLang="en-US" sz="1200" b="0" i="0" u="none" strike="noStrike" kern="1200" dirty="0" smtClean="0">
+                <a:solidFill>
+                  <a:schemeClr val="tx1"/>
+                </a:solidFill>
+                <a:latin typeface="+mn-lt"/>
+                <a:ea typeface="+mn-ea"/>
+                <a:cs typeface="+mn-cs"/>
+              </a:rPr>
+              <a:t>→∞</a:t>
+            </a:r>
+            <a:r>
+              <a:rPr lang="en-US" altLang="zh-CN" sz="1200" b="0" i="0" u="none" strike="noStrike" kern="1200" dirty="0" smtClean="0">
+                <a:solidFill>
+                  <a:schemeClr val="tx1"/>
+                </a:solidFill>
+                <a:latin typeface="+mn-lt"/>
+                <a:ea typeface="+mn-ea"/>
+                <a:cs typeface="+mn-cs"/>
+              </a:rPr>
+              <a:t>m→∞</a:t>
+            </a:r>
+            <a:r>
+              <a:rPr lang="zh-CN" altLang="en-US" sz="1200" b="0" i="0" kern="1200" dirty="0" smtClean="0">
+                <a:solidFill>
+                  <a:schemeClr val="tx1"/>
+                </a:solidFill>
+                <a:latin typeface="+mn-lt"/>
+                <a:ea typeface="+mn-ea"/>
+                <a:cs typeface="+mn-cs"/>
+              </a:rPr>
+              <a:t>时，</a:t>
+            </a:r>
+            <a:r>
+              <a:rPr lang="en-US" altLang="zh-CN" sz="1200" b="0" i="0" u="none" strike="noStrike" kern="1200" dirty="0" smtClean="0">
+                <a:solidFill>
+                  <a:schemeClr val="tx1"/>
+                </a:solidFill>
+                <a:latin typeface="+mn-lt"/>
+                <a:ea typeface="+mn-ea"/>
+                <a:cs typeface="+mn-cs"/>
+              </a:rPr>
+              <a:t>(1−1m)m</a:t>
+            </a:r>
+            <a:r>
+              <a:rPr lang="zh-CN" altLang="en-US" sz="1200" b="0" i="0" u="none" strike="noStrike" kern="1200" dirty="0" smtClean="0">
+                <a:solidFill>
+                  <a:schemeClr val="tx1"/>
+                </a:solidFill>
+                <a:latin typeface="+mn-lt"/>
+                <a:ea typeface="+mn-ea"/>
+                <a:cs typeface="+mn-cs"/>
+              </a:rPr>
+              <a:t>→</a:t>
+            </a:r>
+            <a:r>
+              <a:rPr lang="en-US" altLang="zh-CN" sz="1200" b="0" i="0" u="none" strike="noStrike" kern="1200" dirty="0" smtClean="0">
+                <a:solidFill>
+                  <a:schemeClr val="tx1"/>
+                </a:solidFill>
+                <a:latin typeface="+mn-lt"/>
+                <a:ea typeface="+mn-ea"/>
+                <a:cs typeface="+mn-cs"/>
+              </a:rPr>
+              <a:t>1e</a:t>
+            </a:r>
+            <a:r>
+              <a:rPr lang="zh-CN" altLang="en-US" sz="1200" b="0" i="0" u="none" strike="noStrike" kern="1200" dirty="0" smtClean="0">
+                <a:solidFill>
+                  <a:schemeClr val="tx1"/>
+                </a:solidFill>
+                <a:latin typeface="+mn-lt"/>
+                <a:ea typeface="+mn-ea"/>
+                <a:cs typeface="+mn-cs"/>
+              </a:rPr>
+              <a:t>≃</a:t>
+            </a:r>
+            <a:r>
+              <a:rPr lang="en-US" altLang="zh-CN" sz="1200" b="0" i="0" u="none" strike="noStrike" kern="1200" dirty="0" smtClean="0">
+                <a:solidFill>
+                  <a:schemeClr val="tx1"/>
+                </a:solidFill>
+                <a:latin typeface="+mn-lt"/>
+                <a:ea typeface="+mn-ea"/>
+                <a:cs typeface="+mn-cs"/>
+              </a:rPr>
+              <a:t>0.368(1−1m)m→1e≃0.368</a:t>
+            </a:r>
+            <a:r>
+              <a:rPr lang="zh-CN" altLang="en-US" sz="1200" b="0" i="0" kern="1200" dirty="0" smtClean="0">
+                <a:solidFill>
+                  <a:schemeClr val="tx1"/>
+                </a:solidFill>
+                <a:latin typeface="+mn-lt"/>
+                <a:ea typeface="+mn-ea"/>
+                <a:cs typeface="+mn-cs"/>
+              </a:rPr>
+              <a:t>。也就是说，</a:t>
+            </a:r>
+            <a:r>
+              <a:rPr lang="zh-CN" altLang="en-US" sz="1200" b="1" i="0" kern="1200" dirty="0" smtClean="0">
+                <a:solidFill>
+                  <a:schemeClr val="tx1"/>
+                </a:solidFill>
+                <a:latin typeface="+mn-lt"/>
+                <a:ea typeface="+mn-ea"/>
+                <a:cs typeface="+mn-cs"/>
+              </a:rPr>
+              <a:t>在</a:t>
+            </a:r>
+            <a:r>
+              <a:rPr lang="en-US" altLang="zh-CN" sz="1200" b="1" i="0" kern="1200" dirty="0" smtClean="0">
+                <a:solidFill>
+                  <a:schemeClr val="tx1"/>
+                </a:solidFill>
+                <a:latin typeface="+mn-lt"/>
+                <a:ea typeface="+mn-ea"/>
+                <a:cs typeface="+mn-cs"/>
+              </a:rPr>
+              <a:t>bagging</a:t>
+            </a:r>
+            <a:r>
+              <a:rPr lang="zh-CN" altLang="en-US" sz="1200" b="1" i="0" kern="1200" dirty="0" smtClean="0">
+                <a:solidFill>
+                  <a:schemeClr val="tx1"/>
+                </a:solidFill>
+                <a:latin typeface="+mn-lt"/>
+                <a:ea typeface="+mn-ea"/>
+                <a:cs typeface="+mn-cs"/>
+              </a:rPr>
+              <a:t>的每轮随机采样中，训练集中大约有</a:t>
+            </a:r>
+            <a:r>
+              <a:rPr lang="en-US" altLang="zh-CN" sz="1200" b="1" i="0" kern="1200" dirty="0" smtClean="0">
+                <a:solidFill>
+                  <a:schemeClr val="tx1"/>
+                </a:solidFill>
+                <a:latin typeface="+mn-lt"/>
+                <a:ea typeface="+mn-ea"/>
+                <a:cs typeface="+mn-cs"/>
+              </a:rPr>
+              <a:t>36.8%</a:t>
+            </a:r>
+            <a:r>
+              <a:rPr lang="zh-CN" altLang="en-US" sz="1200" b="1" i="0" kern="1200" dirty="0" smtClean="0">
+                <a:solidFill>
+                  <a:schemeClr val="tx1"/>
+                </a:solidFill>
+                <a:latin typeface="+mn-lt"/>
+                <a:ea typeface="+mn-ea"/>
+                <a:cs typeface="+mn-cs"/>
+              </a:rPr>
+              <a:t>的数据没有被采样集采集中。</a:t>
+            </a:r>
+          </a:p>
+          <a:p>
+            <a:r>
+              <a:rPr lang="zh-CN" altLang="en-US" sz="1200" b="0" i="0" kern="1200" dirty="0" smtClean="0">
+                <a:solidFill>
+                  <a:schemeClr val="tx1"/>
+                </a:solidFill>
+                <a:latin typeface="+mn-lt"/>
+                <a:ea typeface="+mn-ea"/>
+                <a:cs typeface="+mn-cs"/>
+              </a:rPr>
+              <a:t>　　　　对于这部分大约</a:t>
+            </a:r>
+            <a:r>
+              <a:rPr lang="en-US" altLang="zh-CN" sz="1200" b="0" i="0" kern="1200" dirty="0" smtClean="0">
+                <a:solidFill>
+                  <a:schemeClr val="tx1"/>
+                </a:solidFill>
+                <a:latin typeface="+mn-lt"/>
+                <a:ea typeface="+mn-ea"/>
+                <a:cs typeface="+mn-cs"/>
+              </a:rPr>
+              <a:t>36.8%</a:t>
+            </a:r>
+            <a:r>
+              <a:rPr lang="zh-CN" altLang="en-US" sz="1200" b="0" i="0" kern="1200" dirty="0" smtClean="0">
+                <a:solidFill>
+                  <a:schemeClr val="tx1"/>
+                </a:solidFill>
+                <a:latin typeface="+mn-lt"/>
+                <a:ea typeface="+mn-ea"/>
+                <a:cs typeface="+mn-cs"/>
+              </a:rPr>
+              <a:t>的没有被采样到的数据，我们常常称之为</a:t>
+            </a:r>
+            <a:r>
+              <a:rPr lang="zh-CN" altLang="en-US" sz="1200" b="1" i="0" kern="1200" dirty="0" smtClean="0">
+                <a:solidFill>
+                  <a:schemeClr val="tx1"/>
+                </a:solidFill>
+                <a:latin typeface="+mn-lt"/>
+                <a:ea typeface="+mn-ea"/>
+                <a:cs typeface="+mn-cs"/>
+              </a:rPr>
+              <a:t>袋外数据</a:t>
+            </a:r>
+            <a:r>
+              <a:rPr lang="en-US" altLang="zh-CN" sz="1200" b="1" i="0" kern="1200" dirty="0" smtClean="0">
+                <a:solidFill>
+                  <a:schemeClr val="tx1"/>
+                </a:solidFill>
+                <a:latin typeface="+mn-lt"/>
+                <a:ea typeface="+mn-ea"/>
+                <a:cs typeface="+mn-cs"/>
+              </a:rPr>
+              <a:t>(Out Of Bag, </a:t>
+            </a:r>
+            <a:r>
+              <a:rPr lang="zh-CN" altLang="en-US" sz="1200" b="1" i="0" kern="1200" dirty="0" smtClean="0">
+                <a:solidFill>
+                  <a:schemeClr val="tx1"/>
+                </a:solidFill>
+                <a:latin typeface="+mn-lt"/>
+                <a:ea typeface="+mn-ea"/>
+                <a:cs typeface="+mn-cs"/>
+              </a:rPr>
+              <a:t>简称</a:t>
+            </a:r>
+            <a:r>
+              <a:rPr lang="en-US" altLang="zh-CN" sz="1200" b="1" i="0" kern="1200" dirty="0" smtClean="0">
+                <a:solidFill>
+                  <a:schemeClr val="tx1"/>
+                </a:solidFill>
+                <a:latin typeface="+mn-lt"/>
+                <a:ea typeface="+mn-ea"/>
+                <a:cs typeface="+mn-cs"/>
+              </a:rPr>
+              <a:t>OOB</a:t>
+            </a:r>
+            <a:r>
+              <a:rPr lang="en-US" altLang="zh-CN" sz="1200" b="0" i="0" kern="1200" dirty="0" smtClean="0">
+                <a:solidFill>
+                  <a:schemeClr val="tx1"/>
+                </a:solidFill>
+                <a:latin typeface="+mn-lt"/>
+                <a:ea typeface="+mn-ea"/>
+                <a:cs typeface="+mn-cs"/>
+              </a:rPr>
+              <a:t>)</a:t>
+            </a:r>
+            <a:r>
+              <a:rPr lang="zh-CN" altLang="en-US" sz="1200" b="0" i="0" kern="1200" dirty="0" smtClean="0">
+                <a:solidFill>
+                  <a:schemeClr val="tx1"/>
+                </a:solidFill>
+                <a:latin typeface="+mn-lt"/>
+                <a:ea typeface="+mn-ea"/>
+                <a:cs typeface="+mn-cs"/>
+              </a:rPr>
+              <a:t>。这些数据没有参与训练集模型的拟合，因此可以用来检测模型的泛化能力。</a:t>
+            </a:r>
+          </a:p>
+          <a:p>
+            <a:r>
+              <a:rPr lang="zh-CN" altLang="en-US" sz="1200" b="0" i="0" kern="1200" dirty="0" smtClean="0">
+                <a:solidFill>
+                  <a:schemeClr val="tx1"/>
+                </a:solidFill>
+                <a:latin typeface="+mn-lt"/>
+                <a:ea typeface="+mn-ea"/>
+                <a:cs typeface="+mn-cs"/>
+              </a:rPr>
+              <a:t>　　　　</a:t>
+            </a:r>
+            <a:r>
+              <a:rPr lang="en-US" altLang="zh-CN" sz="1200" b="0" i="0" kern="1200" dirty="0" smtClean="0">
+                <a:solidFill>
+                  <a:schemeClr val="tx1"/>
+                </a:solidFill>
+                <a:latin typeface="+mn-lt"/>
+                <a:ea typeface="+mn-ea"/>
+                <a:cs typeface="+mn-cs"/>
+              </a:rPr>
+              <a:t>bagging</a:t>
+            </a:r>
+            <a:r>
+              <a:rPr lang="zh-CN" altLang="en-US" sz="1200" b="0" i="0" kern="1200" dirty="0" smtClean="0">
+                <a:solidFill>
+                  <a:schemeClr val="tx1"/>
+                </a:solidFill>
+                <a:latin typeface="+mn-lt"/>
+                <a:ea typeface="+mn-ea"/>
+                <a:cs typeface="+mn-cs"/>
+              </a:rPr>
+              <a:t>对于弱学习器没有限制，这和</a:t>
+            </a:r>
+            <a:r>
+              <a:rPr lang="en-US" altLang="zh-CN" sz="1200" b="0" i="0" kern="1200" dirty="0" err="1" smtClean="0">
+                <a:solidFill>
+                  <a:schemeClr val="tx1"/>
+                </a:solidFill>
+                <a:latin typeface="+mn-lt"/>
+                <a:ea typeface="+mn-ea"/>
+                <a:cs typeface="+mn-cs"/>
+              </a:rPr>
+              <a:t>Adaboost</a:t>
+            </a:r>
+            <a:r>
+              <a:rPr lang="zh-CN" altLang="en-US" sz="1200" b="0" i="0" kern="1200" dirty="0" smtClean="0">
+                <a:solidFill>
+                  <a:schemeClr val="tx1"/>
+                </a:solidFill>
+                <a:latin typeface="+mn-lt"/>
+                <a:ea typeface="+mn-ea"/>
+                <a:cs typeface="+mn-cs"/>
+              </a:rPr>
+              <a:t>一样。但是最常用的一般也是决策树和神经网络。</a:t>
+            </a:r>
+          </a:p>
+          <a:p>
+            <a:r>
+              <a:rPr lang="zh-CN" altLang="en-US" sz="1200" b="0" i="0" kern="1200" dirty="0" smtClean="0">
+                <a:solidFill>
+                  <a:schemeClr val="tx1"/>
+                </a:solidFill>
+                <a:latin typeface="+mn-lt"/>
+                <a:ea typeface="+mn-ea"/>
+                <a:cs typeface="+mn-cs"/>
+              </a:rPr>
+              <a:t>　　　　</a:t>
+            </a:r>
+            <a:r>
+              <a:rPr lang="en-US" altLang="zh-CN" sz="1200" b="0" i="0" kern="1200" dirty="0" smtClean="0">
+                <a:solidFill>
+                  <a:schemeClr val="tx1"/>
+                </a:solidFill>
+                <a:latin typeface="+mn-lt"/>
+                <a:ea typeface="+mn-ea"/>
+                <a:cs typeface="+mn-cs"/>
+              </a:rPr>
+              <a:t>bagging</a:t>
+            </a:r>
+            <a:r>
+              <a:rPr lang="zh-CN" altLang="en-US" sz="1200" b="0" i="0" kern="1200" dirty="0" smtClean="0">
+                <a:solidFill>
+                  <a:schemeClr val="tx1"/>
+                </a:solidFill>
+                <a:latin typeface="+mn-lt"/>
+                <a:ea typeface="+mn-ea"/>
+                <a:cs typeface="+mn-cs"/>
+              </a:rPr>
+              <a:t>的集合策略也比较简单，对于分类问题，通常使用简单投票法，得到最多票数的类别或者类别之一为最终的模型输出。对于回归问题，通常使用简单平均法，对</a:t>
+            </a:r>
+            <a:r>
+              <a:rPr lang="en-US" altLang="zh-CN" sz="1200" b="0" i="0" kern="1200" dirty="0" smtClean="0">
+                <a:solidFill>
+                  <a:schemeClr val="tx1"/>
+                </a:solidFill>
+                <a:latin typeface="+mn-lt"/>
+                <a:ea typeface="+mn-ea"/>
+                <a:cs typeface="+mn-cs"/>
+              </a:rPr>
+              <a:t>T</a:t>
+            </a:r>
+            <a:r>
+              <a:rPr lang="zh-CN" altLang="en-US" sz="1200" b="0" i="0" kern="1200" dirty="0" smtClean="0">
+                <a:solidFill>
+                  <a:schemeClr val="tx1"/>
+                </a:solidFill>
+                <a:latin typeface="+mn-lt"/>
+                <a:ea typeface="+mn-ea"/>
+                <a:cs typeface="+mn-cs"/>
+              </a:rPr>
+              <a:t>个弱学习器得到的回归结果进行算术平均得到最终的模型输出。</a:t>
+            </a:r>
+          </a:p>
+          <a:p>
+            <a:r>
+              <a:rPr lang="zh-CN" altLang="en-US" sz="1200" b="0" i="0" kern="1200" dirty="0" smtClean="0">
+                <a:solidFill>
+                  <a:schemeClr val="tx1"/>
+                </a:solidFill>
+                <a:latin typeface="+mn-lt"/>
+                <a:ea typeface="+mn-ea"/>
+                <a:cs typeface="+mn-cs"/>
+              </a:rPr>
+              <a:t>　　　　由于</a:t>
+            </a:r>
+            <a:r>
+              <a:rPr lang="en-US" altLang="zh-CN" sz="1200" b="0" i="0" kern="1200" dirty="0" smtClean="0">
+                <a:solidFill>
+                  <a:schemeClr val="tx1"/>
+                </a:solidFill>
+                <a:latin typeface="+mn-lt"/>
+                <a:ea typeface="+mn-ea"/>
+                <a:cs typeface="+mn-cs"/>
+              </a:rPr>
+              <a:t>Bagging</a:t>
+            </a:r>
+            <a:r>
+              <a:rPr lang="zh-CN" altLang="en-US" sz="1200" b="0" i="0" kern="1200" dirty="0" smtClean="0">
+                <a:solidFill>
+                  <a:schemeClr val="tx1"/>
+                </a:solidFill>
+                <a:latin typeface="+mn-lt"/>
+                <a:ea typeface="+mn-ea"/>
+                <a:cs typeface="+mn-cs"/>
+              </a:rPr>
+              <a:t>算法每次都进行采样来训练模型，因此泛化能力很强，对于降低模型的方差很有作用。当然对于训练集的拟合程度就会差一些，也就是模型的偏倚会大一些。</a:t>
+            </a:r>
+          </a:p>
+          <a:p>
             <a:endParaRPr lang="zh-CN" altLang="en-US" dirty="0"/>
           </a:p>
         </p:txBody>
@@ -8697,7 +9686,11 @@
           <a:bodyPr/>
           <a:lstStyle/>
           <a:p>
-            <a:endParaRPr lang="zh-CN" altLang="en-US"/>
+            <a:r>
+              <a:rPr lang="en-US" altLang="zh-CN" dirty="0" err="1" smtClean="0"/>
+              <a:t>Adaboost</a:t>
+            </a:r>
+            <a:endParaRPr lang="zh-CN" altLang="en-US" dirty="0"/>
           </a:p>
         </p:txBody>
       </p:sp>
@@ -8745,34 +9738,38 @@
           <a:chExt cx="0" cy="0"/>
         </a:xfrm>
       </p:grpSpPr>
-      <p:sp>
-        <p:nvSpPr>
-          <p:cNvPr id="2" name="标题 1"/>
-          <p:cNvSpPr>
-            <a:spLocks noGrp="1"/>
-          </p:cNvSpPr>
-          <p:nvPr>
-            <p:ph type="title"/>
-          </p:nvPr>
-        </p:nvSpPr>
-        <p:spPr>
+      <p:pic>
+        <p:nvPicPr>
+          <p:cNvPr id="1026" name="Picture 2"/>
+          <p:cNvPicPr>
+            <a:picLocks noChangeAspect="1" noChangeArrowheads="1"/>
+          </p:cNvPicPr>
+          <p:nvPr/>
+        </p:nvPicPr>
+        <p:blipFill>
+          <a:blip r:embed="rId3" cstate="print"/>
+          <a:srcRect/>
+          <a:stretch>
+            <a:fillRect/>
+          </a:stretch>
+        </p:blipFill>
+        <p:spPr bwMode="auto">
           <a:xfrm>
-            <a:off x="467544" y="2276872"/>
-            <a:ext cx="8229600" cy="1143000"/>
+            <a:off x="-180528" y="-459432"/>
+            <a:ext cx="6591300" cy="8362950"/>
           </a:xfrm>
+          <a:prstGeom prst="rect">
+            <a:avLst/>
+          </a:prstGeom>
+          <a:noFill/>
+          <a:ln w="9525">
+            <a:noFill/>
+            <a:miter lim="800000"/>
+            <a:headEnd/>
+            <a:tailEnd/>
+          </a:ln>
         </p:spPr>
-        <p:txBody>
-          <a:bodyPr/>
-          <a:lstStyle/>
-          <a:p>
-            <a:r>
-              <a:rPr lang="en-US" altLang="zh-CN" dirty="0" smtClean="0"/>
-              <a:t>bagging</a:t>
-            </a:r>
-            <a:endParaRPr lang="zh-CN" altLang="en-US" dirty="0"/>
-          </a:p>
-        </p:txBody>
-      </p:sp>
+      </p:pic>
     </p:spTree>
   </p:cSld>
   <p:clrMapOvr>
@@ -8782,6 +9779,122 @@
 </file>
 
 <file path=ppt/slides/slide12.xml><?xml version="1.0" encoding="utf-8"?>
+<p:sld xmlns:a="http://schemas.openxmlformats.org/drawingml/2006/main" xmlns:r="http://schemas.openxmlformats.org/officeDocument/2006/relationships" xmlns:p="http://schemas.openxmlformats.org/presentationml/2006/main">
+  <p:cSld>
+    <p:spTree>
+      <p:nvGrpSpPr>
+        <p:cNvPr id="1" name=""/>
+        <p:cNvGrpSpPr/>
+        <p:nvPr/>
+      </p:nvGrpSpPr>
+      <p:grpSpPr>
+        <a:xfrm>
+          <a:off x="0" y="0"/>
+          <a:ext cx="0" cy="0"/>
+          <a:chOff x="0" y="0"/>
+          <a:chExt cx="0" cy="0"/>
+        </a:xfrm>
+      </p:grpSpPr>
+      <p:sp>
+        <p:nvSpPr>
+          <p:cNvPr id="2" name="标题 1"/>
+          <p:cNvSpPr>
+            <a:spLocks noGrp="1"/>
+          </p:cNvSpPr>
+          <p:nvPr>
+            <p:ph type="title"/>
+          </p:nvPr>
+        </p:nvSpPr>
+        <p:spPr/>
+        <p:txBody>
+          <a:bodyPr/>
+          <a:lstStyle/>
+          <a:p>
+            <a:endParaRPr lang="zh-CN" altLang="en-US"/>
+          </a:p>
+        </p:txBody>
+      </p:sp>
+      <p:sp>
+        <p:nvSpPr>
+          <p:cNvPr id="3" name="内容占位符 2"/>
+          <p:cNvSpPr>
+            <a:spLocks noGrp="1"/>
+          </p:cNvSpPr>
+          <p:nvPr>
+            <p:ph idx="1"/>
+          </p:nvPr>
+        </p:nvSpPr>
+        <p:spPr/>
+        <p:txBody>
+          <a:bodyPr/>
+          <a:lstStyle/>
+          <a:p>
+            <a:endParaRPr lang="zh-CN" altLang="en-US"/>
+          </a:p>
+        </p:txBody>
+      </p:sp>
+    </p:spTree>
+  </p:cSld>
+  <p:clrMapOvr>
+    <a:masterClrMapping/>
+  </p:clrMapOvr>
+</p:sld>
+</file>
+
+<file path=ppt/slides/slide13.xml><?xml version="1.0" encoding="utf-8"?>
+<p:sld xmlns:a="http://schemas.openxmlformats.org/drawingml/2006/main" xmlns:r="http://schemas.openxmlformats.org/officeDocument/2006/relationships" xmlns:p="http://schemas.openxmlformats.org/presentationml/2006/main">
+  <p:cSld>
+    <p:spTree>
+      <p:nvGrpSpPr>
+        <p:cNvPr id="1" name=""/>
+        <p:cNvGrpSpPr/>
+        <p:nvPr/>
+      </p:nvGrpSpPr>
+      <p:grpSpPr>
+        <a:xfrm>
+          <a:off x="0" y="0"/>
+          <a:ext cx="0" cy="0"/>
+          <a:chOff x="0" y="0"/>
+          <a:chExt cx="0" cy="0"/>
+        </a:xfrm>
+      </p:grpSpPr>
+      <p:sp>
+        <p:nvSpPr>
+          <p:cNvPr id="2" name="标题 1"/>
+          <p:cNvSpPr>
+            <a:spLocks noGrp="1"/>
+          </p:cNvSpPr>
+          <p:nvPr>
+            <p:ph type="title"/>
+          </p:nvPr>
+        </p:nvSpPr>
+        <p:spPr>
+          <a:xfrm>
+            <a:off x="467544" y="2276872"/>
+            <a:ext cx="8229600" cy="1143000"/>
+          </a:xfrm>
+        </p:spPr>
+        <p:txBody>
+          <a:bodyPr/>
+          <a:lstStyle/>
+          <a:p>
+            <a:r>
+              <a:rPr lang="en-US" altLang="zh-CN" dirty="0" smtClean="0"/>
+              <a:t>bagging</a:t>
+            </a:r>
+            <a:endParaRPr lang="zh-CN" altLang="en-US" dirty="0"/>
+          </a:p>
+        </p:txBody>
+      </p:sp>
+    </p:spTree>
+  </p:cSld>
+  <p:clrMapOvr>
+    <a:masterClrMapping/>
+  </p:clrMapOvr>
+</p:sld>
+</file>
+
+<file path=ppt/slides/slide14.xml><?xml version="1.0" encoding="utf-8"?>
 <p:sld xmlns:a="http://schemas.openxmlformats.org/drawingml/2006/main" xmlns:r="http://schemas.openxmlformats.org/officeDocument/2006/relationships" xmlns:p="http://schemas.openxmlformats.org/presentationml/2006/main">
   <p:cSld>
     <p:spTree>
@@ -8832,7 +9945,7 @@
 </p:sld>
 </file>
 
-<file path=ppt/slides/slide13.xml><?xml version="1.0" encoding="utf-8"?>
+<file path=ppt/slides/slide15.xml><?xml version="1.0" encoding="utf-8"?>
 <p:sld xmlns:a="http://schemas.openxmlformats.org/drawingml/2006/main" xmlns:r="http://schemas.openxmlformats.org/officeDocument/2006/relationships" xmlns:p="http://schemas.openxmlformats.org/presentationml/2006/main">
   <p:cSld>
     <p:spTree>
@@ -8885,7 +9998,7 @@
 </p:sld>
 </file>
 
-<file path=ppt/slides/slide14.xml><?xml version="1.0" encoding="utf-8"?>
+<file path=ppt/slides/slide16.xml><?xml version="1.0" encoding="utf-8"?>
 <p:sld xmlns:a="http://schemas.openxmlformats.org/drawingml/2006/main" xmlns:r="http://schemas.openxmlformats.org/officeDocument/2006/relationships" xmlns:p="http://schemas.openxmlformats.org/presentationml/2006/main">
   <p:cSld>
     <p:spTree>
@@ -8942,7 +10055,7 @@
 </p:sld>
 </file>
 
-<file path=ppt/slides/slide15.xml><?xml version="1.0" encoding="utf-8"?>
+<file path=ppt/slides/slide17.xml><?xml version="1.0" encoding="utf-8"?>
 <p:sld xmlns:a="http://schemas.openxmlformats.org/drawingml/2006/main" xmlns:r="http://schemas.openxmlformats.org/officeDocument/2006/relationships" xmlns:p="http://schemas.openxmlformats.org/presentationml/2006/main">
   <p:cSld>
     <p:spTree>
@@ -9009,7 +10122,7 @@
 </p:sld>
 </file>
 
-<file path=ppt/slides/slide16.xml><?xml version="1.0" encoding="utf-8"?>
+<file path=ppt/slides/slide18.xml><?xml version="1.0" encoding="utf-8"?>
 <p:sld xmlns:a="http://schemas.openxmlformats.org/drawingml/2006/main" xmlns:r="http://schemas.openxmlformats.org/officeDocument/2006/relationships" xmlns:p="http://schemas.openxmlformats.org/presentationml/2006/main">
   <p:cSld>
     <p:spTree>
@@ -9060,7 +10173,7 @@
 </p:sld>
 </file>
 
-<file path=ppt/slides/slide17.xml><?xml version="1.0" encoding="utf-8"?>
+<file path=ppt/slides/slide19.xml><?xml version="1.0" encoding="utf-8"?>
 <p:sld xmlns:a="http://schemas.openxmlformats.org/drawingml/2006/main" xmlns:r="http://schemas.openxmlformats.org/officeDocument/2006/relationships" xmlns:p="http://schemas.openxmlformats.org/presentationml/2006/main">
   <p:cSld>
     <p:spTree>
@@ -9113,7 +10226,133 @@
 </p:sld>
 </file>
 
-<file path=ppt/slides/slide18.xml><?xml version="1.0" encoding="utf-8"?>
+<file path=ppt/slides/slide2.xml><?xml version="1.0" encoding="utf-8"?>
+<p:sld xmlns:a="http://schemas.openxmlformats.org/drawingml/2006/main" xmlns:r="http://schemas.openxmlformats.org/officeDocument/2006/relationships" xmlns:p="http://schemas.openxmlformats.org/presentationml/2006/main">
+  <p:cSld>
+    <p:spTree>
+      <p:nvGrpSpPr>
+        <p:cNvPr id="1" name=""/>
+        <p:cNvGrpSpPr/>
+        <p:nvPr/>
+      </p:nvGrpSpPr>
+      <p:grpSpPr>
+        <a:xfrm>
+          <a:off x="0" y="0"/>
+          <a:ext cx="0" cy="0"/>
+          <a:chOff x="0" y="0"/>
+          <a:chExt cx="0" cy="0"/>
+        </a:xfrm>
+      </p:grpSpPr>
+      <p:sp>
+        <p:nvSpPr>
+          <p:cNvPr id="4" name="TextBox 3"/>
+          <p:cNvSpPr txBox="1"/>
+          <p:nvPr/>
+        </p:nvSpPr>
+        <p:spPr>
+          <a:xfrm>
+            <a:off x="1403649" y="1268760"/>
+            <a:ext cx="6408712" cy="2585323"/>
+          </a:xfrm>
+          <a:prstGeom prst="rect">
+            <a:avLst/>
+          </a:prstGeom>
+          <a:noFill/>
+        </p:spPr>
+        <p:txBody>
+          <a:bodyPr wrap="square" rtlCol="0">
+            <a:spAutoFit/>
+          </a:bodyPr>
+          <a:lstStyle/>
+          <a:p>
+            <a:r>
+              <a:rPr lang="en-US" altLang="zh-CN" dirty="0" smtClean="0"/>
+              <a:t>NLP</a:t>
+            </a:r>
+            <a:r>
+              <a:rPr lang="zh-CN" altLang="en-US" dirty="0" smtClean="0"/>
+              <a:t>三个层面：</a:t>
+            </a:r>
+            <a:endParaRPr lang="en-US" altLang="zh-CN" dirty="0" smtClean="0"/>
+          </a:p>
+          <a:p>
+            <a:r>
+              <a:rPr lang="zh-CN" altLang="en-US" dirty="0" smtClean="0"/>
+              <a:t>词法分析：分词和分析词性</a:t>
+            </a:r>
+            <a:endParaRPr lang="en-US" altLang="zh-CN" dirty="0" smtClean="0"/>
+          </a:p>
+          <a:p>
+            <a:r>
+              <a:rPr lang="zh-CN" altLang="en-US" dirty="0" smtClean="0"/>
+              <a:t>句法分析：分析短语的结构；帮助理解句子含义。目前分为浅层的句法分析（短语结构，依存结构）和深层的（深层文法，更难）</a:t>
+            </a:r>
+            <a:endParaRPr lang="en-US" altLang="zh-CN" dirty="0" smtClean="0"/>
+          </a:p>
+          <a:p>
+            <a:r>
+              <a:rPr lang="zh-CN" altLang="en-US" dirty="0" smtClean="0"/>
+              <a:t>语义分析：语义角色标注（</a:t>
+            </a:r>
+            <a:r>
+              <a:rPr lang="en-US" altLang="zh-CN" dirty="0" smtClean="0"/>
+              <a:t>semantic role labeling</a:t>
+            </a:r>
+            <a:r>
+              <a:rPr lang="zh-CN" altLang="en-US" dirty="0" smtClean="0"/>
+              <a:t>）</a:t>
+            </a:r>
+            <a:endParaRPr lang="en-US" altLang="zh-CN" dirty="0" smtClean="0"/>
+          </a:p>
+          <a:p>
+            <a:endParaRPr lang="en-US" altLang="zh-CN" dirty="0" smtClean="0"/>
+          </a:p>
+          <a:p>
+            <a:r>
+              <a:rPr lang="en-US" altLang="zh-CN" dirty="0" smtClean="0"/>
+              <a:t>NLP</a:t>
+            </a:r>
+            <a:r>
+              <a:rPr lang="zh-CN" altLang="en-US" dirty="0" smtClean="0"/>
+              <a:t>：</a:t>
+            </a:r>
+            <a:r>
+              <a:rPr lang="en-US" altLang="zh-CN" dirty="0" smtClean="0"/>
+              <a:t>1955</a:t>
+            </a:r>
+            <a:r>
+              <a:rPr lang="zh-CN" altLang="en-US" dirty="0" smtClean="0"/>
+              <a:t>年提出，</a:t>
+            </a:r>
+            <a:r>
+              <a:rPr lang="en-US" altLang="zh-CN" dirty="0" smtClean="0"/>
+              <a:t>SVM</a:t>
+            </a:r>
+            <a:r>
+              <a:rPr lang="zh-CN" altLang="en-US" dirty="0" smtClean="0"/>
+              <a:t>，</a:t>
+            </a:r>
+            <a:r>
+              <a:rPr lang="en-US" altLang="zh-CN" dirty="0" smtClean="0"/>
+              <a:t>CRF</a:t>
+            </a:r>
+            <a:r>
+              <a:rPr lang="zh-CN" altLang="en-US" dirty="0" smtClean="0"/>
+              <a:t>浅层的模型，无法对海量数据中的高维非线性映射建模。</a:t>
+            </a:r>
+            <a:endParaRPr lang="zh-CN" altLang="en-US" dirty="0"/>
+          </a:p>
+        </p:txBody>
+      </p:sp>
+    </p:spTree>
+  </p:cSld>
+  <p:clrMapOvr>
+    <a:masterClrMapping/>
+  </p:clrMapOvr>
+</p:sld>
+</file>
+
+<file path=ppt/slides/slide20.xml><?xml version="1.0" encoding="utf-8"?>
 <p:sld xmlns:a="http://schemas.openxmlformats.org/drawingml/2006/main" xmlns:r="http://schemas.openxmlformats.org/officeDocument/2006/relationships" xmlns:p="http://schemas.openxmlformats.org/presentationml/2006/main">
   <p:cSld>
     <p:spTree>
@@ -9200,7 +10439,7 @@
 </p:sld>
 </file>
 
-<file path=ppt/slides/slide19.xml><?xml version="1.0" encoding="utf-8"?>
+<file path=ppt/slides/slide21.xml><?xml version="1.0" encoding="utf-8"?>
 <p:sld xmlns:a="http://schemas.openxmlformats.org/drawingml/2006/main" xmlns:r="http://schemas.openxmlformats.org/officeDocument/2006/relationships" xmlns:p="http://schemas.openxmlformats.org/presentationml/2006/main">
   <p:cSld>
     <p:spTree>
@@ -9244,7 +10483,7 @@
 </p:sld>
 </file>
 
-<file path=ppt/slides/slide2.xml><?xml version="1.0" encoding="utf-8"?>
+<file path=ppt/slides/slide22.xml><?xml version="1.0" encoding="utf-8"?>
 <p:sld xmlns:a="http://schemas.openxmlformats.org/drawingml/2006/main" xmlns:r="http://schemas.openxmlformats.org/officeDocument/2006/relationships" xmlns:p="http://schemas.openxmlformats.org/presentationml/2006/main">
   <p:cSld>
     <p:spTree>
@@ -9263,100 +10502,31 @@
       </p:grpSpPr>
       <p:sp>
         <p:nvSpPr>
-          <p:cNvPr id="4" name="TextBox 3"/>
-          <p:cNvSpPr txBox="1"/>
-          <p:nvPr/>
+          <p:cNvPr id="2" name="标题 1"/>
+          <p:cNvSpPr>
+            <a:spLocks noGrp="1"/>
+          </p:cNvSpPr>
+          <p:nvPr>
+            <p:ph type="title"/>
+          </p:nvPr>
         </p:nvSpPr>
         <p:spPr>
           <a:xfrm>
-            <a:off x="1403649" y="1268760"/>
-            <a:ext cx="6408712" cy="2585323"/>
+            <a:off x="467544" y="1988840"/>
+            <a:ext cx="8229600" cy="1143000"/>
           </a:xfrm>
-          <a:prstGeom prst="rect">
-            <a:avLst/>
-          </a:prstGeom>
-          <a:noFill/>
         </p:spPr>
         <p:txBody>
-          <a:bodyPr wrap="square" rtlCol="0">
-            <a:spAutoFit/>
-          </a:bodyPr>
+          <a:bodyPr/>
           <a:lstStyle/>
           <a:p>
             <a:r>
+              <a:rPr lang="zh-CN" altLang="en-US" dirty="0" smtClean="0"/>
+              <a:t>损失函数 </a:t>
+            </a:r>
+            <a:r>
               <a:rPr lang="en-US" altLang="zh-CN" dirty="0" smtClean="0"/>
-              <a:t>NLP</a:t>
-            </a:r>
-            <a:r>
-              <a:rPr lang="zh-CN" altLang="en-US" dirty="0" smtClean="0"/>
-              <a:t>三个层面：</a:t>
-            </a:r>
-            <a:endParaRPr lang="en-US" altLang="zh-CN" dirty="0" smtClean="0"/>
-          </a:p>
-          <a:p>
-            <a:r>
-              <a:rPr lang="zh-CN" altLang="en-US" dirty="0" smtClean="0"/>
-              <a:t>词法分析：分词和分析词性</a:t>
-            </a:r>
-            <a:endParaRPr lang="en-US" altLang="zh-CN" dirty="0" smtClean="0"/>
-          </a:p>
-          <a:p>
-            <a:r>
-              <a:rPr lang="zh-CN" altLang="en-US" dirty="0" smtClean="0"/>
-              <a:t>句法分析：分析短语的结构；帮助理解句子含义。目前分为浅层的句法分析（短语结构，依存结构）和深层的（深层文法，更难）</a:t>
-            </a:r>
-            <a:endParaRPr lang="en-US" altLang="zh-CN" dirty="0" smtClean="0"/>
-          </a:p>
-          <a:p>
-            <a:r>
-              <a:rPr lang="zh-CN" altLang="en-US" dirty="0" smtClean="0"/>
-              <a:t>语义分析：语义角色标注（</a:t>
-            </a:r>
-            <a:r>
-              <a:rPr lang="en-US" altLang="zh-CN" dirty="0" smtClean="0"/>
-              <a:t>semantic role labeling</a:t>
-            </a:r>
-            <a:r>
-              <a:rPr lang="zh-CN" altLang="en-US" dirty="0" smtClean="0"/>
-              <a:t>）</a:t>
-            </a:r>
-            <a:endParaRPr lang="en-US" altLang="zh-CN" dirty="0" smtClean="0"/>
-          </a:p>
-          <a:p>
-            <a:endParaRPr lang="en-US" altLang="zh-CN" dirty="0" smtClean="0"/>
-          </a:p>
-          <a:p>
-            <a:r>
-              <a:rPr lang="en-US" altLang="zh-CN" dirty="0" smtClean="0"/>
-              <a:t>NLP</a:t>
-            </a:r>
-            <a:r>
-              <a:rPr lang="zh-CN" altLang="en-US" dirty="0" smtClean="0"/>
-              <a:t>：</a:t>
-            </a:r>
-            <a:r>
-              <a:rPr lang="en-US" altLang="zh-CN" dirty="0" smtClean="0"/>
-              <a:t>1955</a:t>
-            </a:r>
-            <a:r>
-              <a:rPr lang="zh-CN" altLang="en-US" dirty="0" smtClean="0"/>
-              <a:t>年提出，</a:t>
-            </a:r>
-            <a:r>
-              <a:rPr lang="en-US" altLang="zh-CN" dirty="0" smtClean="0"/>
-              <a:t>SVM</a:t>
-            </a:r>
-            <a:r>
-              <a:rPr lang="zh-CN" altLang="en-US" dirty="0" smtClean="0"/>
-              <a:t>，</a:t>
-            </a:r>
-            <a:r>
-              <a:rPr lang="en-US" altLang="zh-CN" dirty="0" smtClean="0"/>
-              <a:t>CRF</a:t>
-            </a:r>
-            <a:r>
-              <a:rPr lang="zh-CN" altLang="en-US" dirty="0" smtClean="0"/>
-              <a:t>浅层的模型，无法对海量数据中的高维非线性映射建模。</a:t>
+              <a:t>Loss</a:t>
             </a:r>
             <a:endParaRPr lang="zh-CN" altLang="en-US" dirty="0"/>
           </a:p>
@@ -9370,64 +10540,7 @@
 </p:sld>
 </file>
 
-<file path=ppt/slides/slide20.xml><?xml version="1.0" encoding="utf-8"?>
-<p:sld xmlns:a="http://schemas.openxmlformats.org/drawingml/2006/main" xmlns:r="http://schemas.openxmlformats.org/officeDocument/2006/relationships" xmlns:p="http://schemas.openxmlformats.org/presentationml/2006/main">
-  <p:cSld>
-    <p:spTree>
-      <p:nvGrpSpPr>
-        <p:cNvPr id="1" name=""/>
-        <p:cNvGrpSpPr/>
-        <p:nvPr/>
-      </p:nvGrpSpPr>
-      <p:grpSpPr>
-        <a:xfrm>
-          <a:off x="0" y="0"/>
-          <a:ext cx="0" cy="0"/>
-          <a:chOff x="0" y="0"/>
-          <a:chExt cx="0" cy="0"/>
-        </a:xfrm>
-      </p:grpSpPr>
-      <p:sp>
-        <p:nvSpPr>
-          <p:cNvPr id="2" name="标题 1"/>
-          <p:cNvSpPr>
-            <a:spLocks noGrp="1"/>
-          </p:cNvSpPr>
-          <p:nvPr>
-            <p:ph type="title"/>
-          </p:nvPr>
-        </p:nvSpPr>
-        <p:spPr>
-          <a:xfrm>
-            <a:off x="467544" y="1988840"/>
-            <a:ext cx="8229600" cy="1143000"/>
-          </a:xfrm>
-        </p:spPr>
-        <p:txBody>
-          <a:bodyPr/>
-          <a:lstStyle/>
-          <a:p>
-            <a:r>
-              <a:rPr lang="zh-CN" altLang="en-US" dirty="0" smtClean="0"/>
-              <a:t>损失函数 </a:t>
-            </a:r>
-            <a:r>
-              <a:rPr lang="en-US" altLang="zh-CN" dirty="0" smtClean="0"/>
-              <a:t>Loss</a:t>
-            </a:r>
-            <a:endParaRPr lang="zh-CN" altLang="en-US" dirty="0"/>
-          </a:p>
-        </p:txBody>
-      </p:sp>
-    </p:spTree>
-  </p:cSld>
-  <p:clrMapOvr>
-    <a:masterClrMapping/>
-  </p:clrMapOvr>
-</p:sld>
-</file>
-
-<file path=ppt/slides/slide21.xml><?xml version="1.0" encoding="utf-8"?>
+<file path=ppt/slides/slide23.xml><?xml version="1.0" encoding="utf-8"?>
 <p:sld xmlns:a="http://schemas.openxmlformats.org/drawingml/2006/main" xmlns:r="http://schemas.openxmlformats.org/officeDocument/2006/relationships" xmlns:p="http://schemas.openxmlformats.org/presentationml/2006/main">
   <p:cSld>
     <p:spTree>
@@ -9484,7 +10597,7 @@
 </p:sld>
 </file>
 
-<file path=ppt/slides/slide22.xml><?xml version="1.0" encoding="utf-8"?>
+<file path=ppt/slides/slide24.xml><?xml version="1.0" encoding="utf-8"?>
 <p:sld xmlns:a="http://schemas.openxmlformats.org/drawingml/2006/main" xmlns:r="http://schemas.openxmlformats.org/officeDocument/2006/relationships" xmlns:p="http://schemas.openxmlformats.org/presentationml/2006/main">
   <p:cSld>
     <p:spTree>
@@ -9579,7 +10692,7 @@
 </p:sld>
 </file>
 
-<file path=ppt/slides/slide23.xml><?xml version="1.0" encoding="utf-8"?>
+<file path=ppt/slides/slide25.xml><?xml version="1.0" encoding="utf-8"?>
 <p:sld xmlns:a="http://schemas.openxmlformats.org/drawingml/2006/main" xmlns:r="http://schemas.openxmlformats.org/officeDocument/2006/relationships" xmlns:p="http://schemas.openxmlformats.org/presentationml/2006/main">
   <p:cSld>
     <p:spTree>
@@ -9668,7 +10781,7 @@
 </p:sld>
 </file>
 
-<file path=ppt/slides/slide24.xml><?xml version="1.0" encoding="utf-8"?>
+<file path=ppt/slides/slide26.xml><?xml version="1.0" encoding="utf-8"?>
 <p:sld xmlns:a="http://schemas.openxmlformats.org/drawingml/2006/main" xmlns:r="http://schemas.openxmlformats.org/officeDocument/2006/relationships" xmlns:p="http://schemas.openxmlformats.org/presentationml/2006/main">
   <p:cSld>
     <p:spTree>
@@ -9759,7 +10872,7 @@
 </p:sld>
 </file>
 
-<file path=ppt/slides/slide25.xml><?xml version="1.0" encoding="utf-8"?>
+<file path=ppt/slides/slide27.xml><?xml version="1.0" encoding="utf-8"?>
 <p:sld xmlns:a="http://schemas.openxmlformats.org/drawingml/2006/main" xmlns:r="http://schemas.openxmlformats.org/officeDocument/2006/relationships" xmlns:p="http://schemas.openxmlformats.org/presentationml/2006/main">
   <p:cSld>
     <p:spTree>
@@ -10250,12 +11363,37 @@
           </a:xfrm>
         </p:spPr>
         <p:txBody>
-          <a:bodyPr/>
+          <a:bodyPr>
+            <a:normAutofit fontScale="90000"/>
+          </a:bodyPr>
           <a:lstStyle/>
           <a:p>
             <a:r>
+              <a:rPr lang="en-US" altLang="zh-CN" sz="4900" dirty="0" smtClean="0"/>
+              <a:t>Boost</a:t>
+            </a:r>
+            <a:r>
               <a:rPr lang="en-US" altLang="zh-CN" dirty="0" smtClean="0"/>
-              <a:t>Boost</a:t>
+              <a:t/>
+            </a:r>
+            <a:br>
+              <a:rPr lang="en-US" altLang="zh-CN" dirty="0" smtClean="0"/>
+            </a:br>
+            <a:r>
+              <a:rPr lang="zh-CN" altLang="en-US" sz="2700" dirty="0" smtClean="0"/>
+              <a:t>分为 </a:t>
+            </a:r>
+            <a:r>
+              <a:rPr lang="en-US" altLang="zh-CN" sz="2700" dirty="0" err="1" smtClean="0"/>
+              <a:t>adaboost</a:t>
+            </a:r>
+            <a:r>
+              <a:rPr lang="en-US" altLang="zh-CN" sz="2700" dirty="0" smtClean="0"/>
+              <a:t> </a:t>
+            </a:r>
+            <a:r>
+              <a:rPr lang="zh-CN" altLang="en-US" sz="2700" dirty="0" smtClean="0"/>
+              <a:t>和 提升树 两部分</a:t>
             </a:r>
             <a:endParaRPr lang="zh-CN" altLang="en-US" dirty="0"/>
           </a:p>
